--- a/10. Temporal Graph Networks.pptx
+++ b/10. Temporal Graph Networks.pptx
@@ -5,7 +5,7 @@
     <p:sldMasterId id="2147483660" r:id="rId1"/>
   </p:sldMasterIdLst>
   <p:notesMasterIdLst>
-    <p:notesMasterId r:id="rId18"/>
+    <p:notesMasterId r:id="rId21"/>
   </p:notesMasterIdLst>
   <p:sldIdLst>
     <p:sldId id="257" r:id="rId2"/>
@@ -15,15 +15,18 @@
     <p:sldId id="530" r:id="rId6"/>
     <p:sldId id="547" r:id="rId7"/>
     <p:sldId id="553" r:id="rId8"/>
-    <p:sldId id="548" r:id="rId9"/>
-    <p:sldId id="550" r:id="rId10"/>
-    <p:sldId id="551" r:id="rId11"/>
-    <p:sldId id="552" r:id="rId12"/>
-    <p:sldId id="514" r:id="rId13"/>
-    <p:sldId id="544" r:id="rId14"/>
-    <p:sldId id="546" r:id="rId15"/>
-    <p:sldId id="377" r:id="rId16"/>
-    <p:sldId id="300" r:id="rId17"/>
+    <p:sldId id="514" r:id="rId9"/>
+    <p:sldId id="544" r:id="rId10"/>
+    <p:sldId id="552" r:id="rId11"/>
+    <p:sldId id="554" r:id="rId12"/>
+    <p:sldId id="555" r:id="rId13"/>
+    <p:sldId id="548" r:id="rId14"/>
+    <p:sldId id="550" r:id="rId15"/>
+    <p:sldId id="556" r:id="rId16"/>
+    <p:sldId id="551" r:id="rId17"/>
+    <p:sldId id="557" r:id="rId18"/>
+    <p:sldId id="377" r:id="rId19"/>
+    <p:sldId id="300" r:id="rId20"/>
   </p:sldIdLst>
   <p:sldSz cx="12192000" cy="6858000"/>
   <p:notesSz cx="6858000" cy="9144000"/>
@@ -134,13 +137,16 @@
             <p14:sldId id="530"/>
             <p14:sldId id="547"/>
             <p14:sldId id="553"/>
+            <p14:sldId id="514"/>
+            <p14:sldId id="544"/>
+            <p14:sldId id="552"/>
+            <p14:sldId id="554"/>
+            <p14:sldId id="555"/>
             <p14:sldId id="548"/>
             <p14:sldId id="550"/>
+            <p14:sldId id="556"/>
             <p14:sldId id="551"/>
-            <p14:sldId id="552"/>
-            <p14:sldId id="514"/>
-            <p14:sldId id="544"/>
-            <p14:sldId id="546"/>
+            <p14:sldId id="557"/>
             <p14:sldId id="377"/>
             <p14:sldId id="300"/>
           </p14:sldIdLst>
@@ -1224,34 +1230,6 @@
           <a:bodyPr/>
           <a:lstStyle/>
           <a:p>
-            <a:pPr marL="0" marR="0" lvl="0" indent="0" algn="l" defTabSz="914400" rtl="0" eaLnBrk="1" fontAlgn="auto" latinLnBrk="0" hangingPunct="1">
-              <a:lnSpc>
-                <a:spcPct val="100000"/>
-              </a:lnSpc>
-              <a:spcBef>
-                <a:spcPts val="0"/>
-              </a:spcBef>
-              <a:spcAft>
-                <a:spcPts val="0"/>
-              </a:spcAft>
-              <a:buClrTx/>
-              <a:buSzTx/>
-              <a:buFontTx/>
-              <a:buNone/>
-              <a:tabLst/>
-              <a:defRPr/>
-            </a:pPr>
-            <a:r>
-              <a:rPr lang="en-US" sz="1200" dirty="0">
-                <a:solidFill>
-                  <a:srgbClr val="222222"/>
-                </a:solidFill>
-                <a:latin typeface="+mj-lt"/>
-              </a:rPr>
-              <a:t>Spectral Networks and Deep Locally Connected Networks on Graphs [Bruna et al. 2013]</a:t>
-            </a:r>
-          </a:p>
-          <a:p>
             <a:endParaRPr lang="en-US" dirty="0"/>
           </a:p>
         </p:txBody>
@@ -1282,7 +1260,7 @@
     </p:spTree>
     <p:extLst>
       <p:ext uri="{BB962C8B-B14F-4D97-AF65-F5344CB8AC3E}">
-        <p14:creationId xmlns:p14="http://schemas.microsoft.com/office/powerpoint/2010/main" val="1213469784"/>
+        <p14:creationId xmlns:p14="http://schemas.microsoft.com/office/powerpoint/2010/main" val="3315091688"/>
       </p:ext>
     </p:extLst>
   </p:cSld>
@@ -1336,21 +1314,35 @@
           <a:bodyPr/>
           <a:lstStyle/>
           <a:p>
-            <a:pPr algn="l"/>
-            <a:r>
-              <a:rPr lang="en-US" sz="1800" b="0" i="0" u="none" strike="noStrike" baseline="0" dirty="0">
-                <a:latin typeface="NimbusRomNo9L-Medi"/>
-              </a:rPr>
-              <a:t>Spectral Temporal Graph Neural Network for</a:t>
-            </a:r>
-          </a:p>
-          <a:p>
-            <a:pPr algn="l"/>
-            <a:r>
-              <a:rPr lang="en-US" sz="1800" b="0" i="0" u="none" strike="noStrike" baseline="0" dirty="0">
-                <a:latin typeface="NimbusRomNo9L-Medi"/>
-              </a:rPr>
-              <a:t>Multivariate Time-series Forecasting</a:t>
+            <a:r>
+              <a:rPr lang="en-US" dirty="0">
+                <a:effectLst/>
+                <a:latin typeface="Arial" panose="020B0604020202020204" pitchFamily="34" charset="0"/>
+              </a:rPr>
+              <a:t>Rank quality (Pearson corr. </a:t>
+            </a:r>
+            <a:r>
+              <a:rPr lang="en-US" dirty="0" err="1">
+                <a:effectLst/>
+                <a:latin typeface="Arial" panose="020B0604020202020204" pitchFamily="34" charset="0"/>
+              </a:rPr>
+              <a:t>coeff</a:t>
+            </a:r>
+            <a:r>
+              <a:rPr lang="en-US" dirty="0">
+                <a:effectLst/>
+                <a:latin typeface="Arial" panose="020B0604020202020204" pitchFamily="34" charset="0"/>
+              </a:rPr>
+              <a:t>. Between static and temporal PageRank) and transition probability 𝜷</a:t>
+            </a:r>
+          </a:p>
+          <a:p>
+            <a:r>
+              <a:rPr lang="en-US" dirty="0">
+                <a:effectLst/>
+                <a:latin typeface="Arial" panose="020B0604020202020204" pitchFamily="34" charset="0"/>
+              </a:rPr>
+              <a:t>Smaller 𝜷corresponds to slower convergence rate, but better correlated rankings</a:t>
             </a:r>
             <a:endParaRPr lang="en-US" dirty="0"/>
           </a:p>
@@ -1382,7 +1374,7 @@
     </p:spTree>
     <p:extLst>
       <p:ext uri="{BB962C8B-B14F-4D97-AF65-F5344CB8AC3E}">
-        <p14:creationId xmlns:p14="http://schemas.microsoft.com/office/powerpoint/2010/main" val="434905976"/>
+        <p14:creationId xmlns:p14="http://schemas.microsoft.com/office/powerpoint/2010/main" val="2622778653"/>
       </p:ext>
     </p:extLst>
   </p:cSld>
@@ -1436,54 +1428,141 @@
           <a:bodyPr/>
           <a:lstStyle/>
           <a:p>
-            <a:r>
-              <a:rPr lang="en-US" sz="1800" dirty="0">
-                <a:effectLst/>
-                <a:latin typeface="Calibri" panose="020F0502020204030204" pitchFamily="34" charset="0"/>
-              </a:rPr>
-              <a:t>Li, </a:t>
-            </a:r>
-            <a:r>
-              <a:rPr lang="en-US" sz="1800" dirty="0" err="1">
-                <a:effectLst/>
-                <a:latin typeface="Calibri" panose="020F0502020204030204" pitchFamily="34" charset="0"/>
-              </a:rPr>
-              <a:t>Jiachen</a:t>
-            </a:r>
-            <a:r>
-              <a:rPr lang="en-US" sz="1800" dirty="0">
-                <a:effectLst/>
-                <a:latin typeface="Calibri" panose="020F0502020204030204" pitchFamily="34" charset="0"/>
-              </a:rPr>
-              <a:t>, et al. "</a:t>
-            </a:r>
-            <a:r>
-              <a:rPr lang="en-US" sz="1800" b="1" dirty="0" err="1">
-                <a:effectLst/>
-                <a:latin typeface="Calibri" panose="020F0502020204030204" pitchFamily="34" charset="0"/>
-              </a:rPr>
-              <a:t>Evolvegraph</a:t>
-            </a:r>
-            <a:r>
-              <a:rPr lang="en-US" sz="1800" dirty="0">
-                <a:effectLst/>
-                <a:latin typeface="Calibri" panose="020F0502020204030204" pitchFamily="34" charset="0"/>
-              </a:rPr>
-              <a:t>: Multi-agent trajectory prediction with dynamic relational reasoning." Proceedings of the Neural Information Processing Systems (</a:t>
-            </a:r>
-            <a:r>
-              <a:rPr lang="en-US" sz="1800" dirty="0" err="1">
-                <a:effectLst/>
-                <a:latin typeface="Calibri" panose="020F0502020204030204" pitchFamily="34" charset="0"/>
-              </a:rPr>
-              <a:t>NeurIPS</a:t>
-            </a:r>
-            <a:r>
-              <a:rPr lang="en-US" sz="1800" dirty="0">
-                <a:effectLst/>
-                <a:latin typeface="Calibri" panose="020F0502020204030204" pitchFamily="34" charset="0"/>
-              </a:rPr>
-              <a:t>) (2020)</a:t>
+            <a:pPr algn="l"/>
+            <a:r>
+              <a:rPr lang="en-US" sz="1800" b="0" i="0" u="none" strike="noStrike" baseline="0" dirty="0">
+                <a:latin typeface="NimbusRomNo9L-Regu"/>
+              </a:rPr>
+              <a:t>[</a:t>
+            </a:r>
+            <a:r>
+              <a:rPr lang="en-US" sz="1800" b="0" i="0" u="none" strike="noStrike" baseline="0" dirty="0" err="1">
+                <a:latin typeface="NimbusRomNo9L-Regu"/>
+              </a:rPr>
+              <a:t>Kamezi</a:t>
+            </a:r>
+            <a:r>
+              <a:rPr lang="en-US" sz="1800" b="0" i="0" u="none" strike="noStrike" baseline="0" dirty="0">
+                <a:latin typeface="NimbusRomNo9L-Regu"/>
+              </a:rPr>
+              <a:t> et al. 2020] </a:t>
+            </a:r>
+            <a:r>
+              <a:rPr lang="en-US" sz="1800" b="0" i="0" u="none" strike="noStrike" baseline="0" dirty="0" err="1">
+                <a:latin typeface="NimbusRomNo9L-Regu"/>
+              </a:rPr>
+              <a:t>Seyed</a:t>
+            </a:r>
+            <a:r>
+              <a:rPr lang="en-US" sz="1800" b="0" i="0" u="none" strike="noStrike" baseline="0" dirty="0">
+                <a:latin typeface="NimbusRomNo9L-Regu"/>
+              </a:rPr>
+              <a:t> Mehran </a:t>
+            </a:r>
+            <a:r>
+              <a:rPr lang="en-US" sz="1800" b="0" i="0" u="none" strike="noStrike" baseline="0" dirty="0" err="1">
+                <a:latin typeface="NimbusRomNo9L-Regu"/>
+              </a:rPr>
+              <a:t>Kazemi</a:t>
+            </a:r>
+            <a:r>
+              <a:rPr lang="en-US" sz="1800" b="0" i="0" u="none" strike="noStrike" baseline="0" dirty="0">
+                <a:latin typeface="NimbusRomNo9L-Regu"/>
+              </a:rPr>
+              <a:t>, </a:t>
+            </a:r>
+            <a:r>
+              <a:rPr lang="en-US" sz="1800" b="0" i="0" u="none" strike="noStrike" baseline="0" dirty="0" err="1">
+                <a:latin typeface="NimbusRomNo9L-Regu"/>
+              </a:rPr>
+              <a:t>Rishab</a:t>
+            </a:r>
+            <a:r>
+              <a:rPr lang="en-US" sz="1800" b="0" i="0" u="none" strike="noStrike" baseline="0" dirty="0">
+                <a:latin typeface="NimbusRomNo9L-Regu"/>
+              </a:rPr>
+              <a:t> Goel, </a:t>
+            </a:r>
+            <a:r>
+              <a:rPr lang="en-US" sz="1800" b="0" i="0" u="none" strike="noStrike" baseline="0" dirty="0" err="1">
+                <a:latin typeface="NimbusRomNo9L-Regu"/>
+              </a:rPr>
+              <a:t>Kshitij</a:t>
+            </a:r>
+            <a:r>
+              <a:rPr lang="en-US" sz="1800" b="0" i="0" u="none" strike="noStrike" baseline="0" dirty="0">
+                <a:latin typeface="NimbusRomNo9L-Regu"/>
+              </a:rPr>
+              <a:t> Jain, Ivan </a:t>
+            </a:r>
+            <a:r>
+              <a:rPr lang="en-US" sz="1800" b="0" i="0" u="none" strike="noStrike" baseline="0" dirty="0" err="1">
+                <a:latin typeface="NimbusRomNo9L-Regu"/>
+              </a:rPr>
+              <a:t>Kobyzev</a:t>
+            </a:r>
+            <a:r>
+              <a:rPr lang="en-US" sz="1800" b="0" i="0" u="none" strike="noStrike" baseline="0" dirty="0">
+                <a:latin typeface="NimbusRomNo9L-Regu"/>
+              </a:rPr>
+              <a:t>, </a:t>
+            </a:r>
+            <a:r>
+              <a:rPr lang="en-US" sz="1800" b="0" i="0" u="none" strike="noStrike" baseline="0" dirty="0" err="1">
+                <a:latin typeface="NimbusRomNo9L-Regu"/>
+              </a:rPr>
+              <a:t>Akshay</a:t>
+            </a:r>
+            <a:r>
+              <a:rPr lang="en-US" sz="1800" b="0" i="0" u="none" strike="noStrike" baseline="0" dirty="0">
+                <a:latin typeface="NimbusRomNo9L-Regu"/>
+              </a:rPr>
+              <a:t> </a:t>
+            </a:r>
+            <a:r>
+              <a:rPr lang="en-US" sz="1800" b="0" i="0" u="none" strike="noStrike" baseline="0" dirty="0" err="1">
+                <a:latin typeface="NimbusRomNo9L-Regu"/>
+              </a:rPr>
+              <a:t>Sethi</a:t>
+            </a:r>
+            <a:r>
+              <a:rPr lang="en-US" sz="1800" b="0" i="0" u="none" strike="noStrike" baseline="0" dirty="0">
+                <a:latin typeface="NimbusRomNo9L-Regu"/>
+              </a:rPr>
+              <a:t>, Peter Forsyth, and</a:t>
+            </a:r>
+          </a:p>
+          <a:p>
+            <a:pPr algn="l"/>
+            <a:r>
+              <a:rPr lang="en-US" sz="1800" b="0" i="0" u="none" strike="noStrike" baseline="0" dirty="0">
+                <a:latin typeface="NimbusRomNo9L-Regu"/>
+              </a:rPr>
+              <a:t>Pascal Poupart. </a:t>
+            </a:r>
+            <a:r>
+              <a:rPr lang="en-US" sz="1800" b="1" i="0" u="none" strike="noStrike" baseline="0" dirty="0">
+                <a:latin typeface="NimbusRomNo9L-Regu"/>
+              </a:rPr>
+              <a:t>Representation learning for dynamic graphs: A survey. </a:t>
+            </a:r>
+            <a:r>
+              <a:rPr lang="en-US" sz="1800" b="0" i="0" u="none" strike="noStrike" baseline="0" dirty="0">
+                <a:latin typeface="NimbusRomNo9L-ReguItal"/>
+              </a:rPr>
+              <a:t>Journal of Machine Learning Research</a:t>
+            </a:r>
+            <a:r>
+              <a:rPr lang="en-US" sz="1800" b="0" i="0" u="none" strike="noStrike" baseline="0" dirty="0">
+                <a:latin typeface="NimbusRomNo9L-Regu"/>
+              </a:rPr>
+              <a:t>, 21(70):1–73, 2020. URL </a:t>
+            </a:r>
+            <a:r>
+              <a:rPr lang="en-US" sz="1800" b="0" i="0" u="none" strike="noStrike" baseline="0" dirty="0">
+                <a:latin typeface="NimbusMonL-Regu"/>
+              </a:rPr>
+              <a:t>http://jmlr.org/papers/v21/19-447.html</a:t>
             </a:r>
             <a:endParaRPr lang="en-US" dirty="0"/>
           </a:p>
@@ -1515,7 +1594,7 @@
     </p:spTree>
     <p:extLst>
       <p:ext uri="{BB962C8B-B14F-4D97-AF65-F5344CB8AC3E}">
-        <p14:creationId xmlns:p14="http://schemas.microsoft.com/office/powerpoint/2010/main" val="148841592"/>
+        <p14:creationId xmlns:p14="http://schemas.microsoft.com/office/powerpoint/2010/main" val="1548130395"/>
       </p:ext>
     </p:extLst>
   </p:cSld>
@@ -1569,6 +1648,34 @@
           <a:bodyPr/>
           <a:lstStyle/>
           <a:p>
+            <a:pPr marL="0" marR="0" lvl="0" indent="0" algn="l" defTabSz="914400" rtl="0" eaLnBrk="1" fontAlgn="auto" latinLnBrk="0" hangingPunct="1">
+              <a:lnSpc>
+                <a:spcPct val="100000"/>
+              </a:lnSpc>
+              <a:spcBef>
+                <a:spcPts val="0"/>
+              </a:spcBef>
+              <a:spcAft>
+                <a:spcPts val="0"/>
+              </a:spcAft>
+              <a:buClrTx/>
+              <a:buSzTx/>
+              <a:buFontTx/>
+              <a:buNone/>
+              <a:tabLst/>
+              <a:defRPr/>
+            </a:pPr>
+            <a:r>
+              <a:rPr lang="en-US" sz="1200" dirty="0">
+                <a:solidFill>
+                  <a:srgbClr val="222222"/>
+                </a:solidFill>
+                <a:latin typeface="+mj-lt"/>
+              </a:rPr>
+              <a:t>Spectral Networks and Deep Locally Connected Networks on Graphs [Bruna et al. 2013]</a:t>
+            </a:r>
+          </a:p>
+          <a:p>
             <a:endParaRPr lang="en-US" dirty="0"/>
           </a:p>
         </p:txBody>
@@ -1590,7 +1697,7 @@
           <a:p>
             <a:fld id="{9271DED1-4C91-4561-A99B-E6676363E223}" type="slidenum">
               <a:rPr lang="en-US" smtClean="0"/>
-              <a:t>12</a:t>
+              <a:t>13</a:t>
             </a:fld>
             <a:endParaRPr lang="en-US"/>
           </a:p>
@@ -1599,7 +1706,7 @@
     </p:spTree>
     <p:extLst>
       <p:ext uri="{BB962C8B-B14F-4D97-AF65-F5344CB8AC3E}">
-        <p14:creationId xmlns:p14="http://schemas.microsoft.com/office/powerpoint/2010/main" val="3315091688"/>
+        <p14:creationId xmlns:p14="http://schemas.microsoft.com/office/powerpoint/2010/main" val="1213469784"/>
       </p:ext>
     </p:extLst>
   </p:cSld>
@@ -1653,35 +1760,21 @@
           <a:bodyPr/>
           <a:lstStyle/>
           <a:p>
-            <a:r>
-              <a:rPr lang="en-US" dirty="0">
-                <a:effectLst/>
-                <a:latin typeface="Arial" panose="020B0604020202020204" pitchFamily="34" charset="0"/>
-              </a:rPr>
-              <a:t>Rank quality (Pearson corr. </a:t>
-            </a:r>
-            <a:r>
-              <a:rPr lang="en-US" dirty="0" err="1">
-                <a:effectLst/>
-                <a:latin typeface="Arial" panose="020B0604020202020204" pitchFamily="34" charset="0"/>
-              </a:rPr>
-              <a:t>coeff</a:t>
-            </a:r>
-            <a:r>
-              <a:rPr lang="en-US" dirty="0">
-                <a:effectLst/>
-                <a:latin typeface="Arial" panose="020B0604020202020204" pitchFamily="34" charset="0"/>
-              </a:rPr>
-              <a:t>. Between static and temporal PageRank) and transition probability 𝜷</a:t>
-            </a:r>
-          </a:p>
-          <a:p>
-            <a:r>
-              <a:rPr lang="en-US" dirty="0">
-                <a:effectLst/>
-                <a:latin typeface="Arial" panose="020B0604020202020204" pitchFamily="34" charset="0"/>
-              </a:rPr>
-              <a:t>Smaller 𝜷corresponds to slower convergence rate, but better correlated rankings</a:t>
+            <a:pPr algn="l"/>
+            <a:r>
+              <a:rPr lang="en-US" sz="1800" b="0" i="0" u="none" strike="noStrike" baseline="0" dirty="0">
+                <a:latin typeface="NimbusRomNo9L-Medi"/>
+              </a:rPr>
+              <a:t>Spectral Temporal Graph Neural Network for</a:t>
+            </a:r>
+          </a:p>
+          <a:p>
+            <a:pPr algn="l"/>
+            <a:r>
+              <a:rPr lang="en-US" sz="1800" b="0" i="0" u="none" strike="noStrike" baseline="0" dirty="0">
+                <a:latin typeface="NimbusRomNo9L-Medi"/>
+              </a:rPr>
+              <a:t>Multivariate Time-series Forecasting</a:t>
             </a:r>
             <a:endParaRPr lang="en-US" dirty="0"/>
           </a:p>
@@ -1704,7 +1797,7 @@
           <a:p>
             <a:fld id="{9271DED1-4C91-4561-A99B-E6676363E223}" type="slidenum">
               <a:rPr lang="en-US" smtClean="0"/>
-              <a:t>13</a:t>
+              <a:t>14</a:t>
             </a:fld>
             <a:endParaRPr lang="en-US"/>
           </a:p>
@@ -1713,7 +1806,7 @@
     </p:spTree>
     <p:extLst>
       <p:ext uri="{BB962C8B-B14F-4D97-AF65-F5344CB8AC3E}">
-        <p14:creationId xmlns:p14="http://schemas.microsoft.com/office/powerpoint/2010/main" val="2622778653"/>
+        <p14:creationId xmlns:p14="http://schemas.microsoft.com/office/powerpoint/2010/main" val="434905976"/>
       </p:ext>
     </p:extLst>
   </p:cSld>
@@ -1768,20 +1861,53 @@
           <a:lstStyle/>
           <a:p>
             <a:r>
-              <a:rPr lang="en-US" dirty="0"/>
-              <a:t>https://junyanz.github.io/CycleGAN/</a:t>
-            </a:r>
-          </a:p>
-          <a:p>
-            <a:endParaRPr lang="en-US" dirty="0"/>
-          </a:p>
-          <a:p>
-            <a:r>
-              <a:rPr lang="en-US" dirty="0">
+              <a:rPr lang="en-US" sz="1800" dirty="0">
                 <a:effectLst/>
-                <a:latin typeface="Arial" panose="020B0604020202020204" pitchFamily="34" charset="0"/>
-              </a:rPr>
-              <a:t>increase the size of im-ages the model can process in practice,</a:t>
+                <a:latin typeface="Calibri" panose="020F0502020204030204" pitchFamily="34" charset="0"/>
+              </a:rPr>
+              <a:t>Li, </a:t>
+            </a:r>
+            <a:r>
+              <a:rPr lang="en-US" sz="1800" dirty="0" err="1">
+                <a:effectLst/>
+                <a:latin typeface="Calibri" panose="020F0502020204030204" pitchFamily="34" charset="0"/>
+              </a:rPr>
+              <a:t>Jiachen</a:t>
+            </a:r>
+            <a:r>
+              <a:rPr lang="en-US" sz="1800" dirty="0">
+                <a:effectLst/>
+                <a:latin typeface="Calibri" panose="020F0502020204030204" pitchFamily="34" charset="0"/>
+              </a:rPr>
+              <a:t>, et al. "</a:t>
+            </a:r>
+            <a:r>
+              <a:rPr lang="en-US" sz="1800" b="1" dirty="0" err="1">
+                <a:effectLst/>
+                <a:latin typeface="Calibri" panose="020F0502020204030204" pitchFamily="34" charset="0"/>
+              </a:rPr>
+              <a:t>Evolvegraph</a:t>
+            </a:r>
+            <a:r>
+              <a:rPr lang="en-US" sz="1800" dirty="0">
+                <a:effectLst/>
+                <a:latin typeface="Calibri" panose="020F0502020204030204" pitchFamily="34" charset="0"/>
+              </a:rPr>
+              <a:t>: Multi-agent trajectory prediction with dynamic relational reasoning." Proceedings of the Neural Information Processing Systems (</a:t>
+            </a:r>
+            <a:r>
+              <a:rPr lang="en-US" sz="1800" dirty="0" err="1">
+                <a:effectLst/>
+                <a:latin typeface="Calibri" panose="020F0502020204030204" pitchFamily="34" charset="0"/>
+              </a:rPr>
+              <a:t>NeurIPS</a:t>
+            </a:r>
+            <a:r>
+              <a:rPr lang="en-US" sz="1800" dirty="0">
+                <a:effectLst/>
+                <a:latin typeface="Calibri" panose="020F0502020204030204" pitchFamily="34" charset="0"/>
+              </a:rPr>
+              <a:t>) (2020)</a:t>
             </a:r>
             <a:endParaRPr lang="en-US" dirty="0"/>
           </a:p>
@@ -1804,7 +1930,7 @@
           <a:p>
             <a:fld id="{9271DED1-4C91-4561-A99B-E6676363E223}" type="slidenum">
               <a:rPr lang="en-US" smtClean="0"/>
-              <a:t>14</a:t>
+              <a:t>16</a:t>
             </a:fld>
             <a:endParaRPr lang="en-US"/>
           </a:p>
@@ -1813,7 +1939,7 @@
     </p:spTree>
     <p:extLst>
       <p:ext uri="{BB962C8B-B14F-4D97-AF65-F5344CB8AC3E}">
-        <p14:creationId xmlns:p14="http://schemas.microsoft.com/office/powerpoint/2010/main" val="1314295389"/>
+        <p14:creationId xmlns:p14="http://schemas.microsoft.com/office/powerpoint/2010/main" val="148841592"/>
       </p:ext>
     </p:extLst>
   </p:cSld>
@@ -10776,6 +10902,1712 @@
           <p:cNvPr id="2" name="Title 1">
             <a:extLst>
               <a:ext uri="{FF2B5EF4-FFF2-40B4-BE49-F238E27FC236}">
+                <a16:creationId xmlns:a16="http://schemas.microsoft.com/office/drawing/2014/main" id="{2DBE1D1D-C5D5-4E66-BE5B-FD4ED29AA4DE}"/>
+              </a:ext>
+            </a:extLst>
+          </p:cNvPr>
+          <p:cNvSpPr>
+            <a:spLocks noGrp="1"/>
+          </p:cNvSpPr>
+          <p:nvPr>
+            <p:ph type="title"/>
+          </p:nvPr>
+        </p:nvSpPr>
+        <p:spPr>
+          <a:xfrm>
+            <a:off x="478369" y="144001"/>
+            <a:ext cx="9835404" cy="1417614"/>
+          </a:xfrm>
+        </p:spPr>
+        <p:txBody>
+          <a:bodyPr/>
+          <a:lstStyle/>
+          <a:p>
+            <a:r>
+              <a:rPr lang="en-US" sz="2800" dirty="0">
+                <a:solidFill>
+                  <a:srgbClr val="222222"/>
+                </a:solidFill>
+                <a:latin typeface="+mj-lt"/>
+              </a:rPr>
+              <a:t>Temporal Graph Neural Networks [Rossi et al. 2020]</a:t>
+            </a:r>
+            <a:br>
+              <a:rPr lang="en-US" sz="2800" dirty="0">
+                <a:solidFill>
+                  <a:srgbClr val="222222"/>
+                </a:solidFill>
+                <a:latin typeface="+mj-lt"/>
+              </a:rPr>
+            </a:br>
+            <a:endParaRPr lang="en-US" dirty="0"/>
+          </a:p>
+        </p:txBody>
+      </p:sp>
+      <p:sp>
+        <p:nvSpPr>
+          <p:cNvPr id="3" name="Content Placeholder 2">
+            <a:extLst>
+              <a:ext uri="{FF2B5EF4-FFF2-40B4-BE49-F238E27FC236}">
+                <a16:creationId xmlns:a16="http://schemas.microsoft.com/office/drawing/2014/main" id="{3E23179D-47F5-4E9D-8A2F-2D7D925F20A0}"/>
+              </a:ext>
+            </a:extLst>
+          </p:cNvPr>
+          <p:cNvSpPr>
+            <a:spLocks noGrp="1"/>
+          </p:cNvSpPr>
+          <p:nvPr>
+            <p:ph idx="1"/>
+          </p:nvPr>
+        </p:nvSpPr>
+        <p:spPr>
+          <a:xfrm>
+            <a:off x="478369" y="925782"/>
+            <a:ext cx="11473384" cy="767133"/>
+          </a:xfrm>
+        </p:spPr>
+        <p:txBody>
+          <a:bodyPr/>
+          <a:lstStyle/>
+          <a:p>
+            <a:r>
+              <a:rPr lang="en-US" dirty="0"/>
+              <a:t>Goal: predict next node link in a Twitter network</a:t>
+            </a:r>
+          </a:p>
+          <a:p>
+            <a:r>
+              <a:rPr lang="en-US" dirty="0"/>
+              <a:t>Intuition: </a:t>
+            </a:r>
+            <a:r>
+              <a:rPr lang="en-US" sz="1800" b="0" i="0" u="none" strike="noStrike" baseline="0" dirty="0">
+                <a:latin typeface="NimbusRomNo9L-Regu"/>
+              </a:rPr>
+              <a:t>Temporal Graph Network (TGN) encoder applied on a continuous-time dynamic graph</a:t>
+            </a:r>
+            <a:endParaRPr lang="en-US" dirty="0"/>
+          </a:p>
+        </p:txBody>
+      </p:sp>
+      <p:sp>
+        <p:nvSpPr>
+          <p:cNvPr id="4" name="Slide Number Placeholder 3">
+            <a:extLst>
+              <a:ext uri="{FF2B5EF4-FFF2-40B4-BE49-F238E27FC236}">
+                <a16:creationId xmlns:a16="http://schemas.microsoft.com/office/drawing/2014/main" id="{FE07D5A1-BEA0-4889-BAD3-DA8E26D8CF5A}"/>
+              </a:ext>
+            </a:extLst>
+          </p:cNvPr>
+          <p:cNvSpPr>
+            <a:spLocks noGrp="1"/>
+          </p:cNvSpPr>
+          <p:nvPr>
+            <p:ph type="sldNum" sz="quarter" idx="12"/>
+          </p:nvPr>
+        </p:nvSpPr>
+        <p:spPr/>
+        <p:txBody>
+          <a:bodyPr/>
+          <a:lstStyle/>
+          <a:p>
+            <a:fld id="{81561042-0DC2-4A04-AA50-F6D44EB20EBA}" type="slidenum">
+              <a:rPr lang="en-US" smtClean="0"/>
+              <a:t>10</a:t>
+            </a:fld>
+            <a:endParaRPr lang="en-US"/>
+          </a:p>
+        </p:txBody>
+      </p:sp>
+      <p:pic>
+        <p:nvPicPr>
+          <p:cNvPr id="6" name="Picture 5">
+            <a:extLst>
+              <a:ext uri="{FF2B5EF4-FFF2-40B4-BE49-F238E27FC236}">
+                <a16:creationId xmlns:a16="http://schemas.microsoft.com/office/drawing/2014/main" id="{2B3EACFE-1B28-455B-B8CC-1FD36158A16C}"/>
+              </a:ext>
+            </a:extLst>
+          </p:cNvPr>
+          <p:cNvPicPr>
+            <a:picLocks noChangeAspect="1"/>
+          </p:cNvPicPr>
+          <p:nvPr/>
+        </p:nvPicPr>
+        <p:blipFill>
+          <a:blip r:embed="rId3"/>
+          <a:stretch>
+            <a:fillRect/>
+          </a:stretch>
+        </p:blipFill>
+        <p:spPr>
+          <a:xfrm>
+            <a:off x="2150584" y="4121181"/>
+            <a:ext cx="5189837" cy="2496020"/>
+          </a:xfrm>
+          <a:prstGeom prst="rect">
+            <a:avLst/>
+          </a:prstGeom>
+        </p:spPr>
+      </p:pic>
+      <p:sp>
+        <p:nvSpPr>
+          <p:cNvPr id="10" name="TextBox 9">
+            <a:extLst>
+              <a:ext uri="{FF2B5EF4-FFF2-40B4-BE49-F238E27FC236}">
+                <a16:creationId xmlns:a16="http://schemas.microsoft.com/office/drawing/2014/main" id="{22AB3184-673E-4513-9B5E-2DE7C6FECA88}"/>
+              </a:ext>
+            </a:extLst>
+          </p:cNvPr>
+          <p:cNvSpPr txBox="1"/>
+          <p:nvPr/>
+        </p:nvSpPr>
+        <p:spPr bwMode="gray">
+          <a:xfrm>
+            <a:off x="415438" y="1881486"/>
+            <a:ext cx="6240162" cy="923330"/>
+          </a:xfrm>
+          <a:prstGeom prst="rect">
+            <a:avLst/>
+          </a:prstGeom>
+          <a:noFill/>
+        </p:spPr>
+        <p:txBody>
+          <a:bodyPr wrap="square">
+            <a:spAutoFit/>
+          </a:bodyPr>
+          <a:lstStyle/>
+          <a:p>
+            <a:r>
+              <a:rPr lang="en-US" sz="1800" b="1" i="0" u="none" strike="noStrike" baseline="0" dirty="0">
+                <a:latin typeface="NimbusRomNo9L-Regu"/>
+              </a:rPr>
+              <a:t>Two types of time-stamped-event </a:t>
+            </a:r>
+            <a:r>
+              <a:rPr lang="en-US" sz="1800" b="1" i="0" u="none" strike="noStrike" baseline="0" dirty="0">
+                <a:latin typeface="CMMI10"/>
+              </a:rPr>
+              <a:t>x</a:t>
+            </a:r>
+            <a:r>
+              <a:rPr lang="en-US" sz="1800" b="1" i="0" u="none" strike="noStrike" baseline="0" dirty="0">
+                <a:latin typeface="CMR10"/>
+              </a:rPr>
+              <a:t>(</a:t>
+            </a:r>
+            <a:r>
+              <a:rPr lang="en-US" sz="1800" b="1" i="0" u="none" strike="noStrike" baseline="0" dirty="0">
+                <a:latin typeface="CMMI10"/>
+              </a:rPr>
+              <a:t>t</a:t>
+            </a:r>
+            <a:r>
+              <a:rPr lang="en-US" sz="1800" b="1" i="0" u="none" strike="noStrike" baseline="0" dirty="0">
+                <a:latin typeface="CMR10"/>
+              </a:rPr>
+              <a:t>):</a:t>
+            </a:r>
+            <a:endParaRPr lang="en-US" sz="1800" b="1" i="0" u="none" strike="noStrike" baseline="0" dirty="0">
+              <a:latin typeface="NimbusRomNo9L-Medi"/>
+            </a:endParaRPr>
+          </a:p>
+          <a:p>
+            <a:pPr marL="342900" indent="-342900">
+              <a:buFont typeface="+mj-lt"/>
+              <a:buAutoNum type="arabicPeriod"/>
+            </a:pPr>
+            <a:r>
+              <a:rPr lang="en-US" dirty="0">
+                <a:latin typeface="NimbusRomNo9L-Medi"/>
+              </a:rPr>
+              <a:t>N</a:t>
+            </a:r>
+            <a:r>
+              <a:rPr lang="en-US" sz="1800" b="0" i="0" u="none" strike="noStrike" baseline="0" dirty="0">
+                <a:latin typeface="NimbusRomNo9L-Medi"/>
+              </a:rPr>
+              <a:t>ode-wise event </a:t>
+            </a:r>
+            <a:r>
+              <a:rPr lang="en-US" sz="1800" b="0" i="0" u="none" strike="noStrike" baseline="0" dirty="0">
+                <a:latin typeface="NimbusRomNo9L-Regu"/>
+              </a:rPr>
+              <a:t>is represented by node </a:t>
+            </a:r>
+            <a:r>
+              <a:rPr lang="en-US" sz="1800" b="0" i="0" u="none" strike="noStrike" baseline="0" dirty="0">
+                <a:latin typeface="CMBX10"/>
+              </a:rPr>
+              <a:t>v</a:t>
+            </a:r>
+            <a:r>
+              <a:rPr lang="en-US" sz="800" b="0" i="0" u="none" strike="noStrike" baseline="0" dirty="0">
+                <a:latin typeface="CMMI7"/>
+              </a:rPr>
+              <a:t>i</a:t>
+            </a:r>
+            <a:r>
+              <a:rPr lang="en-US" sz="1800" b="0" i="0" u="none" strike="noStrike" baseline="0" dirty="0">
+                <a:latin typeface="CMR10"/>
+              </a:rPr>
+              <a:t>(</a:t>
+            </a:r>
+            <a:r>
+              <a:rPr lang="en-US" sz="1800" b="0" i="0" u="none" strike="noStrike" baseline="0" dirty="0">
+                <a:latin typeface="CMMI10"/>
+              </a:rPr>
+              <a:t>t</a:t>
+            </a:r>
+            <a:r>
+              <a:rPr lang="en-US" sz="1800" b="0" i="0" u="none" strike="noStrike" baseline="0" dirty="0">
+                <a:latin typeface="CMR10"/>
+              </a:rPr>
+              <a:t>)</a:t>
+            </a:r>
+            <a:endParaRPr lang="en-US" sz="1800" b="0" i="0" u="none" strike="noStrike" baseline="0" dirty="0">
+              <a:latin typeface="NimbusRomNo9L-Regu"/>
+            </a:endParaRPr>
+          </a:p>
+          <a:p>
+            <a:pPr marL="342900" indent="-342900">
+              <a:buFont typeface="+mj-lt"/>
+              <a:buAutoNum type="arabicPeriod"/>
+            </a:pPr>
+            <a:r>
+              <a:rPr lang="en-US" dirty="0">
+                <a:latin typeface="NimbusRomNo9L-Regu"/>
+              </a:rPr>
+              <a:t>Interaction event </a:t>
+            </a:r>
+            <a:r>
+              <a:rPr lang="en-US" dirty="0" err="1">
+                <a:latin typeface="NimbusRomNo9L-Regu"/>
+              </a:rPr>
+              <a:t>e</a:t>
+            </a:r>
+            <a:r>
+              <a:rPr lang="en-US" baseline="-25000" dirty="0" err="1">
+                <a:latin typeface="NimbusRomNo9L-Regu"/>
+              </a:rPr>
+              <a:t>ij</a:t>
+            </a:r>
+            <a:r>
+              <a:rPr lang="en-US" dirty="0">
+                <a:latin typeface="NimbusRomNo9L-Regu"/>
+              </a:rPr>
+              <a:t>(t) between nodes </a:t>
+            </a:r>
+            <a:r>
+              <a:rPr lang="en-US" dirty="0" err="1">
+                <a:latin typeface="NimbusRomNo9L-Regu"/>
+              </a:rPr>
+              <a:t>i</a:t>
+            </a:r>
+            <a:r>
+              <a:rPr lang="en-US" dirty="0">
+                <a:latin typeface="NimbusRomNo9L-Regu"/>
+              </a:rPr>
+              <a:t> and j</a:t>
+            </a:r>
+            <a:endParaRPr lang="en-US" dirty="0"/>
+          </a:p>
+        </p:txBody>
+      </p:sp>
+      <p:sp>
+        <p:nvSpPr>
+          <p:cNvPr id="12" name="TextBox 11">
+            <a:extLst>
+              <a:ext uri="{FF2B5EF4-FFF2-40B4-BE49-F238E27FC236}">
+                <a16:creationId xmlns:a16="http://schemas.microsoft.com/office/drawing/2014/main" id="{6A58ABBF-601A-4937-8E76-3A06C33F5654}"/>
+              </a:ext>
+            </a:extLst>
+          </p:cNvPr>
+          <p:cNvSpPr txBox="1"/>
+          <p:nvPr/>
+        </p:nvSpPr>
+        <p:spPr bwMode="gray">
+          <a:xfrm>
+            <a:off x="5231313" y="1894906"/>
+            <a:ext cx="6240162" cy="1477328"/>
+          </a:xfrm>
+          <a:prstGeom prst="rect">
+            <a:avLst/>
+          </a:prstGeom>
+          <a:noFill/>
+        </p:spPr>
+        <p:txBody>
+          <a:bodyPr wrap="square">
+            <a:spAutoFit/>
+          </a:bodyPr>
+          <a:lstStyle/>
+          <a:p>
+            <a:pPr algn="l"/>
+            <a:r>
+              <a:rPr lang="en-US" sz="1800" b="1" i="0" u="none" strike="noStrike" baseline="0" dirty="0">
+                <a:latin typeface="NimbusRomNo9L-Regu"/>
+              </a:rPr>
+              <a:t>Neural Dynamic Graph </a:t>
+            </a:r>
+            <a:r>
+              <a:rPr lang="en-US" dirty="0">
+                <a:latin typeface="NimbusRomNo9L-Regu"/>
+              </a:rPr>
+              <a:t>[</a:t>
+            </a:r>
+            <a:r>
+              <a:rPr lang="en-US" sz="1800" b="0" i="0" u="none" strike="noStrike" baseline="0" dirty="0" err="1">
+                <a:latin typeface="NimbusRomNo9L-Regu"/>
+              </a:rPr>
+              <a:t>Kazemi</a:t>
+            </a:r>
+            <a:r>
+              <a:rPr lang="en-US" sz="1800" b="0" i="0" u="none" strike="noStrike" baseline="0" dirty="0">
+                <a:latin typeface="NimbusRomNo9L-Regu"/>
+              </a:rPr>
+              <a:t> et al.,2020]</a:t>
+            </a:r>
+            <a:endParaRPr lang="en-US" sz="1800" b="1" i="0" u="none" strike="noStrike" baseline="0" dirty="0">
+              <a:latin typeface="NimbusRomNo9L-Regu"/>
+            </a:endParaRPr>
+          </a:p>
+          <a:p>
+            <a:pPr marL="342900" indent="-342900" algn="l">
+              <a:buFont typeface="+mj-lt"/>
+              <a:buAutoNum type="arabicPeriod"/>
+            </a:pPr>
+            <a:r>
+              <a:rPr lang="en-US" sz="1800" b="0" i="0" u="none" strike="noStrike" baseline="0" dirty="0">
+                <a:latin typeface="NimbusRomNo9L-Regu"/>
+              </a:rPr>
+              <a:t>encoder maps from a dynamic graph to node embeddings</a:t>
+            </a:r>
+          </a:p>
+          <a:p>
+            <a:pPr marL="342900" indent="-342900" algn="l">
+              <a:buFont typeface="+mj-lt"/>
+              <a:buAutoNum type="arabicPeriod"/>
+            </a:pPr>
+            <a:r>
+              <a:rPr lang="en-US" sz="1800" b="0" i="0" u="none" strike="noStrike" baseline="0" dirty="0">
+                <a:latin typeface="NimbusRomNo9L-Regu"/>
+              </a:rPr>
+              <a:t>decoder takes as input one or more node embeddings and makes a task-specific prediction, e.g. node classification or edge prediction.</a:t>
+            </a:r>
+            <a:endParaRPr lang="en-US" dirty="0"/>
+          </a:p>
+        </p:txBody>
+      </p:sp>
+      <p:sp>
+        <p:nvSpPr>
+          <p:cNvPr id="13" name="TextBox 12">
+            <a:extLst>
+              <a:ext uri="{FF2B5EF4-FFF2-40B4-BE49-F238E27FC236}">
+                <a16:creationId xmlns:a16="http://schemas.microsoft.com/office/drawing/2014/main" id="{4FA481F5-35FB-4BFD-998B-46DB0457C71D}"/>
+              </a:ext>
+            </a:extLst>
+          </p:cNvPr>
+          <p:cNvSpPr txBox="1"/>
+          <p:nvPr/>
+        </p:nvSpPr>
+        <p:spPr bwMode="gray">
+          <a:xfrm>
+            <a:off x="415438" y="4448432"/>
+            <a:ext cx="1392195" cy="749643"/>
+          </a:xfrm>
+          <a:prstGeom prst="rect">
+            <a:avLst/>
+          </a:prstGeom>
+          <a:noFill/>
+        </p:spPr>
+        <p:txBody>
+          <a:bodyPr wrap="square" lIns="0" tIns="0" rIns="0" bIns="0" rtlCol="0">
+            <a:noAutofit/>
+          </a:bodyPr>
+          <a:lstStyle/>
+          <a:p>
+            <a:pPr>
+              <a:spcBef>
+                <a:spcPts val="300"/>
+              </a:spcBef>
+              <a:spcAft>
+                <a:spcPts val="300"/>
+              </a:spcAft>
+              <a:buClr>
+                <a:schemeClr val="accent1"/>
+              </a:buClr>
+              <a:buSzPct val="90000"/>
+            </a:pPr>
+            <a:r>
+              <a:rPr lang="en-US" sz="1600" b="1" dirty="0"/>
+              <a:t>Core Modules</a:t>
+            </a:r>
+          </a:p>
+        </p:txBody>
+      </p:sp>
+      <p:sp>
+        <p:nvSpPr>
+          <p:cNvPr id="17" name="TextBox 16">
+            <a:extLst>
+              <a:ext uri="{FF2B5EF4-FFF2-40B4-BE49-F238E27FC236}">
+                <a16:creationId xmlns:a16="http://schemas.microsoft.com/office/drawing/2014/main" id="{0AA9EA6C-1508-402C-BEE8-1CF87D987444}"/>
+              </a:ext>
+            </a:extLst>
+          </p:cNvPr>
+          <p:cNvSpPr txBox="1"/>
+          <p:nvPr/>
+        </p:nvSpPr>
+        <p:spPr bwMode="gray">
+          <a:xfrm>
+            <a:off x="3956221" y="3859416"/>
+            <a:ext cx="2049163" cy="307777"/>
+          </a:xfrm>
+          <a:prstGeom prst="rect">
+            <a:avLst/>
+          </a:prstGeom>
+          <a:noFill/>
+        </p:spPr>
+        <p:txBody>
+          <a:bodyPr wrap="square">
+            <a:spAutoFit/>
+          </a:bodyPr>
+          <a:lstStyle/>
+          <a:p>
+            <a:r>
+              <a:rPr lang="en-US" sz="1400" b="0" i="0" u="none" strike="noStrike" baseline="0" dirty="0">
+                <a:latin typeface="NimbusRomNo9L-Regu"/>
+              </a:rPr>
+              <a:t>temporal embedding </a:t>
+            </a:r>
+            <a:r>
+              <a:rPr lang="en-US" sz="1400" b="0" i="0" u="none" strike="noStrike" baseline="0" dirty="0" err="1">
+                <a:latin typeface="CMBX10"/>
+              </a:rPr>
+              <a:t>z</a:t>
+            </a:r>
+            <a:r>
+              <a:rPr lang="en-US" sz="600" b="0" i="0" u="none" strike="noStrike" baseline="0" dirty="0" err="1">
+                <a:latin typeface="CMMI7"/>
+              </a:rPr>
+              <a:t>i</a:t>
+            </a:r>
+            <a:r>
+              <a:rPr lang="en-US" sz="1400" b="0" i="0" u="none" strike="noStrike" baseline="0" dirty="0">
+                <a:latin typeface="CMR10"/>
+              </a:rPr>
+              <a:t>(</a:t>
+            </a:r>
+            <a:r>
+              <a:rPr lang="en-US" sz="1400" b="0" i="0" u="none" strike="noStrike" baseline="0" dirty="0">
+                <a:latin typeface="CMMI10"/>
+              </a:rPr>
+              <a:t>t</a:t>
+            </a:r>
+            <a:r>
+              <a:rPr lang="en-US" sz="1400" b="0" i="0" u="none" strike="noStrike" baseline="0" dirty="0">
+                <a:latin typeface="CMR10"/>
+              </a:rPr>
+              <a:t>)</a:t>
+            </a:r>
+            <a:endParaRPr lang="en-US" sz="1400" dirty="0"/>
+          </a:p>
+        </p:txBody>
+      </p:sp>
+      <p:sp>
+        <p:nvSpPr>
+          <p:cNvPr id="19" name="TextBox 18">
+            <a:extLst>
+              <a:ext uri="{FF2B5EF4-FFF2-40B4-BE49-F238E27FC236}">
+                <a16:creationId xmlns:a16="http://schemas.microsoft.com/office/drawing/2014/main" id="{C7412BB4-947B-48A2-838A-E903A38F1007}"/>
+              </a:ext>
+            </a:extLst>
+          </p:cNvPr>
+          <p:cNvSpPr txBox="1"/>
+          <p:nvPr/>
+        </p:nvSpPr>
+        <p:spPr bwMode="gray">
+          <a:xfrm>
+            <a:off x="7168234" y="6093981"/>
+            <a:ext cx="2366319" cy="523220"/>
+          </a:xfrm>
+          <a:prstGeom prst="rect">
+            <a:avLst/>
+          </a:prstGeom>
+          <a:noFill/>
+        </p:spPr>
+        <p:txBody>
+          <a:bodyPr wrap="square">
+            <a:spAutoFit/>
+          </a:bodyPr>
+          <a:lstStyle/>
+          <a:p>
+            <a:r>
+              <a:rPr lang="en-US" sz="1400" b="0" i="0" u="none" strike="noStrike" baseline="0" dirty="0">
+                <a:latin typeface="NimbusRomNo9L-Regu"/>
+              </a:rPr>
+              <a:t>recurrent neural network (LSTM or RNN)</a:t>
+            </a:r>
+            <a:endParaRPr lang="en-US" sz="1400" dirty="0"/>
+          </a:p>
+        </p:txBody>
+      </p:sp>
+      <p:pic>
+        <p:nvPicPr>
+          <p:cNvPr id="21" name="Picture 20">
+            <a:extLst>
+              <a:ext uri="{FF2B5EF4-FFF2-40B4-BE49-F238E27FC236}">
+                <a16:creationId xmlns:a16="http://schemas.microsoft.com/office/drawing/2014/main" id="{10DCB7D4-B202-4970-96DA-82177B3E064E}"/>
+              </a:ext>
+            </a:extLst>
+          </p:cNvPr>
+          <p:cNvPicPr>
+            <a:picLocks noChangeAspect="1"/>
+          </p:cNvPicPr>
+          <p:nvPr/>
+        </p:nvPicPr>
+        <p:blipFill>
+          <a:blip r:embed="rId4"/>
+          <a:stretch>
+            <a:fillRect/>
+          </a:stretch>
+        </p:blipFill>
+        <p:spPr>
+          <a:xfrm>
+            <a:off x="6028338" y="3793101"/>
+            <a:ext cx="4646112" cy="509083"/>
+          </a:xfrm>
+          <a:prstGeom prst="rect">
+            <a:avLst/>
+          </a:prstGeom>
+        </p:spPr>
+      </p:pic>
+      <p:sp>
+        <p:nvSpPr>
+          <p:cNvPr id="23" name="TextBox 22">
+            <a:extLst>
+              <a:ext uri="{FF2B5EF4-FFF2-40B4-BE49-F238E27FC236}">
+                <a16:creationId xmlns:a16="http://schemas.microsoft.com/office/drawing/2014/main" id="{1DDDAD51-312A-4E21-A2F3-4D8CF6DDAA15}"/>
+              </a:ext>
+            </a:extLst>
+          </p:cNvPr>
+          <p:cNvSpPr txBox="1"/>
+          <p:nvPr/>
+        </p:nvSpPr>
+        <p:spPr bwMode="gray">
+          <a:xfrm>
+            <a:off x="0" y="6525986"/>
+            <a:ext cx="6240162" cy="332014"/>
+          </a:xfrm>
+          <a:prstGeom prst="rect">
+            <a:avLst/>
+          </a:prstGeom>
+          <a:noFill/>
+        </p:spPr>
+        <p:txBody>
+          <a:bodyPr wrap="square">
+            <a:spAutoFit/>
+          </a:bodyPr>
+          <a:lstStyle/>
+          <a:p>
+            <a:pPr>
+              <a:lnSpc>
+                <a:spcPct val="150000"/>
+              </a:lnSpc>
+            </a:pPr>
+            <a:r>
+              <a:rPr lang="en-US" sz="1200" dirty="0">
+                <a:solidFill>
+                  <a:srgbClr val="222222"/>
+                </a:solidFill>
+                <a:latin typeface="+mj-lt"/>
+              </a:rPr>
+              <a:t>Rossi et al. (2020) Temporal Graph Neural Networks, </a:t>
+            </a:r>
+            <a:r>
+              <a:rPr lang="en-US" sz="1200" dirty="0" err="1">
+                <a:solidFill>
+                  <a:srgbClr val="222222"/>
+                </a:solidFill>
+                <a:latin typeface="+mj-lt"/>
+              </a:rPr>
+              <a:t>NeurIPs</a:t>
+            </a:r>
+            <a:r>
+              <a:rPr lang="en-US" sz="1200" dirty="0">
+                <a:solidFill>
+                  <a:srgbClr val="222222"/>
+                </a:solidFill>
+                <a:latin typeface="+mj-lt"/>
+              </a:rPr>
+              <a:t>.</a:t>
+            </a:r>
+          </a:p>
+        </p:txBody>
+      </p:sp>
+    </p:spTree>
+    <p:extLst>
+      <p:ext uri="{BB962C8B-B14F-4D97-AF65-F5344CB8AC3E}">
+        <p14:creationId xmlns:p14="http://schemas.microsoft.com/office/powerpoint/2010/main" val="3521514413"/>
+      </p:ext>
+    </p:extLst>
+  </p:cSld>
+  <p:clrMapOvr>
+    <a:masterClrMapping/>
+  </p:clrMapOvr>
+</p:sld>
+</file>
+
+<file path=ppt/slides/slide11.xml><?xml version="1.0" encoding="utf-8"?>
+<p:sld xmlns:a="http://schemas.openxmlformats.org/drawingml/2006/main" xmlns:r="http://schemas.openxmlformats.org/officeDocument/2006/relationships" xmlns:p="http://schemas.openxmlformats.org/presentationml/2006/main">
+  <p:cSld>
+    <p:spTree>
+      <p:nvGrpSpPr>
+        <p:cNvPr id="1" name=""/>
+        <p:cNvGrpSpPr/>
+        <p:nvPr/>
+      </p:nvGrpSpPr>
+      <p:grpSpPr>
+        <a:xfrm>
+          <a:off x="0" y="0"/>
+          <a:ext cx="0" cy="0"/>
+          <a:chOff x="0" y="0"/>
+          <a:chExt cx="0" cy="0"/>
+        </a:xfrm>
+      </p:grpSpPr>
+      <p:sp>
+        <p:nvSpPr>
+          <p:cNvPr id="4" name="Title 3">
+            <a:extLst>
+              <a:ext uri="{FF2B5EF4-FFF2-40B4-BE49-F238E27FC236}">
+                <a16:creationId xmlns:a16="http://schemas.microsoft.com/office/drawing/2014/main" id="{E7EBB6C5-1871-444B-AD84-356DE1BC2905}"/>
+              </a:ext>
+            </a:extLst>
+          </p:cNvPr>
+          <p:cNvSpPr>
+            <a:spLocks noGrp="1"/>
+          </p:cNvSpPr>
+          <p:nvPr>
+            <p:ph type="ctrTitle"/>
+          </p:nvPr>
+        </p:nvSpPr>
+        <p:spPr>
+          <a:xfrm>
+            <a:off x="478368" y="4656578"/>
+            <a:ext cx="11228913" cy="1001364"/>
+          </a:xfrm>
+          <a:noFill/>
+        </p:spPr>
+        <p:txBody>
+          <a:bodyPr/>
+          <a:lstStyle/>
+          <a:p>
+            <a:r>
+              <a:rPr lang="en-US" dirty="0" err="1"/>
+              <a:t>Spatio</a:t>
+            </a:r>
+            <a:r>
+              <a:rPr lang="en-US" dirty="0"/>
+              <a:t>-Temporal Graph Networks</a:t>
+            </a:r>
+          </a:p>
+        </p:txBody>
+      </p:sp>
+    </p:spTree>
+    <p:extLst>
+      <p:ext uri="{BB962C8B-B14F-4D97-AF65-F5344CB8AC3E}">
+        <p14:creationId xmlns:p14="http://schemas.microsoft.com/office/powerpoint/2010/main" val="3380819641"/>
+      </p:ext>
+    </p:extLst>
+  </p:cSld>
+  <p:clrMapOvr>
+    <a:masterClrMapping/>
+  </p:clrMapOvr>
+  <p:transition spd="slow">
+    <p:wipe dir="d"/>
+  </p:transition>
+</p:sld>
+</file>
+
+<file path=ppt/slides/slide12.xml><?xml version="1.0" encoding="utf-8"?>
+<p:sld xmlns:a="http://schemas.openxmlformats.org/drawingml/2006/main" xmlns:r="http://schemas.openxmlformats.org/officeDocument/2006/relationships" xmlns:p="http://schemas.openxmlformats.org/presentationml/2006/main">
+  <p:cSld>
+    <p:spTree>
+      <p:nvGrpSpPr>
+        <p:cNvPr id="1" name=""/>
+        <p:cNvGrpSpPr/>
+        <p:nvPr/>
+      </p:nvGrpSpPr>
+      <p:grpSpPr>
+        <a:xfrm>
+          <a:off x="0" y="0"/>
+          <a:ext cx="0" cy="0"/>
+          <a:chOff x="0" y="0"/>
+          <a:chExt cx="0" cy="0"/>
+        </a:xfrm>
+      </p:grpSpPr>
+      <p:sp>
+        <p:nvSpPr>
+          <p:cNvPr id="4" name="Title 3">
+            <a:extLst>
+              <a:ext uri="{FF2B5EF4-FFF2-40B4-BE49-F238E27FC236}">
+                <a16:creationId xmlns:a16="http://schemas.microsoft.com/office/drawing/2014/main" id="{E7EBB6C5-1871-444B-AD84-356DE1BC2905}"/>
+              </a:ext>
+            </a:extLst>
+          </p:cNvPr>
+          <p:cNvSpPr>
+            <a:spLocks noGrp="1"/>
+          </p:cNvSpPr>
+          <p:nvPr>
+            <p:ph type="ctrTitle"/>
+          </p:nvPr>
+        </p:nvSpPr>
+        <p:spPr>
+          <a:xfrm>
+            <a:off x="478368" y="4656578"/>
+            <a:ext cx="11228913" cy="1001364"/>
+          </a:xfrm>
+          <a:noFill/>
+        </p:spPr>
+        <p:txBody>
+          <a:bodyPr/>
+          <a:lstStyle/>
+          <a:p>
+            <a:r>
+              <a:rPr lang="en-US" dirty="0"/>
+              <a:t>Graph Spectral Networks</a:t>
+            </a:r>
+          </a:p>
+        </p:txBody>
+      </p:sp>
+    </p:spTree>
+    <p:extLst>
+      <p:ext uri="{BB962C8B-B14F-4D97-AF65-F5344CB8AC3E}">
+        <p14:creationId xmlns:p14="http://schemas.microsoft.com/office/powerpoint/2010/main" val="977425643"/>
+      </p:ext>
+    </p:extLst>
+  </p:cSld>
+  <p:clrMapOvr>
+    <a:masterClrMapping/>
+  </p:clrMapOvr>
+  <p:transition spd="slow">
+    <p:wipe dir="d"/>
+  </p:transition>
+</p:sld>
+</file>
+
+<file path=ppt/slides/slide13.xml><?xml version="1.0" encoding="utf-8"?>
+<p:sld xmlns:a="http://schemas.openxmlformats.org/drawingml/2006/main" xmlns:r="http://schemas.openxmlformats.org/officeDocument/2006/relationships" xmlns:p="http://schemas.openxmlformats.org/presentationml/2006/main">
+  <p:cSld>
+    <p:spTree>
+      <p:nvGrpSpPr>
+        <p:cNvPr id="1" name=""/>
+        <p:cNvGrpSpPr/>
+        <p:nvPr/>
+      </p:nvGrpSpPr>
+      <p:grpSpPr>
+        <a:xfrm>
+          <a:off x="0" y="0"/>
+          <a:ext cx="0" cy="0"/>
+          <a:chOff x="0" y="0"/>
+          <a:chExt cx="0" cy="0"/>
+        </a:xfrm>
+      </p:grpSpPr>
+      <p:sp>
+        <p:nvSpPr>
+          <p:cNvPr id="2" name="Title 1">
+            <a:extLst>
+              <a:ext uri="{FF2B5EF4-FFF2-40B4-BE49-F238E27FC236}">
+                <a16:creationId xmlns:a16="http://schemas.microsoft.com/office/drawing/2014/main" id="{EC8D8021-1756-40F6-B6EC-4D53135CBE66}"/>
+              </a:ext>
+            </a:extLst>
+          </p:cNvPr>
+          <p:cNvSpPr>
+            <a:spLocks noGrp="1"/>
+          </p:cNvSpPr>
+          <p:nvPr>
+            <p:ph type="title"/>
+          </p:nvPr>
+        </p:nvSpPr>
+        <p:spPr/>
+        <p:txBody>
+          <a:bodyPr/>
+          <a:lstStyle/>
+          <a:p>
+            <a:r>
+              <a:rPr lang="en-US" dirty="0"/>
+              <a:t>Spectral Networks</a:t>
+            </a:r>
+          </a:p>
+        </p:txBody>
+      </p:sp>
+      <p:sp>
+        <p:nvSpPr>
+          <p:cNvPr id="3" name="Content Placeholder 2">
+            <a:extLst>
+              <a:ext uri="{FF2B5EF4-FFF2-40B4-BE49-F238E27FC236}">
+                <a16:creationId xmlns:a16="http://schemas.microsoft.com/office/drawing/2014/main" id="{F14ED593-858D-4542-909D-32CE778AF476}"/>
+              </a:ext>
+            </a:extLst>
+          </p:cNvPr>
+          <p:cNvSpPr>
+            <a:spLocks noGrp="1"/>
+          </p:cNvSpPr>
+          <p:nvPr>
+            <p:ph idx="1"/>
+          </p:nvPr>
+        </p:nvSpPr>
+        <p:spPr>
+          <a:xfrm>
+            <a:off x="478369" y="1213308"/>
+            <a:ext cx="11473384" cy="4246291"/>
+          </a:xfrm>
+        </p:spPr>
+        <p:txBody>
+          <a:bodyPr/>
+          <a:lstStyle/>
+          <a:p>
+            <a:r>
+              <a:rPr lang="en-US" u="sng" dirty="0"/>
+              <a:t>Goal</a:t>
+            </a:r>
+            <a:r>
+              <a:rPr lang="en-US" dirty="0"/>
+              <a:t>: How to efficiently enable convolution over multi-dimensional spaces</a:t>
+            </a:r>
+          </a:p>
+          <a:p>
+            <a:r>
+              <a:rPr lang="en-US" u="sng" dirty="0"/>
+              <a:t>Intuition</a:t>
+            </a:r>
+            <a:r>
+              <a:rPr lang="en-US" dirty="0"/>
+              <a:t>: Obtain an architecture that enables a construction where the number of parameters is independent of the input dimension.</a:t>
+            </a:r>
+          </a:p>
+          <a:p>
+            <a:r>
+              <a:rPr lang="en-US" dirty="0"/>
+              <a:t>1- Spatial Construction</a:t>
+            </a:r>
+          </a:p>
+          <a:p>
+            <a:r>
+              <a:rPr lang="en-US" dirty="0"/>
+              <a:t>- Locality</a:t>
+            </a:r>
+          </a:p>
+          <a:p>
+            <a:r>
+              <a:rPr lang="en-US" dirty="0"/>
+              <a:t>- Multi-Resolution</a:t>
+            </a:r>
+          </a:p>
+          <a:p>
+            <a:r>
+              <a:rPr lang="en-US" dirty="0"/>
+              <a:t>2- Spectral Construction</a:t>
+            </a:r>
+          </a:p>
+          <a:p>
+            <a:pPr algn="l"/>
+            <a:r>
+              <a:rPr lang="en-US" sz="1800" dirty="0">
+                <a:latin typeface="NimbusRomNo9L-Regu"/>
+              </a:rPr>
+              <a:t>G</a:t>
+            </a:r>
+            <a:r>
+              <a:rPr lang="en-US" sz="1800" b="0" i="0" u="none" strike="noStrike" baseline="0" dirty="0">
+                <a:latin typeface="NimbusRomNo9L-Regu"/>
+              </a:rPr>
+              <a:t>raph Laplacian, an operator (harmonic analysis on the graphs)</a:t>
+            </a:r>
+            <a:endParaRPr lang="en-US" sz="1800" b="0" i="0" u="none" strike="noStrike" baseline="0" dirty="0">
+              <a:latin typeface="NimbusRomNo9L-Medi"/>
+            </a:endParaRPr>
+          </a:p>
+          <a:p>
+            <a:r>
+              <a:rPr lang="en-US" sz="1800" b="0" i="0" u="none" strike="noStrike" baseline="0" dirty="0">
+                <a:latin typeface="NimbusRomNo9L-Medi"/>
+              </a:rPr>
+              <a:t>Extending Convolutions via the Laplacian Spectrum</a:t>
+            </a:r>
+          </a:p>
+          <a:p>
+            <a:endParaRPr lang="en-US" dirty="0"/>
+          </a:p>
+        </p:txBody>
+      </p:sp>
+      <p:sp>
+        <p:nvSpPr>
+          <p:cNvPr id="4" name="Slide Number Placeholder 3">
+            <a:extLst>
+              <a:ext uri="{FF2B5EF4-FFF2-40B4-BE49-F238E27FC236}">
+                <a16:creationId xmlns:a16="http://schemas.microsoft.com/office/drawing/2014/main" id="{154B9B9E-0A1F-42A5-9F90-289511C63E5C}"/>
+              </a:ext>
+            </a:extLst>
+          </p:cNvPr>
+          <p:cNvSpPr>
+            <a:spLocks noGrp="1"/>
+          </p:cNvSpPr>
+          <p:nvPr>
+            <p:ph type="sldNum" sz="quarter" idx="12"/>
+          </p:nvPr>
+        </p:nvSpPr>
+        <p:spPr/>
+        <p:txBody>
+          <a:bodyPr/>
+          <a:lstStyle/>
+          <a:p>
+            <a:fld id="{81561042-0DC2-4A04-AA50-F6D44EB20EBA}" type="slidenum">
+              <a:rPr lang="en-US" smtClean="0"/>
+              <a:t>13</a:t>
+            </a:fld>
+            <a:endParaRPr lang="en-US"/>
+          </a:p>
+        </p:txBody>
+      </p:sp>
+      <p:pic>
+        <p:nvPicPr>
+          <p:cNvPr id="6" name="Picture 5">
+            <a:extLst>
+              <a:ext uri="{FF2B5EF4-FFF2-40B4-BE49-F238E27FC236}">
+                <a16:creationId xmlns:a16="http://schemas.microsoft.com/office/drawing/2014/main" id="{A0230DF8-4A09-4EBB-BD63-63072B17167B}"/>
+              </a:ext>
+            </a:extLst>
+          </p:cNvPr>
+          <p:cNvPicPr>
+            <a:picLocks noChangeAspect="1"/>
+          </p:cNvPicPr>
+          <p:nvPr/>
+        </p:nvPicPr>
+        <p:blipFill>
+          <a:blip r:embed="rId3"/>
+          <a:stretch>
+            <a:fillRect/>
+          </a:stretch>
+        </p:blipFill>
+        <p:spPr>
+          <a:xfrm>
+            <a:off x="8621114" y="2489624"/>
+            <a:ext cx="3330639" cy="2760577"/>
+          </a:xfrm>
+          <a:prstGeom prst="rect">
+            <a:avLst/>
+          </a:prstGeom>
+        </p:spPr>
+      </p:pic>
+      <p:sp>
+        <p:nvSpPr>
+          <p:cNvPr id="8" name="TextBox 7">
+            <a:extLst>
+              <a:ext uri="{FF2B5EF4-FFF2-40B4-BE49-F238E27FC236}">
+                <a16:creationId xmlns:a16="http://schemas.microsoft.com/office/drawing/2014/main" id="{54CE27FB-273A-44AA-AB49-69CAB07AFED5}"/>
+              </a:ext>
+            </a:extLst>
+          </p:cNvPr>
+          <p:cNvSpPr txBox="1"/>
+          <p:nvPr/>
+        </p:nvSpPr>
+        <p:spPr bwMode="gray">
+          <a:xfrm>
+            <a:off x="162697" y="6486805"/>
+            <a:ext cx="10546492" cy="276999"/>
+          </a:xfrm>
+          <a:prstGeom prst="rect">
+            <a:avLst/>
+          </a:prstGeom>
+          <a:noFill/>
+        </p:spPr>
+        <p:txBody>
+          <a:bodyPr wrap="square">
+            <a:spAutoFit/>
+          </a:bodyPr>
+          <a:lstStyle/>
+          <a:p>
+            <a:pPr marL="0" marR="0" lvl="0" indent="0" algn="l" defTabSz="914400" rtl="0" eaLnBrk="1" fontAlgn="auto" latinLnBrk="0" hangingPunct="1">
+              <a:lnSpc>
+                <a:spcPct val="100000"/>
+              </a:lnSpc>
+              <a:spcBef>
+                <a:spcPts val="0"/>
+              </a:spcBef>
+              <a:spcAft>
+                <a:spcPts val="0"/>
+              </a:spcAft>
+              <a:buClrTx/>
+              <a:buSzTx/>
+              <a:buFontTx/>
+              <a:buNone/>
+              <a:tabLst/>
+              <a:defRPr/>
+            </a:pPr>
+            <a:r>
+              <a:rPr lang="en-US" sz="1200" dirty="0">
+                <a:solidFill>
+                  <a:srgbClr val="222222"/>
+                </a:solidFill>
+                <a:latin typeface="+mj-lt"/>
+              </a:rPr>
+              <a:t>Spectral Networks and Deep Locally Connected Networks on Graphs [Bruna et al. 2013]</a:t>
+            </a:r>
+          </a:p>
+        </p:txBody>
+      </p:sp>
+    </p:spTree>
+    <p:extLst>
+      <p:ext uri="{BB962C8B-B14F-4D97-AF65-F5344CB8AC3E}">
+        <p14:creationId xmlns:p14="http://schemas.microsoft.com/office/powerpoint/2010/main" val="523213465"/>
+      </p:ext>
+    </p:extLst>
+  </p:cSld>
+  <p:clrMapOvr>
+    <a:masterClrMapping/>
+  </p:clrMapOvr>
+</p:sld>
+</file>
+
+<file path=ppt/slides/slide14.xml><?xml version="1.0" encoding="utf-8"?>
+<p:sld xmlns:a="http://schemas.openxmlformats.org/drawingml/2006/main" xmlns:r="http://schemas.openxmlformats.org/officeDocument/2006/relationships" xmlns:p="http://schemas.openxmlformats.org/presentationml/2006/main">
+  <p:cSld>
+    <p:spTree>
+      <p:nvGrpSpPr>
+        <p:cNvPr id="1" name=""/>
+        <p:cNvGrpSpPr/>
+        <p:nvPr/>
+      </p:nvGrpSpPr>
+      <p:grpSpPr>
+        <a:xfrm>
+          <a:off x="0" y="0"/>
+          <a:ext cx="0" cy="0"/>
+          <a:chOff x="0" y="0"/>
+          <a:chExt cx="0" cy="0"/>
+        </a:xfrm>
+      </p:grpSpPr>
+      <p:sp>
+        <p:nvSpPr>
+          <p:cNvPr id="2" name="Title 1">
+            <a:extLst>
+              <a:ext uri="{FF2B5EF4-FFF2-40B4-BE49-F238E27FC236}">
+                <a16:creationId xmlns:a16="http://schemas.microsoft.com/office/drawing/2014/main" id="{E621DEC6-7A08-48B0-914E-B457AE2BDC7E}"/>
+              </a:ext>
+            </a:extLst>
+          </p:cNvPr>
+          <p:cNvSpPr>
+            <a:spLocks noGrp="1"/>
+          </p:cNvSpPr>
+          <p:nvPr>
+            <p:ph type="title"/>
+          </p:nvPr>
+        </p:nvSpPr>
+        <p:spPr>
+          <a:xfrm>
+            <a:off x="240247" y="144001"/>
+            <a:ext cx="10263772" cy="1294503"/>
+          </a:xfrm>
+        </p:spPr>
+        <p:txBody>
+          <a:bodyPr/>
+          <a:lstStyle/>
+          <a:p>
+            <a:r>
+              <a:rPr lang="en-US" sz="2400" b="0" i="0" u="none" strike="noStrike" baseline="0" dirty="0">
+                <a:latin typeface="NimbusRomNo9L-Medi"/>
+              </a:rPr>
+              <a:t>Spectral Temporal Graph Neural Network for Multivariate Time-series Forecasting</a:t>
+            </a:r>
+            <a:br>
+              <a:rPr lang="en-US" dirty="0"/>
+            </a:br>
+            <a:endParaRPr lang="en-US" dirty="0"/>
+          </a:p>
+        </p:txBody>
+      </p:sp>
+      <p:sp>
+        <p:nvSpPr>
+          <p:cNvPr id="3" name="Content Placeholder 2">
+            <a:extLst>
+              <a:ext uri="{FF2B5EF4-FFF2-40B4-BE49-F238E27FC236}">
+                <a16:creationId xmlns:a16="http://schemas.microsoft.com/office/drawing/2014/main" id="{6505695A-1897-4FB5-910F-077FB8880421}"/>
+              </a:ext>
+            </a:extLst>
+          </p:cNvPr>
+          <p:cNvSpPr>
+            <a:spLocks noGrp="1"/>
+          </p:cNvSpPr>
+          <p:nvPr>
+            <p:ph idx="1"/>
+          </p:nvPr>
+        </p:nvSpPr>
+        <p:spPr>
+          <a:xfrm>
+            <a:off x="478369" y="961954"/>
+            <a:ext cx="11473384" cy="769441"/>
+          </a:xfrm>
+        </p:spPr>
+        <p:txBody>
+          <a:bodyPr/>
+          <a:lstStyle/>
+          <a:p>
+            <a:pPr algn="l"/>
+            <a:r>
+              <a:rPr lang="en-US" sz="1800" b="0" i="0" u="none" strike="noStrike" baseline="0" dirty="0">
+                <a:latin typeface="NimbusRomNo9L-Regu"/>
+              </a:rPr>
+              <a:t>Goal: model the </a:t>
+            </a:r>
+            <a:r>
+              <a:rPr lang="en-US" sz="1800" b="0" i="0" u="sng" strike="noStrike" baseline="0" dirty="0">
+                <a:latin typeface="NimbusRomNo9L-Regu"/>
+              </a:rPr>
+              <a:t>intra-series</a:t>
+            </a:r>
+            <a:r>
+              <a:rPr lang="en-US" sz="1800" b="0" i="0" u="none" strike="noStrike" baseline="0" dirty="0">
+                <a:latin typeface="NimbusRomNo9L-Regu"/>
+              </a:rPr>
+              <a:t> temporal patterns and </a:t>
+            </a:r>
+            <a:r>
+              <a:rPr lang="en-US" sz="1800" b="0" i="0" u="sng" strike="noStrike" baseline="0" dirty="0">
+                <a:latin typeface="NimbusRomNo9L-Regu"/>
+              </a:rPr>
+              <a:t>inter-series</a:t>
+            </a:r>
+            <a:r>
+              <a:rPr lang="en-US" sz="1800" b="0" i="0" u="none" strike="noStrike" baseline="0" dirty="0">
+                <a:latin typeface="NimbusRomNo9L-Regu"/>
+              </a:rPr>
+              <a:t> correlations jointly</a:t>
+            </a:r>
+          </a:p>
+          <a:p>
+            <a:pPr algn="l"/>
+            <a:r>
+              <a:rPr lang="en-US" sz="1800" dirty="0">
+                <a:latin typeface="NimbusRomNo9L-Regu"/>
+              </a:rPr>
+              <a:t>Time Series Fundamentals (</a:t>
+            </a:r>
+            <a:r>
+              <a:rPr lang="en-US" sz="1800" dirty="0" err="1">
+                <a:latin typeface="NimbusRomNo9L-Regu"/>
+              </a:rPr>
+              <a:t>Garch</a:t>
+            </a:r>
+            <a:r>
+              <a:rPr lang="en-US" sz="1800" dirty="0">
+                <a:latin typeface="NimbusRomNo9L-Regu"/>
+              </a:rPr>
+              <a:t> and Granger Causality models?)</a:t>
+            </a:r>
+            <a:endParaRPr lang="en-US" sz="1800" b="0" i="0" u="none" strike="noStrike" baseline="0" dirty="0">
+              <a:latin typeface="NimbusRomNo9L-Regu"/>
+            </a:endParaRPr>
+          </a:p>
+        </p:txBody>
+      </p:sp>
+      <p:sp>
+        <p:nvSpPr>
+          <p:cNvPr id="4" name="Slide Number Placeholder 3">
+            <a:extLst>
+              <a:ext uri="{FF2B5EF4-FFF2-40B4-BE49-F238E27FC236}">
+                <a16:creationId xmlns:a16="http://schemas.microsoft.com/office/drawing/2014/main" id="{9035070E-61BC-403A-A7FD-D8C30335FD56}"/>
+              </a:ext>
+            </a:extLst>
+          </p:cNvPr>
+          <p:cNvSpPr>
+            <a:spLocks noGrp="1"/>
+          </p:cNvSpPr>
+          <p:nvPr>
+            <p:ph type="sldNum" sz="quarter" idx="12"/>
+          </p:nvPr>
+        </p:nvSpPr>
+        <p:spPr/>
+        <p:txBody>
+          <a:bodyPr/>
+          <a:lstStyle/>
+          <a:p>
+            <a:fld id="{81561042-0DC2-4A04-AA50-F6D44EB20EBA}" type="slidenum">
+              <a:rPr lang="en-US" smtClean="0"/>
+              <a:t>14</a:t>
+            </a:fld>
+            <a:endParaRPr lang="en-US"/>
+          </a:p>
+        </p:txBody>
+      </p:sp>
+      <p:pic>
+        <p:nvPicPr>
+          <p:cNvPr id="8" name="Picture 7">
+            <a:extLst>
+              <a:ext uri="{FF2B5EF4-FFF2-40B4-BE49-F238E27FC236}">
+                <a16:creationId xmlns:a16="http://schemas.microsoft.com/office/drawing/2014/main" id="{54DB1768-DEC7-46DB-A5D7-D4A584B5E486}"/>
+              </a:ext>
+            </a:extLst>
+          </p:cNvPr>
+          <p:cNvPicPr>
+            <a:picLocks noChangeAspect="1"/>
+          </p:cNvPicPr>
+          <p:nvPr/>
+        </p:nvPicPr>
+        <p:blipFill>
+          <a:blip r:embed="rId3"/>
+          <a:stretch>
+            <a:fillRect/>
+          </a:stretch>
+        </p:blipFill>
+        <p:spPr>
+          <a:xfrm>
+            <a:off x="6465225" y="1702271"/>
+            <a:ext cx="4791203" cy="1150471"/>
+          </a:xfrm>
+          <a:prstGeom prst="rect">
+            <a:avLst/>
+          </a:prstGeom>
+        </p:spPr>
+      </p:pic>
+      <p:pic>
+        <p:nvPicPr>
+          <p:cNvPr id="12" name="Picture 11">
+            <a:extLst>
+              <a:ext uri="{FF2B5EF4-FFF2-40B4-BE49-F238E27FC236}">
+                <a16:creationId xmlns:a16="http://schemas.microsoft.com/office/drawing/2014/main" id="{C37067E7-AD4C-4EE8-A8A7-B29D9A0F712D}"/>
+              </a:ext>
+            </a:extLst>
+          </p:cNvPr>
+          <p:cNvPicPr>
+            <a:picLocks noChangeAspect="1"/>
+          </p:cNvPicPr>
+          <p:nvPr/>
+        </p:nvPicPr>
+        <p:blipFill>
+          <a:blip r:embed="rId4"/>
+          <a:stretch>
+            <a:fillRect/>
+          </a:stretch>
+        </p:blipFill>
+        <p:spPr>
+          <a:xfrm>
+            <a:off x="5481851" y="2892913"/>
+            <a:ext cx="6372354" cy="2032199"/>
+          </a:xfrm>
+          <a:prstGeom prst="rect">
+            <a:avLst/>
+          </a:prstGeom>
+        </p:spPr>
+      </p:pic>
+      <p:pic>
+        <p:nvPicPr>
+          <p:cNvPr id="10" name="Picture 9">
+            <a:extLst>
+              <a:ext uri="{FF2B5EF4-FFF2-40B4-BE49-F238E27FC236}">
+                <a16:creationId xmlns:a16="http://schemas.microsoft.com/office/drawing/2014/main" id="{14D3C568-DF89-4771-A61A-D3F678A7ECD8}"/>
+              </a:ext>
+            </a:extLst>
+          </p:cNvPr>
+          <p:cNvPicPr>
+            <a:picLocks noChangeAspect="1"/>
+          </p:cNvPicPr>
+          <p:nvPr/>
+        </p:nvPicPr>
+        <p:blipFill>
+          <a:blip r:embed="rId5"/>
+          <a:stretch>
+            <a:fillRect/>
+          </a:stretch>
+        </p:blipFill>
+        <p:spPr>
+          <a:xfrm>
+            <a:off x="11256428" y="3084348"/>
+            <a:ext cx="695325" cy="476250"/>
+          </a:xfrm>
+          <a:prstGeom prst="rect">
+            <a:avLst/>
+          </a:prstGeom>
+        </p:spPr>
+      </p:pic>
+      <p:pic>
+        <p:nvPicPr>
+          <p:cNvPr id="14" name="Picture 13">
+            <a:extLst>
+              <a:ext uri="{FF2B5EF4-FFF2-40B4-BE49-F238E27FC236}">
+                <a16:creationId xmlns:a16="http://schemas.microsoft.com/office/drawing/2014/main" id="{B12156FF-54A4-4080-9E70-BEA5E2CECFED}"/>
+              </a:ext>
+            </a:extLst>
+          </p:cNvPr>
+          <p:cNvPicPr>
+            <a:picLocks noChangeAspect="1"/>
+          </p:cNvPicPr>
+          <p:nvPr/>
+        </p:nvPicPr>
+        <p:blipFill>
+          <a:blip r:embed="rId6"/>
+          <a:stretch>
+            <a:fillRect/>
+          </a:stretch>
+        </p:blipFill>
+        <p:spPr>
+          <a:xfrm>
+            <a:off x="7143555" y="5524069"/>
+            <a:ext cx="4919695" cy="634364"/>
+          </a:xfrm>
+          <a:prstGeom prst="rect">
+            <a:avLst/>
+          </a:prstGeom>
+        </p:spPr>
+      </p:pic>
+      <p:sp>
+        <p:nvSpPr>
+          <p:cNvPr id="16" name="TextBox 15">
+            <a:extLst>
+              <a:ext uri="{FF2B5EF4-FFF2-40B4-BE49-F238E27FC236}">
+                <a16:creationId xmlns:a16="http://schemas.microsoft.com/office/drawing/2014/main" id="{4ADA5F1D-035E-4E0C-B0AD-A9F5FA17057F}"/>
+              </a:ext>
+            </a:extLst>
+          </p:cNvPr>
+          <p:cNvSpPr txBox="1"/>
+          <p:nvPr/>
+        </p:nvSpPr>
+        <p:spPr bwMode="gray">
+          <a:xfrm>
+            <a:off x="9079447" y="6158433"/>
+            <a:ext cx="2292011" cy="369332"/>
+          </a:xfrm>
+          <a:prstGeom prst="rect">
+            <a:avLst/>
+          </a:prstGeom>
+          <a:noFill/>
+        </p:spPr>
+        <p:txBody>
+          <a:bodyPr wrap="square">
+            <a:spAutoFit/>
+          </a:bodyPr>
+          <a:lstStyle/>
+          <a:p>
+            <a:r>
+              <a:rPr lang="en-US" sz="1800" b="0" i="0" u="none" strike="noStrike" baseline="0" dirty="0">
+                <a:latin typeface="NimbusRomNo9L-Medi"/>
+              </a:rPr>
+              <a:t>Loss Function</a:t>
+            </a:r>
+            <a:endParaRPr lang="en-US" dirty="0"/>
+          </a:p>
+        </p:txBody>
+      </p:sp>
+      <p:pic>
+        <p:nvPicPr>
+          <p:cNvPr id="18" name="Picture 17">
+            <a:extLst>
+              <a:ext uri="{FF2B5EF4-FFF2-40B4-BE49-F238E27FC236}">
+                <a16:creationId xmlns:a16="http://schemas.microsoft.com/office/drawing/2014/main" id="{9DC713D5-A777-46CE-A0EC-5EBD7C464682}"/>
+              </a:ext>
+            </a:extLst>
+          </p:cNvPr>
+          <p:cNvPicPr>
+            <a:picLocks noChangeAspect="1"/>
+          </p:cNvPicPr>
+          <p:nvPr/>
+        </p:nvPicPr>
+        <p:blipFill>
+          <a:blip r:embed="rId7"/>
+          <a:stretch>
+            <a:fillRect/>
+          </a:stretch>
+        </p:blipFill>
+        <p:spPr>
+          <a:xfrm>
+            <a:off x="2233516" y="5494030"/>
+            <a:ext cx="4431201" cy="694442"/>
+          </a:xfrm>
+          <a:prstGeom prst="rect">
+            <a:avLst/>
+          </a:prstGeom>
+        </p:spPr>
+      </p:pic>
+      <p:sp>
+        <p:nvSpPr>
+          <p:cNvPr id="19" name="TextBox 18">
+            <a:extLst>
+              <a:ext uri="{FF2B5EF4-FFF2-40B4-BE49-F238E27FC236}">
+                <a16:creationId xmlns:a16="http://schemas.microsoft.com/office/drawing/2014/main" id="{E9987476-FE22-4C78-B4CD-42D1A8DC9FF4}"/>
+              </a:ext>
+            </a:extLst>
+          </p:cNvPr>
+          <p:cNvSpPr txBox="1"/>
+          <p:nvPr/>
+        </p:nvSpPr>
+        <p:spPr bwMode="gray">
+          <a:xfrm>
+            <a:off x="3080122" y="6166635"/>
+            <a:ext cx="2793456" cy="369332"/>
+          </a:xfrm>
+          <a:prstGeom prst="rect">
+            <a:avLst/>
+          </a:prstGeom>
+          <a:noFill/>
+        </p:spPr>
+        <p:txBody>
+          <a:bodyPr wrap="square">
+            <a:spAutoFit/>
+          </a:bodyPr>
+          <a:lstStyle/>
+          <a:p>
+            <a:r>
+              <a:rPr lang="en-US" sz="1800" b="0" i="0" u="none" strike="noStrike" baseline="0" dirty="0">
+                <a:latin typeface="NimbusRomNo9L-Medi"/>
+              </a:rPr>
+              <a:t>Latent Correlation Layer</a:t>
+            </a:r>
+            <a:endParaRPr lang="en-US" dirty="0"/>
+          </a:p>
+        </p:txBody>
+      </p:sp>
+      <p:pic>
+        <p:nvPicPr>
+          <p:cNvPr id="21" name="Picture 20">
+            <a:extLst>
+              <a:ext uri="{FF2B5EF4-FFF2-40B4-BE49-F238E27FC236}">
+                <a16:creationId xmlns:a16="http://schemas.microsoft.com/office/drawing/2014/main" id="{1F48D6EA-B6D9-4D9E-904D-CDC6D3B1D91D}"/>
+              </a:ext>
+            </a:extLst>
+          </p:cNvPr>
+          <p:cNvPicPr>
+            <a:picLocks noChangeAspect="1"/>
+          </p:cNvPicPr>
+          <p:nvPr/>
+        </p:nvPicPr>
+        <p:blipFill>
+          <a:blip r:embed="rId8"/>
+          <a:stretch>
+            <a:fillRect/>
+          </a:stretch>
+        </p:blipFill>
+        <p:spPr>
+          <a:xfrm>
+            <a:off x="561073" y="3261763"/>
+            <a:ext cx="4314825" cy="952500"/>
+          </a:xfrm>
+          <a:prstGeom prst="rect">
+            <a:avLst/>
+          </a:prstGeom>
+        </p:spPr>
+      </p:pic>
+      <p:sp>
+        <p:nvSpPr>
+          <p:cNvPr id="23" name="TextBox 22">
+            <a:extLst>
+              <a:ext uri="{FF2B5EF4-FFF2-40B4-BE49-F238E27FC236}">
+                <a16:creationId xmlns:a16="http://schemas.microsoft.com/office/drawing/2014/main" id="{561CAAC7-6848-4CF1-A39B-52A49740F546}"/>
+              </a:ext>
+            </a:extLst>
+          </p:cNvPr>
+          <p:cNvSpPr txBox="1"/>
+          <p:nvPr/>
+        </p:nvSpPr>
+        <p:spPr bwMode="gray">
+          <a:xfrm>
+            <a:off x="755822" y="4144409"/>
+            <a:ext cx="6240162" cy="369332"/>
+          </a:xfrm>
+          <a:prstGeom prst="rect">
+            <a:avLst/>
+          </a:prstGeom>
+          <a:noFill/>
+        </p:spPr>
+        <p:txBody>
+          <a:bodyPr wrap="square">
+            <a:spAutoFit/>
+          </a:bodyPr>
+          <a:lstStyle/>
+          <a:p>
+            <a:r>
+              <a:rPr lang="en-US" sz="1800" b="0" i="0" u="none" strike="noStrike" baseline="0" dirty="0">
+                <a:latin typeface="NimbusRomNo9L-Regu"/>
+              </a:rPr>
+              <a:t>Graph Fourier Transform (GFT)</a:t>
+            </a:r>
+          </a:p>
+        </p:txBody>
+      </p:sp>
+      <p:pic>
+        <p:nvPicPr>
+          <p:cNvPr id="25" name="Picture 24">
+            <a:extLst>
+              <a:ext uri="{FF2B5EF4-FFF2-40B4-BE49-F238E27FC236}">
+                <a16:creationId xmlns:a16="http://schemas.microsoft.com/office/drawing/2014/main" id="{C15CF43D-A02E-4789-800A-CE3B52CDA7DA}"/>
+              </a:ext>
+            </a:extLst>
+          </p:cNvPr>
+          <p:cNvPicPr>
+            <a:picLocks noChangeAspect="1"/>
+          </p:cNvPicPr>
+          <p:nvPr/>
+        </p:nvPicPr>
+        <p:blipFill>
+          <a:blip r:embed="rId9"/>
+          <a:stretch>
+            <a:fillRect/>
+          </a:stretch>
+        </p:blipFill>
+        <p:spPr>
+          <a:xfrm>
+            <a:off x="1742303" y="4919278"/>
+            <a:ext cx="7620000" cy="381000"/>
+          </a:xfrm>
+          <a:prstGeom prst="rect">
+            <a:avLst/>
+          </a:prstGeom>
+        </p:spPr>
+      </p:pic>
+      <p:sp>
+        <p:nvSpPr>
+          <p:cNvPr id="27" name="TextBox 26">
+            <a:extLst>
+              <a:ext uri="{FF2B5EF4-FFF2-40B4-BE49-F238E27FC236}">
+                <a16:creationId xmlns:a16="http://schemas.microsoft.com/office/drawing/2014/main" id="{C62A6F20-5101-479E-97C4-CF7C6351150B}"/>
+              </a:ext>
+            </a:extLst>
+          </p:cNvPr>
+          <p:cNvSpPr txBox="1"/>
+          <p:nvPr/>
+        </p:nvSpPr>
+        <p:spPr bwMode="gray">
+          <a:xfrm>
+            <a:off x="3784055" y="5211721"/>
+            <a:ext cx="6240162" cy="369332"/>
+          </a:xfrm>
+          <a:prstGeom prst="rect">
+            <a:avLst/>
+          </a:prstGeom>
+          <a:noFill/>
+        </p:spPr>
+        <p:txBody>
+          <a:bodyPr wrap="square">
+            <a:spAutoFit/>
+          </a:bodyPr>
+          <a:lstStyle/>
+          <a:p>
+            <a:r>
+              <a:rPr lang="en-US" sz="1800" b="0" i="0" u="none" strike="noStrike" baseline="0" dirty="0">
+                <a:latin typeface="NimbusRomNo9L-Regu"/>
+              </a:rPr>
+              <a:t>Discrete Fourier Transform (DFT)</a:t>
+            </a:r>
+            <a:endParaRPr lang="en-US" dirty="0"/>
+          </a:p>
+        </p:txBody>
+      </p:sp>
+    </p:spTree>
+    <p:extLst>
+      <p:ext uri="{BB962C8B-B14F-4D97-AF65-F5344CB8AC3E}">
+        <p14:creationId xmlns:p14="http://schemas.microsoft.com/office/powerpoint/2010/main" val="595803113"/>
+      </p:ext>
+    </p:extLst>
+  </p:cSld>
+  <p:clrMapOvr>
+    <a:masterClrMapping/>
+  </p:clrMapOvr>
+</p:sld>
+</file>
+
+<file path=ppt/slides/slide15.xml><?xml version="1.0" encoding="utf-8"?>
+<p:sld xmlns:a="http://schemas.openxmlformats.org/drawingml/2006/main" xmlns:r="http://schemas.openxmlformats.org/officeDocument/2006/relationships" xmlns:p="http://schemas.openxmlformats.org/presentationml/2006/main">
+  <p:cSld>
+    <p:spTree>
+      <p:nvGrpSpPr>
+        <p:cNvPr id="1" name=""/>
+        <p:cNvGrpSpPr/>
+        <p:nvPr/>
+      </p:nvGrpSpPr>
+      <p:grpSpPr>
+        <a:xfrm>
+          <a:off x="0" y="0"/>
+          <a:ext cx="0" cy="0"/>
+          <a:chOff x="0" y="0"/>
+          <a:chExt cx="0" cy="0"/>
+        </a:xfrm>
+      </p:grpSpPr>
+      <p:sp>
+        <p:nvSpPr>
+          <p:cNvPr id="4" name="Title 3">
+            <a:extLst>
+              <a:ext uri="{FF2B5EF4-FFF2-40B4-BE49-F238E27FC236}">
+                <a16:creationId xmlns:a16="http://schemas.microsoft.com/office/drawing/2014/main" id="{E7EBB6C5-1871-444B-AD84-356DE1BC2905}"/>
+              </a:ext>
+            </a:extLst>
+          </p:cNvPr>
+          <p:cNvSpPr>
+            <a:spLocks noGrp="1"/>
+          </p:cNvSpPr>
+          <p:nvPr>
+            <p:ph type="ctrTitle"/>
+          </p:nvPr>
+        </p:nvSpPr>
+        <p:spPr>
+          <a:xfrm>
+            <a:off x="478368" y="4656578"/>
+            <a:ext cx="11228913" cy="1001364"/>
+          </a:xfrm>
+          <a:noFill/>
+        </p:spPr>
+        <p:txBody>
+          <a:bodyPr/>
+          <a:lstStyle/>
+          <a:p>
+            <a:r>
+              <a:rPr lang="pt-BR" dirty="0"/>
+              <a:t>H</a:t>
+            </a:r>
+            <a:r>
+              <a:rPr lang="en-US" dirty="0" err="1"/>
+              <a:t>ybrid</a:t>
+            </a:r>
+            <a:r>
+              <a:rPr lang="en-US" dirty="0"/>
+              <a:t> Architectures</a:t>
+            </a:r>
+          </a:p>
+        </p:txBody>
+      </p:sp>
+    </p:spTree>
+    <p:extLst>
+      <p:ext uri="{BB962C8B-B14F-4D97-AF65-F5344CB8AC3E}">
+        <p14:creationId xmlns:p14="http://schemas.microsoft.com/office/powerpoint/2010/main" val="1704244120"/>
+      </p:ext>
+    </p:extLst>
+  </p:cSld>
+  <p:clrMapOvr>
+    <a:masterClrMapping/>
+  </p:clrMapOvr>
+  <p:transition spd="slow">
+    <p:wipe dir="d"/>
+  </p:transition>
+</p:sld>
+</file>
+
+<file path=ppt/slides/slide16.xml><?xml version="1.0" encoding="utf-8"?>
+<p:sld xmlns:a="http://schemas.openxmlformats.org/drawingml/2006/main" xmlns:r="http://schemas.openxmlformats.org/officeDocument/2006/relationships" xmlns:p="http://schemas.openxmlformats.org/presentationml/2006/main">
+  <p:cSld>
+    <p:spTree>
+      <p:nvGrpSpPr>
+        <p:cNvPr id="1" name=""/>
+        <p:cNvGrpSpPr/>
+        <p:nvPr/>
+      </p:nvGrpSpPr>
+      <p:grpSpPr>
+        <a:xfrm>
+          <a:off x="0" y="0"/>
+          <a:ext cx="0" cy="0"/>
+          <a:chOff x="0" y="0"/>
+          <a:chExt cx="0" cy="0"/>
+        </a:xfrm>
+      </p:grpSpPr>
+      <p:sp>
+        <p:nvSpPr>
+          <p:cNvPr id="2" name="Title 1">
+            <a:extLst>
+              <a:ext uri="{FF2B5EF4-FFF2-40B4-BE49-F238E27FC236}">
                 <a16:creationId xmlns:a16="http://schemas.microsoft.com/office/drawing/2014/main" id="{56A292F6-E437-437F-8009-04441B536A15}"/>
               </a:ext>
             </a:extLst>
@@ -10878,7 +12710,7 @@
           <a:p>
             <a:fld id="{81561042-0DC2-4A04-AA50-F6D44EB20EBA}" type="slidenum">
               <a:rPr lang="en-US" smtClean="0"/>
-              <a:t>10</a:t>
+              <a:t>16</a:t>
             </a:fld>
             <a:endParaRPr lang="en-US"/>
           </a:p>
@@ -11159,7 +12991,7 @@
 </p:sld>
 </file>
 
-<file path=ppt/slides/slide11.xml><?xml version="1.0" encoding="utf-8"?>
+<file path=ppt/slides/slide17.xml><?xml version="1.0" encoding="utf-8"?>
 <p:sld xmlns:a="http://schemas.openxmlformats.org/drawingml/2006/main" xmlns:r="http://schemas.openxmlformats.org/officeDocument/2006/relationships" xmlns:p="http://schemas.openxmlformats.org/presentationml/2006/main">
   <p:cSld>
     <p:spTree>
@@ -11181,7 +13013,7 @@
           <p:cNvPr id="2" name="Title 1">
             <a:extLst>
               <a:ext uri="{FF2B5EF4-FFF2-40B4-BE49-F238E27FC236}">
-                <a16:creationId xmlns:a16="http://schemas.microsoft.com/office/drawing/2014/main" id="{2DBE1D1D-C5D5-4E66-BE5B-FD4ED29AA4DE}"/>
+                <a16:creationId xmlns:a16="http://schemas.microsoft.com/office/drawing/2014/main" id="{D119D7EC-A589-452E-8839-90DB38B1FFE1}"/>
               </a:ext>
             </a:extLst>
           </p:cNvPr>
@@ -11192,34 +13024,15 @@
             <p:ph type="title"/>
           </p:nvPr>
         </p:nvSpPr>
-        <p:spPr>
-          <a:xfrm>
-            <a:off x="478369" y="144001"/>
-            <a:ext cx="9835404" cy="1417614"/>
-          </a:xfrm>
-        </p:spPr>
+        <p:spPr/>
         <p:txBody>
           <a:bodyPr/>
           <a:lstStyle/>
           <a:p>
             <a:r>
-              <a:rPr lang="en-US" sz="2800" dirty="0">
-                <a:solidFill>
-                  <a:srgbClr val="222222"/>
-                </a:solidFill>
-                <a:latin typeface="+mj-lt"/>
-              </a:rPr>
-              <a:t>Temporal Graph Neural Networks [Rossi et al. 2020]</a:t>
-            </a:r>
-            <a:br>
-              <a:rPr lang="en-US" sz="2800" dirty="0">
-                <a:solidFill>
-                  <a:srgbClr val="222222"/>
-                </a:solidFill>
-                <a:latin typeface="+mj-lt"/>
-              </a:rPr>
-            </a:br>
-            <a:endParaRPr lang="en-US" dirty="0"/>
+              <a:rPr lang="en-US" dirty="0"/>
+              <a:t>Suggested Readings on Temporal Graph Nets</a:t>
+            </a:r>
           </a:p>
         </p:txBody>
       </p:sp>
@@ -11228,7 +13041,7 @@
           <p:cNvPr id="3" name="Content Placeholder 2">
             <a:extLst>
               <a:ext uri="{FF2B5EF4-FFF2-40B4-BE49-F238E27FC236}">
-                <a16:creationId xmlns:a16="http://schemas.microsoft.com/office/drawing/2014/main" id="{3E23179D-47F5-4E9D-8A2F-2D7D925F20A0}"/>
+                <a16:creationId xmlns:a16="http://schemas.microsoft.com/office/drawing/2014/main" id="{9A5F00CE-1E9A-426E-888E-9F4FE5A67EDE}"/>
               </a:ext>
             </a:extLst>
           </p:cNvPr>
@@ -11242,17 +13055,157 @@
         <p:spPr>
           <a:xfrm>
             <a:off x="478369" y="1213308"/>
-            <a:ext cx="11473384" cy="309315"/>
+            <a:ext cx="11473384" cy="1230080"/>
           </a:xfrm>
         </p:spPr>
         <p:txBody>
           <a:bodyPr/>
           <a:lstStyle/>
           <a:p>
-            <a:r>
-              <a:rPr lang="en-US" dirty="0"/>
-              <a:t>Goal: predict next node link in a Twitter network</a:t>
-            </a:r>
+            <a:pPr marL="342900" indent="-342900" algn="l">
+              <a:lnSpc>
+                <a:spcPct val="100000"/>
+              </a:lnSpc>
+              <a:buFont typeface="Arial" panose="020B0604020202020204" pitchFamily="34" charset="0"/>
+              <a:buChar char="•"/>
+            </a:pPr>
+            <a:r>
+              <a:rPr lang="en-US" sz="1200" b="0" i="0" u="none" strike="noStrike" baseline="0" dirty="0">
+                <a:latin typeface="NimbusRomNo9L-Regu"/>
+              </a:rPr>
+              <a:t>[</a:t>
+            </a:r>
+            <a:r>
+              <a:rPr lang="en-US" sz="1200" b="0" i="0" u="none" strike="noStrike" baseline="0" dirty="0" err="1">
+                <a:latin typeface="NimbusRomNo9L-Regu"/>
+              </a:rPr>
+              <a:t>Kamezi</a:t>
+            </a:r>
+            <a:r>
+              <a:rPr lang="en-US" sz="1200" b="0" i="0" u="none" strike="noStrike" baseline="0" dirty="0">
+                <a:latin typeface="NimbusRomNo9L-Regu"/>
+              </a:rPr>
+              <a:t> et al. 2020] </a:t>
+            </a:r>
+            <a:r>
+              <a:rPr lang="en-US" sz="1200" b="0" i="0" u="none" strike="noStrike" baseline="0" dirty="0" err="1">
+                <a:latin typeface="NimbusRomNo9L-Regu"/>
+              </a:rPr>
+              <a:t>Seyed</a:t>
+            </a:r>
+            <a:r>
+              <a:rPr lang="en-US" sz="1200" b="0" i="0" u="none" strike="noStrike" baseline="0" dirty="0">
+                <a:latin typeface="NimbusRomNo9L-Regu"/>
+              </a:rPr>
+              <a:t> Mehran </a:t>
+            </a:r>
+            <a:r>
+              <a:rPr lang="en-US" sz="1200" b="0" i="0" u="none" strike="noStrike" baseline="0" dirty="0" err="1">
+                <a:latin typeface="NimbusRomNo9L-Regu"/>
+              </a:rPr>
+              <a:t>Kazemi</a:t>
+            </a:r>
+            <a:r>
+              <a:rPr lang="en-US" sz="1200" b="0" i="0" u="none" strike="noStrike" baseline="0" dirty="0">
+                <a:latin typeface="NimbusRomNo9L-Regu"/>
+              </a:rPr>
+              <a:t>, </a:t>
+            </a:r>
+            <a:r>
+              <a:rPr lang="en-US" sz="1200" b="0" i="0" u="none" strike="noStrike" baseline="0" dirty="0" err="1">
+                <a:latin typeface="NimbusRomNo9L-Regu"/>
+              </a:rPr>
+              <a:t>Rishab</a:t>
+            </a:r>
+            <a:r>
+              <a:rPr lang="en-US" sz="1200" b="0" i="0" u="none" strike="noStrike" baseline="0" dirty="0">
+                <a:latin typeface="NimbusRomNo9L-Regu"/>
+              </a:rPr>
+              <a:t> Goel, </a:t>
+            </a:r>
+            <a:r>
+              <a:rPr lang="en-US" sz="1200" b="0" i="0" u="none" strike="noStrike" baseline="0" dirty="0" err="1">
+                <a:latin typeface="NimbusRomNo9L-Regu"/>
+              </a:rPr>
+              <a:t>Kshitij</a:t>
+            </a:r>
+            <a:r>
+              <a:rPr lang="en-US" sz="1200" b="0" i="0" u="none" strike="noStrike" baseline="0" dirty="0">
+                <a:latin typeface="NimbusRomNo9L-Regu"/>
+              </a:rPr>
+              <a:t> Jain, Ivan </a:t>
+            </a:r>
+            <a:r>
+              <a:rPr lang="en-US" sz="1200" b="0" i="0" u="none" strike="noStrike" baseline="0" dirty="0" err="1">
+                <a:latin typeface="NimbusRomNo9L-Regu"/>
+              </a:rPr>
+              <a:t>Kobyzev</a:t>
+            </a:r>
+            <a:r>
+              <a:rPr lang="en-US" sz="1200" b="0" i="0" u="none" strike="noStrike" baseline="0" dirty="0">
+                <a:latin typeface="NimbusRomNo9L-Regu"/>
+              </a:rPr>
+              <a:t>, </a:t>
+            </a:r>
+            <a:r>
+              <a:rPr lang="en-US" sz="1200" b="0" i="0" u="none" strike="noStrike" baseline="0" dirty="0" err="1">
+                <a:latin typeface="NimbusRomNo9L-Regu"/>
+              </a:rPr>
+              <a:t>Akshay</a:t>
+            </a:r>
+            <a:r>
+              <a:rPr lang="en-US" sz="1200" b="0" i="0" u="none" strike="noStrike" baseline="0" dirty="0">
+                <a:latin typeface="NimbusRomNo9L-Regu"/>
+              </a:rPr>
+              <a:t> </a:t>
+            </a:r>
+            <a:r>
+              <a:rPr lang="en-US" sz="1200" b="0" i="0" u="none" strike="noStrike" baseline="0" dirty="0" err="1">
+                <a:latin typeface="NimbusRomNo9L-Regu"/>
+              </a:rPr>
+              <a:t>Sethi</a:t>
+            </a:r>
+            <a:r>
+              <a:rPr lang="en-US" sz="1200" b="0" i="0" u="none" strike="noStrike" baseline="0" dirty="0">
+                <a:latin typeface="NimbusRomNo9L-Regu"/>
+              </a:rPr>
+              <a:t>, Peter Forsyth, and Pascal Poupart. </a:t>
+            </a:r>
+            <a:r>
+              <a:rPr lang="en-US" sz="1200" b="1" i="0" u="none" strike="noStrike" baseline="0" dirty="0">
+                <a:latin typeface="NimbusRomNo9L-Regu"/>
+              </a:rPr>
+              <a:t>Representation learning for dynamic graphs: A survey.  </a:t>
+            </a:r>
+            <a:r>
+              <a:rPr lang="en-US" sz="1200" b="0" i="0" u="none" strike="noStrike" baseline="0" dirty="0">
+                <a:latin typeface="NimbusRomNo9L-ReguItal"/>
+              </a:rPr>
+              <a:t>Journal of Machine Learning Research</a:t>
+            </a:r>
+            <a:r>
+              <a:rPr lang="en-US" sz="1200" b="0" i="0" u="none" strike="noStrike" baseline="0" dirty="0">
+                <a:latin typeface="NimbusRomNo9L-Regu"/>
+              </a:rPr>
+              <a:t>, 21(70):1–73, 2020. URL </a:t>
+            </a:r>
+            <a:r>
+              <a:rPr lang="en-US" sz="1200" b="0" i="0" u="none" strike="noStrike" baseline="0" dirty="0">
+                <a:latin typeface="NimbusMonL-Regu"/>
+                <a:hlinkClick r:id="rId2"/>
+              </a:rPr>
+              <a:t>http://jmlr.org/papers/v21/19-447.html</a:t>
+            </a:r>
+            <a:endParaRPr lang="en-US" sz="1200" b="0" i="0" u="none" strike="noStrike" baseline="0" dirty="0">
+              <a:latin typeface="NimbusMonL-Regu"/>
+            </a:endParaRPr>
+          </a:p>
+          <a:p>
+            <a:pPr algn="l"/>
+            <a:endParaRPr lang="en-US" dirty="0"/>
+          </a:p>
+          <a:p>
+            <a:endParaRPr lang="en-US" dirty="0"/>
           </a:p>
         </p:txBody>
       </p:sp>
@@ -11261,7 +13214,7 @@
           <p:cNvPr id="4" name="Slide Number Placeholder 3">
             <a:extLst>
               <a:ext uri="{FF2B5EF4-FFF2-40B4-BE49-F238E27FC236}">
-                <a16:creationId xmlns:a16="http://schemas.microsoft.com/office/drawing/2014/main" id="{FE07D5A1-BEA0-4889-BAD3-DA8E26D8CF5A}"/>
+                <a16:creationId xmlns:a16="http://schemas.microsoft.com/office/drawing/2014/main" id="{E21C5A71-CC44-41A1-95CA-43D2275AF95C}"/>
               </a:ext>
             </a:extLst>
           </p:cNvPr>
@@ -11279,46 +13232,16 @@
           <a:p>
             <a:fld id="{81561042-0DC2-4A04-AA50-F6D44EB20EBA}" type="slidenum">
               <a:rPr lang="en-US" smtClean="0"/>
-              <a:t>11</a:t>
+              <a:t>17</a:t>
             </a:fld>
             <a:endParaRPr lang="en-US"/>
           </a:p>
         </p:txBody>
       </p:sp>
-      <p:pic>
-        <p:nvPicPr>
-          <p:cNvPr id="6" name="Picture 5">
-            <a:extLst>
-              <a:ext uri="{FF2B5EF4-FFF2-40B4-BE49-F238E27FC236}">
-                <a16:creationId xmlns:a16="http://schemas.microsoft.com/office/drawing/2014/main" id="{2B3EACFE-1B28-455B-B8CC-1FD36158A16C}"/>
-              </a:ext>
-            </a:extLst>
-          </p:cNvPr>
-          <p:cNvPicPr>
-            <a:picLocks noChangeAspect="1"/>
-          </p:cNvPicPr>
-          <p:nvPr/>
-        </p:nvPicPr>
-        <p:blipFill>
-          <a:blip r:embed="rId2"/>
-          <a:stretch>
-            <a:fillRect/>
-          </a:stretch>
-        </p:blipFill>
-        <p:spPr>
-          <a:xfrm>
-            <a:off x="939687" y="2482641"/>
-            <a:ext cx="6078950" cy="2923633"/>
-          </a:xfrm>
-          <a:prstGeom prst="rect">
-            <a:avLst/>
-          </a:prstGeom>
-        </p:spPr>
-      </p:pic>
     </p:spTree>
     <p:extLst>
       <p:ext uri="{BB962C8B-B14F-4D97-AF65-F5344CB8AC3E}">
-        <p14:creationId xmlns:p14="http://schemas.microsoft.com/office/powerpoint/2010/main" val="3521514413"/>
+        <p14:creationId xmlns:p14="http://schemas.microsoft.com/office/powerpoint/2010/main" val="1213049891"/>
       </p:ext>
     </p:extLst>
   </p:cSld>
@@ -11328,7 +13251,7 @@
 </p:sld>
 </file>
 
-<file path=ppt/slides/slide12.xml><?xml version="1.0" encoding="utf-8"?>
+<file path=ppt/slides/slide18.xml><?xml version="1.0" encoding="utf-8"?>
 <p:sld xmlns:a="http://schemas.openxmlformats.org/drawingml/2006/main" xmlns:r="http://schemas.openxmlformats.org/officeDocument/2006/relationships" xmlns:p="http://schemas.openxmlformats.org/presentationml/2006/main">
   <p:cSld>
     <p:spTree>
@@ -11350,6 +13273,2599 @@
           <p:cNvPr id="2" name="Title 1">
             <a:extLst>
               <a:ext uri="{FF2B5EF4-FFF2-40B4-BE49-F238E27FC236}">
+                <a16:creationId xmlns:a16="http://schemas.microsoft.com/office/drawing/2014/main" id="{F556059A-837B-4E70-85E0-77BA2416952C}"/>
+              </a:ext>
+            </a:extLst>
+          </p:cNvPr>
+          <p:cNvSpPr>
+            <a:spLocks noGrp="1"/>
+          </p:cNvSpPr>
+          <p:nvPr>
+            <p:ph type="title"/>
+          </p:nvPr>
+        </p:nvSpPr>
+        <p:spPr/>
+        <p:txBody>
+          <a:bodyPr/>
+          <a:lstStyle/>
+          <a:p>
+            <a:r>
+              <a:rPr lang="pt-BR" dirty="0"/>
+              <a:t>Next and Future Tasks </a:t>
+            </a:r>
+            <a:endParaRPr lang="en-US" dirty="0"/>
+          </a:p>
+        </p:txBody>
+      </p:sp>
+      <p:sp>
+        <p:nvSpPr>
+          <p:cNvPr id="3" name="Content Placeholder 2">
+            <a:extLst>
+              <a:ext uri="{FF2B5EF4-FFF2-40B4-BE49-F238E27FC236}">
+                <a16:creationId xmlns:a16="http://schemas.microsoft.com/office/drawing/2014/main" id="{619E2D8F-BD66-4A77-89AD-0694964867F4}"/>
+              </a:ext>
+            </a:extLst>
+          </p:cNvPr>
+          <p:cNvSpPr>
+            <a:spLocks noGrp="1"/>
+          </p:cNvSpPr>
+          <p:nvPr>
+            <p:ph idx="1"/>
+          </p:nvPr>
+        </p:nvSpPr>
+        <p:spPr>
+          <a:xfrm>
+            <a:off x="478369" y="1024388"/>
+            <a:ext cx="11473384" cy="5246564"/>
+          </a:xfrm>
+        </p:spPr>
+        <p:txBody>
+          <a:bodyPr/>
+          <a:lstStyle/>
+          <a:p>
+            <a:pPr marL="457200" indent="-457200">
+              <a:buFont typeface="+mj-lt"/>
+              <a:buAutoNum type="arabicPeriod"/>
+            </a:pPr>
+            <a:r>
+              <a:rPr lang="en-US" dirty="0">
+                <a:solidFill>
+                  <a:schemeClr val="bg1">
+                    <a:lumMod val="65000"/>
+                  </a:schemeClr>
+                </a:solidFill>
+              </a:rPr>
+              <a:t>Compute and compare graph metrics (Wednesday, 2.12)</a:t>
+            </a:r>
+          </a:p>
+          <a:p>
+            <a:pPr marL="457200" indent="-457200">
+              <a:buFont typeface="+mj-lt"/>
+              <a:buAutoNum type="arabicPeriod"/>
+            </a:pPr>
+            <a:r>
+              <a:rPr lang="en-US" dirty="0">
+                <a:solidFill>
+                  <a:schemeClr val="bg1">
+                    <a:lumMod val="65000"/>
+                  </a:schemeClr>
+                </a:solidFill>
+              </a:rPr>
+              <a:t>First draft of abstract (Friday, 4.12)</a:t>
+            </a:r>
+          </a:p>
+          <a:p>
+            <a:pPr marL="457200" indent="-457200">
+              <a:buFont typeface="+mj-lt"/>
+              <a:buAutoNum type="arabicPeriod"/>
+            </a:pPr>
+            <a:r>
+              <a:rPr lang="en-US" dirty="0">
+                <a:solidFill>
+                  <a:schemeClr val="bg1">
+                    <a:lumMod val="65000"/>
+                  </a:schemeClr>
+                </a:solidFill>
+              </a:rPr>
+              <a:t>Predictions using traditional method (Wednesday, 9.12)</a:t>
+            </a:r>
+          </a:p>
+          <a:p>
+            <a:pPr marL="457200" indent="-457200">
+              <a:buFont typeface="+mj-lt"/>
+              <a:buAutoNum type="arabicPeriod"/>
+            </a:pPr>
+            <a:r>
+              <a:rPr lang="en-US" dirty="0">
+                <a:solidFill>
+                  <a:schemeClr val="bg1">
+                    <a:lumMod val="65000"/>
+                  </a:schemeClr>
+                </a:solidFill>
+              </a:rPr>
+              <a:t>Related work draft (Friday, 11.12)</a:t>
+            </a:r>
+          </a:p>
+          <a:p>
+            <a:pPr marL="457200" indent="-457200">
+              <a:buFont typeface="+mj-lt"/>
+              <a:buAutoNum type="arabicPeriod"/>
+            </a:pPr>
+            <a:r>
+              <a:rPr lang="en-US" dirty="0">
+                <a:solidFill>
+                  <a:schemeClr val="bg1">
+                    <a:lumMod val="65000"/>
+                  </a:schemeClr>
+                </a:solidFill>
+              </a:rPr>
+              <a:t>Node and Graph Feature Learning (Wednesday, 16.12) </a:t>
+            </a:r>
+          </a:p>
+          <a:p>
+            <a:pPr marL="698494" lvl="1" indent="-457200">
+              <a:buFont typeface="Arial" panose="020B0604020202020204" pitchFamily="34" charset="0"/>
+              <a:buChar char="•"/>
+            </a:pPr>
+            <a:r>
+              <a:rPr lang="en-US" dirty="0">
+                <a:solidFill>
+                  <a:schemeClr val="bg1">
+                    <a:lumMod val="65000"/>
+                  </a:schemeClr>
+                </a:solidFill>
+              </a:rPr>
+              <a:t>Any two methods of your choice</a:t>
+            </a:r>
+          </a:p>
+          <a:p>
+            <a:pPr marL="457200" indent="-457200">
+              <a:buFont typeface="+mj-lt"/>
+              <a:buAutoNum type="arabicPeriod"/>
+            </a:pPr>
+            <a:r>
+              <a:rPr lang="en-US" dirty="0"/>
+              <a:t>Design alternative pipelines for your GNN (Wednesday, 06.01)</a:t>
+            </a:r>
+          </a:p>
+          <a:p>
+            <a:pPr marL="698494" lvl="1" indent="-457200">
+              <a:buFont typeface="Arial" panose="020B0604020202020204" pitchFamily="34" charset="0"/>
+              <a:buChar char="•"/>
+            </a:pPr>
+            <a:r>
+              <a:rPr lang="en-US" dirty="0"/>
+              <a:t>Three alternative with different options for embedding, aggregation, and encoding</a:t>
+            </a:r>
+          </a:p>
+          <a:p>
+            <a:pPr marL="698494" lvl="1" indent="-457200">
+              <a:buFont typeface="Arial" panose="020B0604020202020204" pitchFamily="34" charset="0"/>
+              <a:buChar char="•"/>
+            </a:pPr>
+            <a:r>
+              <a:rPr lang="en-US" dirty="0"/>
+              <a:t>Test at least one.</a:t>
+            </a:r>
+          </a:p>
+          <a:p>
+            <a:pPr marL="457200" indent="-457200">
+              <a:buFont typeface="+mj-lt"/>
+              <a:buAutoNum type="arabicPeriod"/>
+            </a:pPr>
+            <a:r>
+              <a:rPr lang="en-US" dirty="0"/>
+              <a:t>Execute pipeline for different configurations</a:t>
+            </a:r>
+          </a:p>
+          <a:p>
+            <a:pPr marL="698494" lvl="1" indent="-457200">
+              <a:buFont typeface="Arial" panose="020B0604020202020204" pitchFamily="34" charset="0"/>
+              <a:buChar char="•"/>
+            </a:pPr>
+            <a:r>
+              <a:rPr lang="en-US" dirty="0"/>
+              <a:t>Sensitivity Analysis </a:t>
+            </a:r>
+          </a:p>
+          <a:p>
+            <a:pPr marL="698494" lvl="1" indent="-457200">
+              <a:buFont typeface="Arial" panose="020B0604020202020204" pitchFamily="34" charset="0"/>
+              <a:buChar char="•"/>
+            </a:pPr>
+            <a:r>
+              <a:rPr lang="en-US" dirty="0"/>
+              <a:t>Ablation study</a:t>
+            </a:r>
+          </a:p>
+        </p:txBody>
+      </p:sp>
+      <p:sp>
+        <p:nvSpPr>
+          <p:cNvPr id="4" name="Slide Number Placeholder 3">
+            <a:extLst>
+              <a:ext uri="{FF2B5EF4-FFF2-40B4-BE49-F238E27FC236}">
+                <a16:creationId xmlns:a16="http://schemas.microsoft.com/office/drawing/2014/main" id="{2544D838-EB3D-4D0D-822F-FD7D93CBEE71}"/>
+              </a:ext>
+            </a:extLst>
+          </p:cNvPr>
+          <p:cNvSpPr>
+            <a:spLocks noGrp="1"/>
+          </p:cNvSpPr>
+          <p:nvPr>
+            <p:ph type="sldNum" sz="quarter" idx="12"/>
+          </p:nvPr>
+        </p:nvSpPr>
+        <p:spPr/>
+        <p:txBody>
+          <a:bodyPr/>
+          <a:lstStyle/>
+          <a:p>
+            <a:fld id="{81561042-0DC2-4A04-AA50-F6D44EB20EBA}" type="slidenum">
+              <a:rPr lang="en-US" smtClean="0"/>
+              <a:t>18</a:t>
+            </a:fld>
+            <a:endParaRPr lang="en-US"/>
+          </a:p>
+        </p:txBody>
+      </p:sp>
+    </p:spTree>
+    <p:extLst>
+      <p:ext uri="{BB962C8B-B14F-4D97-AF65-F5344CB8AC3E}">
+        <p14:creationId xmlns:p14="http://schemas.microsoft.com/office/powerpoint/2010/main" val="1017585204"/>
+      </p:ext>
+    </p:extLst>
+  </p:cSld>
+  <p:clrMapOvr>
+    <a:masterClrMapping/>
+  </p:clrMapOvr>
+</p:sld>
+</file>
+
+<file path=ppt/slides/slide19.xml><?xml version="1.0" encoding="utf-8"?>
+<p:sld xmlns:a="http://schemas.openxmlformats.org/drawingml/2006/main" xmlns:r="http://schemas.openxmlformats.org/officeDocument/2006/relationships" xmlns:p="http://schemas.openxmlformats.org/presentationml/2006/main">
+  <p:cSld>
+    <p:spTree>
+      <p:nvGrpSpPr>
+        <p:cNvPr id="1" name=""/>
+        <p:cNvGrpSpPr/>
+        <p:nvPr/>
+      </p:nvGrpSpPr>
+      <p:grpSpPr>
+        <a:xfrm>
+          <a:off x="0" y="0"/>
+          <a:ext cx="0" cy="0"/>
+          <a:chOff x="0" y="0"/>
+          <a:chExt cx="0" cy="0"/>
+        </a:xfrm>
+      </p:grpSpPr>
+      <p:sp>
+        <p:nvSpPr>
+          <p:cNvPr id="4" name="Title 3">
+            <a:extLst>
+              <a:ext uri="{FF2B5EF4-FFF2-40B4-BE49-F238E27FC236}">
+                <a16:creationId xmlns:a16="http://schemas.microsoft.com/office/drawing/2014/main" id="{E7EBB6C5-1871-444B-AD84-356DE1BC2905}"/>
+              </a:ext>
+            </a:extLst>
+          </p:cNvPr>
+          <p:cNvSpPr>
+            <a:spLocks noGrp="1"/>
+          </p:cNvSpPr>
+          <p:nvPr>
+            <p:ph type="ctrTitle"/>
+          </p:nvPr>
+        </p:nvSpPr>
+        <p:spPr>
+          <a:xfrm>
+            <a:off x="478368" y="4656578"/>
+            <a:ext cx="11228913" cy="1001364"/>
+          </a:xfrm>
+          <a:noFill/>
+        </p:spPr>
+        <p:txBody>
+          <a:bodyPr/>
+          <a:lstStyle/>
+          <a:p>
+            <a:r>
+              <a:rPr lang="en-US" dirty="0"/>
+              <a:t>END</a:t>
+            </a:r>
+          </a:p>
+        </p:txBody>
+      </p:sp>
+    </p:spTree>
+    <p:extLst>
+      <p:ext uri="{BB962C8B-B14F-4D97-AF65-F5344CB8AC3E}">
+        <p14:creationId xmlns:p14="http://schemas.microsoft.com/office/powerpoint/2010/main" val="3752993035"/>
+      </p:ext>
+    </p:extLst>
+  </p:cSld>
+  <p:clrMapOvr>
+    <a:masterClrMapping/>
+  </p:clrMapOvr>
+  <p:transition spd="slow">
+    <p:wipe dir="d"/>
+  </p:transition>
+</p:sld>
+</file>
+
+<file path=ppt/slides/slide2.xml><?xml version="1.0" encoding="utf-8"?>
+<p:sld xmlns:a="http://schemas.openxmlformats.org/drawingml/2006/main" xmlns:r="http://schemas.openxmlformats.org/officeDocument/2006/relationships" xmlns:p="http://schemas.openxmlformats.org/presentationml/2006/main">
+  <p:cSld>
+    <p:spTree>
+      <p:nvGrpSpPr>
+        <p:cNvPr id="1" name=""/>
+        <p:cNvGrpSpPr/>
+        <p:nvPr/>
+      </p:nvGrpSpPr>
+      <p:grpSpPr>
+        <a:xfrm>
+          <a:off x="0" y="0"/>
+          <a:ext cx="0" cy="0"/>
+          <a:chOff x="0" y="0"/>
+          <a:chExt cx="0" cy="0"/>
+        </a:xfrm>
+      </p:grpSpPr>
+      <p:sp>
+        <p:nvSpPr>
+          <p:cNvPr id="2" name="Title 1">
+            <a:extLst>
+              <a:ext uri="{FF2B5EF4-FFF2-40B4-BE49-F238E27FC236}">
+                <a16:creationId xmlns:a16="http://schemas.microsoft.com/office/drawing/2014/main" id="{3A57E864-B173-4806-ACB5-2D6326A4CBB3}"/>
+              </a:ext>
+            </a:extLst>
+          </p:cNvPr>
+          <p:cNvSpPr>
+            <a:spLocks noGrp="1"/>
+          </p:cNvSpPr>
+          <p:nvPr>
+            <p:ph type="title"/>
+          </p:nvPr>
+        </p:nvSpPr>
+        <p:spPr/>
+        <p:txBody>
+          <a:bodyPr/>
+          <a:lstStyle/>
+          <a:p>
+            <a:r>
+              <a:rPr lang="en-US" dirty="0"/>
+              <a:t>Time in Networks</a:t>
+            </a:r>
+          </a:p>
+        </p:txBody>
+      </p:sp>
+      <p:sp>
+        <p:nvSpPr>
+          <p:cNvPr id="3" name="Content Placeholder 2">
+            <a:extLst>
+              <a:ext uri="{FF2B5EF4-FFF2-40B4-BE49-F238E27FC236}">
+                <a16:creationId xmlns:a16="http://schemas.microsoft.com/office/drawing/2014/main" id="{091D05FD-8ED4-4A07-9E04-AC3BEAD11435}"/>
+              </a:ext>
+            </a:extLst>
+          </p:cNvPr>
+          <p:cNvSpPr>
+            <a:spLocks noGrp="1"/>
+          </p:cNvSpPr>
+          <p:nvPr>
+            <p:ph idx="1"/>
+          </p:nvPr>
+        </p:nvSpPr>
+        <p:spPr>
+          <a:xfrm>
+            <a:off x="478369" y="1213308"/>
+            <a:ext cx="7037128" cy="1655838"/>
+          </a:xfrm>
+        </p:spPr>
+        <p:txBody>
+          <a:bodyPr/>
+          <a:lstStyle/>
+          <a:p>
+            <a:r>
+              <a:rPr lang="en-US" dirty="0"/>
+              <a:t>Nodes and edges of certain networks change over time</a:t>
+            </a:r>
+          </a:p>
+          <a:p>
+            <a:pPr marL="342900" indent="-342900">
+              <a:buFont typeface="Arial" panose="020B0604020202020204" pitchFamily="34" charset="0"/>
+              <a:buChar char="•"/>
+            </a:pPr>
+            <a:r>
+              <a:rPr lang="en-US" dirty="0"/>
+              <a:t>Twitter </a:t>
+            </a:r>
+          </a:p>
+          <a:p>
+            <a:pPr marL="342900" indent="-342900">
+              <a:buFont typeface="Arial" panose="020B0604020202020204" pitchFamily="34" charset="0"/>
+              <a:buChar char="•"/>
+            </a:pPr>
+            <a:r>
+              <a:rPr lang="en-US" dirty="0"/>
+              <a:t>News Comments</a:t>
+            </a:r>
+          </a:p>
+          <a:p>
+            <a:pPr marL="342900" indent="-342900">
+              <a:buFont typeface="Arial" panose="020B0604020202020204" pitchFamily="34" charset="0"/>
+              <a:buChar char="•"/>
+            </a:pPr>
+            <a:r>
+              <a:rPr lang="en-US" dirty="0"/>
+              <a:t>Traffic</a:t>
+            </a:r>
+          </a:p>
+        </p:txBody>
+      </p:sp>
+      <p:sp>
+        <p:nvSpPr>
+          <p:cNvPr id="4" name="Slide Number Placeholder 3">
+            <a:extLst>
+              <a:ext uri="{FF2B5EF4-FFF2-40B4-BE49-F238E27FC236}">
+                <a16:creationId xmlns:a16="http://schemas.microsoft.com/office/drawing/2014/main" id="{5D4BB899-6023-4410-A9E5-CAC9AE323ADD}"/>
+              </a:ext>
+            </a:extLst>
+          </p:cNvPr>
+          <p:cNvSpPr>
+            <a:spLocks noGrp="1"/>
+          </p:cNvSpPr>
+          <p:nvPr>
+            <p:ph type="sldNum" sz="quarter" idx="12"/>
+          </p:nvPr>
+        </p:nvSpPr>
+        <p:spPr/>
+        <p:txBody>
+          <a:bodyPr/>
+          <a:lstStyle/>
+          <a:p>
+            <a:fld id="{81561042-0DC2-4A04-AA50-F6D44EB20EBA}" type="slidenum">
+              <a:rPr lang="en-US" smtClean="0"/>
+              <a:t>2</a:t>
+            </a:fld>
+            <a:endParaRPr lang="en-US"/>
+          </a:p>
+        </p:txBody>
+      </p:sp>
+      <p:sp>
+        <p:nvSpPr>
+          <p:cNvPr id="5" name="Rectangle 4">
+            <a:extLst>
+              <a:ext uri="{FF2B5EF4-FFF2-40B4-BE49-F238E27FC236}">
+                <a16:creationId xmlns:a16="http://schemas.microsoft.com/office/drawing/2014/main" id="{E31E0BBA-1EE2-44B1-ADF6-D2DB74972B6C}"/>
+              </a:ext>
+            </a:extLst>
+          </p:cNvPr>
+          <p:cNvSpPr/>
+          <p:nvPr/>
+        </p:nvSpPr>
+        <p:spPr bwMode="gray">
+          <a:xfrm>
+            <a:off x="7515497" y="2290119"/>
+            <a:ext cx="3152503" cy="2702011"/>
+          </a:xfrm>
+          <a:prstGeom prst="rect">
+            <a:avLst/>
+          </a:prstGeom>
+          <a:ln>
+            <a:noFill/>
+          </a:ln>
+        </p:spPr>
+        <p:style>
+          <a:lnRef idx="2">
+            <a:schemeClr val="accent1">
+              <a:shade val="50000"/>
+            </a:schemeClr>
+          </a:lnRef>
+          <a:fillRef idx="1">
+            <a:schemeClr val="accent1"/>
+          </a:fillRef>
+          <a:effectRef idx="0">
+            <a:schemeClr val="accent1"/>
+          </a:effectRef>
+          <a:fontRef idx="minor">
+            <a:schemeClr val="lt1"/>
+          </a:fontRef>
+        </p:style>
+        <p:txBody>
+          <a:bodyPr rot="0" spcFirstLastPara="0" vertOverflow="overflow" horzOverflow="overflow" vert="horz" wrap="square" lIns="108000" tIns="72000" rIns="108000" bIns="72000" numCol="1" spcCol="0" rtlCol="0" fromWordArt="0" anchor="ctr" anchorCtr="0" forceAA="0" compatLnSpc="1">
+            <a:prstTxWarp prst="textNoShape">
+              <a:avLst/>
+            </a:prstTxWarp>
+            <a:noAutofit/>
+          </a:bodyPr>
+          <a:lstStyle/>
+          <a:p>
+            <a:pPr algn="ctr">
+              <a:spcBef>
+                <a:spcPts val="300"/>
+              </a:spcBef>
+              <a:spcAft>
+                <a:spcPts val="300"/>
+              </a:spcAft>
+            </a:pPr>
+            <a:r>
+              <a:rPr lang="en-US" sz="1200" b="1" dirty="0">
+                <a:solidFill>
+                  <a:schemeClr val="bg1"/>
+                </a:solidFill>
+              </a:rPr>
+              <a:t>Graphical Examples</a:t>
+            </a:r>
+          </a:p>
+        </p:txBody>
+      </p:sp>
+    </p:spTree>
+    <p:extLst>
+      <p:ext uri="{BB962C8B-B14F-4D97-AF65-F5344CB8AC3E}">
+        <p14:creationId xmlns:p14="http://schemas.microsoft.com/office/powerpoint/2010/main" val="2336785586"/>
+      </p:ext>
+    </p:extLst>
+  </p:cSld>
+  <p:clrMapOvr>
+    <a:masterClrMapping/>
+  </p:clrMapOvr>
+</p:sld>
+</file>
+
+<file path=ppt/slides/slide3.xml><?xml version="1.0" encoding="utf-8"?>
+<p:sld xmlns:a="http://schemas.openxmlformats.org/drawingml/2006/main" xmlns:r="http://schemas.openxmlformats.org/officeDocument/2006/relationships" xmlns:p="http://schemas.openxmlformats.org/presentationml/2006/main">
+  <p:cSld>
+    <p:spTree>
+      <p:nvGrpSpPr>
+        <p:cNvPr id="1" name=""/>
+        <p:cNvGrpSpPr/>
+        <p:nvPr/>
+      </p:nvGrpSpPr>
+      <p:grpSpPr>
+        <a:xfrm>
+          <a:off x="0" y="0"/>
+          <a:ext cx="0" cy="0"/>
+          <a:chOff x="0" y="0"/>
+          <a:chExt cx="0" cy="0"/>
+        </a:xfrm>
+      </p:grpSpPr>
+      <p:sp>
+        <p:nvSpPr>
+          <p:cNvPr id="9" name="Rectangle 8">
+            <a:extLst>
+              <a:ext uri="{FF2B5EF4-FFF2-40B4-BE49-F238E27FC236}">
+                <a16:creationId xmlns:a16="http://schemas.microsoft.com/office/drawing/2014/main" id="{9B6E955B-A4CD-456E-8D9C-AABAFDACD721}"/>
+              </a:ext>
+            </a:extLst>
+          </p:cNvPr>
+          <p:cNvSpPr/>
+          <p:nvPr/>
+        </p:nvSpPr>
+        <p:spPr bwMode="gray">
+          <a:xfrm>
+            <a:off x="17287" y="2646848"/>
+            <a:ext cx="12192000" cy="2766494"/>
+          </a:xfrm>
+          <a:prstGeom prst="rect">
+            <a:avLst/>
+          </a:prstGeom>
+          <a:solidFill>
+            <a:srgbClr val="B1063A">
+              <a:alpha val="5098"/>
+            </a:srgbClr>
+          </a:solidFill>
+          <a:ln>
+            <a:noFill/>
+          </a:ln>
+        </p:spPr>
+        <p:style>
+          <a:lnRef idx="2">
+            <a:schemeClr val="accent1">
+              <a:shade val="50000"/>
+            </a:schemeClr>
+          </a:lnRef>
+          <a:fillRef idx="1">
+            <a:schemeClr val="accent1"/>
+          </a:fillRef>
+          <a:effectRef idx="0">
+            <a:schemeClr val="accent1"/>
+          </a:effectRef>
+          <a:fontRef idx="minor">
+            <a:schemeClr val="lt1"/>
+          </a:fontRef>
+        </p:style>
+        <p:txBody>
+          <a:bodyPr rot="0" spcFirstLastPara="0" vertOverflow="overflow" horzOverflow="overflow" vert="horz" wrap="square" lIns="108000" tIns="72000" rIns="108000" bIns="72000" numCol="1" spcCol="0" rtlCol="0" fromWordArt="0" anchor="ctr" anchorCtr="0" forceAA="0" compatLnSpc="1">
+            <a:prstTxWarp prst="textNoShape">
+              <a:avLst/>
+            </a:prstTxWarp>
+            <a:noAutofit/>
+          </a:bodyPr>
+          <a:lstStyle/>
+          <a:p>
+            <a:pPr algn="ctr">
+              <a:spcBef>
+                <a:spcPts val="300"/>
+              </a:spcBef>
+              <a:spcAft>
+                <a:spcPts val="300"/>
+              </a:spcAft>
+            </a:pPr>
+            <a:endParaRPr lang="en-US" sz="1200" b="1" dirty="0" err="1">
+              <a:solidFill>
+                <a:schemeClr val="bg1"/>
+              </a:solidFill>
+            </a:endParaRPr>
+          </a:p>
+        </p:txBody>
+      </p:sp>
+      <p:sp>
+        <p:nvSpPr>
+          <p:cNvPr id="2" name="Title 1">
+            <a:extLst>
+              <a:ext uri="{FF2B5EF4-FFF2-40B4-BE49-F238E27FC236}">
+                <a16:creationId xmlns:a16="http://schemas.microsoft.com/office/drawing/2014/main" id="{D4FB387A-9B0D-46E0-8B44-4DB9E61D2743}"/>
+              </a:ext>
+            </a:extLst>
+          </p:cNvPr>
+          <p:cNvSpPr>
+            <a:spLocks noGrp="1"/>
+          </p:cNvSpPr>
+          <p:nvPr>
+            <p:ph type="title"/>
+          </p:nvPr>
+        </p:nvSpPr>
+        <p:spPr>
+          <a:xfrm>
+            <a:off x="478369" y="144001"/>
+            <a:ext cx="9169401" cy="555840"/>
+          </a:xfrm>
+        </p:spPr>
+        <p:txBody>
+          <a:bodyPr/>
+          <a:lstStyle/>
+          <a:p>
+            <a:r>
+              <a:rPr lang="en-US" dirty="0"/>
+              <a:t>Quick recap – Where are we now?</a:t>
+            </a:r>
+          </a:p>
+        </p:txBody>
+      </p:sp>
+      <p:sp>
+        <p:nvSpPr>
+          <p:cNvPr id="4" name="Slide Number Placeholder 3">
+            <a:extLst>
+              <a:ext uri="{FF2B5EF4-FFF2-40B4-BE49-F238E27FC236}">
+                <a16:creationId xmlns:a16="http://schemas.microsoft.com/office/drawing/2014/main" id="{25FE8E0B-DE42-418B-8913-D8A19537F305}"/>
+              </a:ext>
+            </a:extLst>
+          </p:cNvPr>
+          <p:cNvSpPr>
+            <a:spLocks noGrp="1"/>
+          </p:cNvSpPr>
+          <p:nvPr>
+            <p:ph type="sldNum" sz="quarter" idx="12"/>
+          </p:nvPr>
+        </p:nvSpPr>
+        <p:spPr/>
+        <p:txBody>
+          <a:bodyPr/>
+          <a:lstStyle/>
+          <a:p>
+            <a:fld id="{81561042-0DC2-4A04-AA50-F6D44EB20EBA}" type="slidenum">
+              <a:rPr lang="en-US" smtClean="0"/>
+              <a:t>3</a:t>
+            </a:fld>
+            <a:endParaRPr lang="en-US"/>
+          </a:p>
+        </p:txBody>
+      </p:sp>
+      <p:sp>
+        <p:nvSpPr>
+          <p:cNvPr id="19" name="TextBox 18">
+            <a:extLst>
+              <a:ext uri="{FF2B5EF4-FFF2-40B4-BE49-F238E27FC236}">
+                <a16:creationId xmlns:a16="http://schemas.microsoft.com/office/drawing/2014/main" id="{B532401A-49B6-4950-A4BC-A253D9A84CD8}"/>
+              </a:ext>
+            </a:extLst>
+          </p:cNvPr>
+          <p:cNvSpPr txBox="1"/>
+          <p:nvPr/>
+        </p:nvSpPr>
+        <p:spPr bwMode="gray">
+          <a:xfrm>
+            <a:off x="306841" y="870148"/>
+            <a:ext cx="5564274" cy="6684266"/>
+          </a:xfrm>
+          <a:prstGeom prst="rect">
+            <a:avLst/>
+          </a:prstGeom>
+          <a:noFill/>
+        </p:spPr>
+        <p:txBody>
+          <a:bodyPr wrap="square">
+            <a:spAutoFit/>
+          </a:bodyPr>
+          <a:lstStyle/>
+          <a:p>
+            <a:pPr marL="342900" indent="-342900">
+              <a:lnSpc>
+                <a:spcPct val="150000"/>
+              </a:lnSpc>
+              <a:buFont typeface="+mj-lt"/>
+              <a:buAutoNum type="arabicPeriod"/>
+            </a:pPr>
+            <a:r>
+              <a:rPr lang="en-US" i="0" dirty="0">
+                <a:solidFill>
+                  <a:srgbClr val="222222"/>
+                </a:solidFill>
+                <a:effectLst/>
+                <a:latin typeface="+mj-lt"/>
+              </a:rPr>
+              <a:t>Graph Metr</a:t>
+            </a:r>
+            <a:r>
+              <a:rPr lang="en-US" dirty="0">
+                <a:solidFill>
+                  <a:srgbClr val="222222"/>
+                </a:solidFill>
+                <a:latin typeface="+mj-lt"/>
+              </a:rPr>
+              <a:t>ics and Random Models</a:t>
+            </a:r>
+          </a:p>
+          <a:p>
+            <a:pPr marL="342900" indent="-342900">
+              <a:lnSpc>
+                <a:spcPct val="150000"/>
+              </a:lnSpc>
+              <a:buFont typeface="+mj-lt"/>
+              <a:buAutoNum type="arabicPeriod"/>
+            </a:pPr>
+            <a:r>
+              <a:rPr lang="en-US" dirty="0">
+                <a:solidFill>
+                  <a:srgbClr val="222222"/>
+                </a:solidFill>
+                <a:latin typeface="+mj-lt"/>
+              </a:rPr>
+              <a:t>Graph Classification - Clustering</a:t>
+            </a:r>
+          </a:p>
+          <a:p>
+            <a:pPr marL="342900" indent="-342900">
+              <a:lnSpc>
+                <a:spcPct val="150000"/>
+              </a:lnSpc>
+              <a:buFont typeface="+mj-lt"/>
+              <a:buAutoNum type="arabicPeriod"/>
+            </a:pPr>
+            <a:r>
+              <a:rPr lang="en-US" dirty="0">
+                <a:solidFill>
+                  <a:srgbClr val="222222"/>
+                </a:solidFill>
+                <a:latin typeface="+mj-lt"/>
+              </a:rPr>
+              <a:t>Graph Sampling - </a:t>
+            </a:r>
+            <a:r>
+              <a:rPr lang="en-US" i="0" dirty="0">
+                <a:solidFill>
+                  <a:srgbClr val="222222"/>
+                </a:solidFill>
+                <a:effectLst/>
+                <a:latin typeface="+mj-lt"/>
+              </a:rPr>
+              <a:t>Random Walks</a:t>
+            </a:r>
+          </a:p>
+          <a:p>
+            <a:pPr marL="342900" indent="-342900">
+              <a:lnSpc>
+                <a:spcPct val="150000"/>
+              </a:lnSpc>
+              <a:buFont typeface="+mj-lt"/>
+              <a:buAutoNum type="arabicPeriod"/>
+            </a:pPr>
+            <a:r>
+              <a:rPr lang="en-US" dirty="0">
+                <a:solidFill>
+                  <a:srgbClr val="222222"/>
+                </a:solidFill>
+                <a:latin typeface="+mj-lt"/>
+              </a:rPr>
+              <a:t>Graph Embeddings - Message Passing</a:t>
+            </a:r>
+          </a:p>
+          <a:p>
+            <a:pPr marL="342900" indent="-342900">
+              <a:lnSpc>
+                <a:spcPct val="150000"/>
+              </a:lnSpc>
+              <a:buFont typeface="+mj-lt"/>
+              <a:buAutoNum type="arabicPeriod"/>
+            </a:pPr>
+            <a:r>
+              <a:rPr lang="en-US" dirty="0">
+                <a:solidFill>
+                  <a:srgbClr val="222222"/>
+                </a:solidFill>
+                <a:latin typeface="+mj-lt"/>
+              </a:rPr>
+              <a:t>PageRank</a:t>
+            </a:r>
+          </a:p>
+          <a:p>
+            <a:pPr marL="342900" indent="-342900">
+              <a:lnSpc>
+                <a:spcPct val="150000"/>
+              </a:lnSpc>
+              <a:buFont typeface="+mj-lt"/>
+              <a:buAutoNum type="arabicPeriod"/>
+            </a:pPr>
+            <a:r>
+              <a:rPr lang="en-US" dirty="0">
+                <a:solidFill>
+                  <a:srgbClr val="222222"/>
+                </a:solidFill>
+                <a:latin typeface="+mj-lt"/>
+              </a:rPr>
+              <a:t>Graph Structure Learning</a:t>
+            </a:r>
+          </a:p>
+          <a:p>
+            <a:pPr marL="342900" indent="-342900">
+              <a:lnSpc>
+                <a:spcPct val="150000"/>
+              </a:lnSpc>
+              <a:buFont typeface="+mj-lt"/>
+              <a:buAutoNum type="arabicPeriod"/>
+            </a:pPr>
+            <a:r>
+              <a:rPr lang="en-US" dirty="0">
+                <a:solidFill>
+                  <a:srgbClr val="222222"/>
+                </a:solidFill>
+                <a:latin typeface="+mj-lt"/>
+              </a:rPr>
+              <a:t>Graph Convolutional Networks</a:t>
+            </a:r>
+          </a:p>
+          <a:p>
+            <a:pPr marL="342900" indent="-342900">
+              <a:lnSpc>
+                <a:spcPct val="150000"/>
+              </a:lnSpc>
+              <a:buFont typeface="+mj-lt"/>
+              <a:buAutoNum type="arabicPeriod"/>
+            </a:pPr>
+            <a:r>
+              <a:rPr lang="en-US" dirty="0">
+                <a:solidFill>
+                  <a:srgbClr val="222222"/>
+                </a:solidFill>
+                <a:latin typeface="+mj-lt"/>
+              </a:rPr>
+              <a:t>Graph Attention Networks</a:t>
+            </a:r>
+          </a:p>
+          <a:p>
+            <a:pPr marL="342900" indent="-342900">
+              <a:lnSpc>
+                <a:spcPct val="150000"/>
+              </a:lnSpc>
+              <a:buFont typeface="+mj-lt"/>
+              <a:buAutoNum type="arabicPeriod"/>
+            </a:pPr>
+            <a:r>
+              <a:rPr lang="en-US" b="1" dirty="0">
+                <a:solidFill>
+                  <a:srgbClr val="222222"/>
+                </a:solidFill>
+                <a:latin typeface="+mj-lt"/>
+              </a:rPr>
+              <a:t>Graph Evolution Networks</a:t>
+            </a:r>
+          </a:p>
+          <a:p>
+            <a:pPr marL="342900" indent="-342900">
+              <a:lnSpc>
+                <a:spcPct val="150000"/>
+              </a:lnSpc>
+              <a:buFont typeface="+mj-lt"/>
+              <a:buAutoNum type="arabicPeriod"/>
+            </a:pPr>
+            <a:r>
+              <a:rPr lang="en-US" dirty="0">
+                <a:solidFill>
+                  <a:srgbClr val="222222"/>
+                </a:solidFill>
+                <a:latin typeface="+mj-lt"/>
+              </a:rPr>
+              <a:t> Temporal Graph Networks </a:t>
+            </a:r>
+          </a:p>
+          <a:p>
+            <a:pPr marL="342900" indent="-342900">
+              <a:lnSpc>
+                <a:spcPct val="150000"/>
+              </a:lnSpc>
+              <a:buFont typeface="+mj-lt"/>
+              <a:buAutoNum type="arabicPeriod"/>
+            </a:pPr>
+            <a:r>
+              <a:rPr lang="en-US" dirty="0">
+                <a:solidFill>
+                  <a:srgbClr val="222222"/>
+                </a:solidFill>
+                <a:latin typeface="+mj-lt"/>
+              </a:rPr>
+              <a:t>Graph Generative Models</a:t>
+            </a:r>
+          </a:p>
+          <a:p>
+            <a:pPr marL="342900" indent="-342900">
+              <a:lnSpc>
+                <a:spcPct val="150000"/>
+              </a:lnSpc>
+              <a:buFont typeface="+mj-lt"/>
+              <a:buAutoNum type="arabicPeriod"/>
+            </a:pPr>
+            <a:r>
+              <a:rPr lang="en-US" dirty="0"/>
+              <a:t>Network Effects, Cascading and Contagion</a:t>
+            </a:r>
+          </a:p>
+          <a:p>
+            <a:pPr marL="342900" indent="-342900">
+              <a:lnSpc>
+                <a:spcPct val="150000"/>
+              </a:lnSpc>
+              <a:buFont typeface="+mj-lt"/>
+              <a:buAutoNum type="arabicPeriod"/>
+            </a:pPr>
+            <a:r>
+              <a:rPr lang="en-US" dirty="0"/>
+              <a:t>Outbreak Detection in Networks</a:t>
+            </a:r>
+          </a:p>
+          <a:p>
+            <a:pPr marL="342900" indent="-342900">
+              <a:lnSpc>
+                <a:spcPct val="150000"/>
+              </a:lnSpc>
+              <a:buFont typeface="+mj-lt"/>
+              <a:buAutoNum type="arabicPeriod"/>
+            </a:pPr>
+            <a:r>
+              <a:rPr lang="en-US" dirty="0"/>
+              <a:t>Influence Maximization in Networks</a:t>
+            </a:r>
+          </a:p>
+          <a:p>
+            <a:pPr marL="342900" indent="-342900">
+              <a:lnSpc>
+                <a:spcPct val="150000"/>
+              </a:lnSpc>
+              <a:buFont typeface="+mj-lt"/>
+              <a:buAutoNum type="arabicPeriod"/>
+            </a:pPr>
+            <a:endParaRPr lang="en-US" dirty="0">
+              <a:solidFill>
+                <a:srgbClr val="222222"/>
+              </a:solidFill>
+              <a:latin typeface="+mj-lt"/>
+            </a:endParaRPr>
+          </a:p>
+          <a:p>
+            <a:pPr>
+              <a:lnSpc>
+                <a:spcPct val="150000"/>
+              </a:lnSpc>
+            </a:pPr>
+            <a:endParaRPr lang="en-US" dirty="0">
+              <a:solidFill>
+                <a:srgbClr val="222222"/>
+              </a:solidFill>
+              <a:latin typeface="+mj-lt"/>
+            </a:endParaRPr>
+          </a:p>
+        </p:txBody>
+      </p:sp>
+      <p:sp>
+        <p:nvSpPr>
+          <p:cNvPr id="3" name="Right Brace 2">
+            <a:extLst>
+              <a:ext uri="{FF2B5EF4-FFF2-40B4-BE49-F238E27FC236}">
+                <a16:creationId xmlns:a16="http://schemas.microsoft.com/office/drawing/2014/main" id="{84AFEFE2-C6EC-4D70-B6A9-EA6049991254}"/>
+              </a:ext>
+            </a:extLst>
+          </p:cNvPr>
+          <p:cNvSpPr/>
+          <p:nvPr/>
+        </p:nvSpPr>
+        <p:spPr bwMode="gray">
+          <a:xfrm>
+            <a:off x="5355771" y="1114697"/>
+            <a:ext cx="391886" cy="1497874"/>
+          </a:xfrm>
+          <a:prstGeom prst="rightBrace">
+            <a:avLst/>
+          </a:prstGeom>
+          <a:ln>
+            <a:solidFill>
+              <a:schemeClr val="accent6">
+                <a:lumMod val="25000"/>
+              </a:schemeClr>
+            </a:solidFill>
+          </a:ln>
+        </p:spPr>
+        <p:style>
+          <a:lnRef idx="1">
+            <a:schemeClr val="accent1"/>
+          </a:lnRef>
+          <a:fillRef idx="0">
+            <a:schemeClr val="accent1"/>
+          </a:fillRef>
+          <a:effectRef idx="0">
+            <a:schemeClr val="accent1"/>
+          </a:effectRef>
+          <a:fontRef idx="minor">
+            <a:schemeClr val="tx1"/>
+          </a:fontRef>
+        </p:style>
+        <p:txBody>
+          <a:bodyPr rtlCol="0" anchor="ctr"/>
+          <a:lstStyle/>
+          <a:p>
+            <a:pPr algn="ctr"/>
+            <a:endParaRPr lang="en-US"/>
+          </a:p>
+        </p:txBody>
+      </p:sp>
+      <p:sp>
+        <p:nvSpPr>
+          <p:cNvPr id="8" name="Right Brace 7">
+            <a:extLst>
+              <a:ext uri="{FF2B5EF4-FFF2-40B4-BE49-F238E27FC236}">
+                <a16:creationId xmlns:a16="http://schemas.microsoft.com/office/drawing/2014/main" id="{92A4B4BE-8E12-4FB8-A865-9329AB6639E8}"/>
+              </a:ext>
+            </a:extLst>
+          </p:cNvPr>
+          <p:cNvSpPr/>
+          <p:nvPr/>
+        </p:nvSpPr>
+        <p:spPr bwMode="gray">
+          <a:xfrm>
+            <a:off x="4511040" y="2794836"/>
+            <a:ext cx="383177" cy="2212593"/>
+          </a:xfrm>
+          <a:prstGeom prst="rightBrace">
+            <a:avLst/>
+          </a:prstGeom>
+          <a:ln>
+            <a:solidFill>
+              <a:schemeClr val="accent6">
+                <a:lumMod val="25000"/>
+              </a:schemeClr>
+            </a:solidFill>
+          </a:ln>
+        </p:spPr>
+        <p:style>
+          <a:lnRef idx="1">
+            <a:schemeClr val="accent1"/>
+          </a:lnRef>
+          <a:fillRef idx="0">
+            <a:schemeClr val="accent1"/>
+          </a:fillRef>
+          <a:effectRef idx="0">
+            <a:schemeClr val="accent1"/>
+          </a:effectRef>
+          <a:fontRef idx="minor">
+            <a:schemeClr val="tx1"/>
+          </a:fontRef>
+        </p:style>
+        <p:txBody>
+          <a:bodyPr rtlCol="0" anchor="ctr"/>
+          <a:lstStyle/>
+          <a:p>
+            <a:pPr algn="ctr"/>
+            <a:endParaRPr lang="en-US"/>
+          </a:p>
+        </p:txBody>
+      </p:sp>
+      <p:sp>
+        <p:nvSpPr>
+          <p:cNvPr id="5" name="TextBox 4">
+            <a:extLst>
+              <a:ext uri="{FF2B5EF4-FFF2-40B4-BE49-F238E27FC236}">
+                <a16:creationId xmlns:a16="http://schemas.microsoft.com/office/drawing/2014/main" id="{2D3D2C95-6798-4E3A-A190-0D6228A1A053}"/>
+              </a:ext>
+            </a:extLst>
+          </p:cNvPr>
+          <p:cNvSpPr txBox="1"/>
+          <p:nvPr/>
+        </p:nvSpPr>
+        <p:spPr bwMode="gray">
+          <a:xfrm>
+            <a:off x="5974080" y="1695330"/>
+            <a:ext cx="3213463" cy="361848"/>
+          </a:xfrm>
+          <a:prstGeom prst="rect">
+            <a:avLst/>
+          </a:prstGeom>
+          <a:noFill/>
+        </p:spPr>
+        <p:txBody>
+          <a:bodyPr wrap="square" lIns="0" tIns="0" rIns="0" bIns="0" rtlCol="0">
+            <a:noAutofit/>
+          </a:bodyPr>
+          <a:lstStyle/>
+          <a:p>
+            <a:pPr>
+              <a:spcBef>
+                <a:spcPts val="300"/>
+              </a:spcBef>
+              <a:spcAft>
+                <a:spcPts val="300"/>
+              </a:spcAft>
+              <a:buClr>
+                <a:schemeClr val="accent1"/>
+              </a:buClr>
+              <a:buSzPct val="90000"/>
+            </a:pPr>
+            <a:r>
+              <a:rPr lang="en-US" dirty="0"/>
+              <a:t>Description models</a:t>
+            </a:r>
+          </a:p>
+        </p:txBody>
+      </p:sp>
+      <p:sp>
+        <p:nvSpPr>
+          <p:cNvPr id="10" name="TextBox 9">
+            <a:extLst>
+              <a:ext uri="{FF2B5EF4-FFF2-40B4-BE49-F238E27FC236}">
+                <a16:creationId xmlns:a16="http://schemas.microsoft.com/office/drawing/2014/main" id="{0EA1C55D-B08A-427E-83A5-373028255984}"/>
+              </a:ext>
+            </a:extLst>
+          </p:cNvPr>
+          <p:cNvSpPr txBox="1"/>
+          <p:nvPr/>
+        </p:nvSpPr>
+        <p:spPr bwMode="gray">
+          <a:xfrm>
+            <a:off x="5131663" y="3766074"/>
+            <a:ext cx="2272937" cy="322801"/>
+          </a:xfrm>
+          <a:prstGeom prst="rect">
+            <a:avLst/>
+          </a:prstGeom>
+          <a:noFill/>
+        </p:spPr>
+        <p:txBody>
+          <a:bodyPr wrap="square" lIns="0" tIns="0" rIns="0" bIns="0" rtlCol="0">
+            <a:noAutofit/>
+          </a:bodyPr>
+          <a:lstStyle/>
+          <a:p>
+            <a:pPr>
+              <a:spcBef>
+                <a:spcPts val="300"/>
+              </a:spcBef>
+              <a:spcAft>
+                <a:spcPts val="300"/>
+              </a:spcAft>
+              <a:buClr>
+                <a:schemeClr val="accent1"/>
+              </a:buClr>
+              <a:buSzPct val="90000"/>
+            </a:pPr>
+            <a:r>
+              <a:rPr lang="en-US" dirty="0"/>
+              <a:t>Prediction models</a:t>
+            </a:r>
+          </a:p>
+        </p:txBody>
+      </p:sp>
+      <p:sp>
+        <p:nvSpPr>
+          <p:cNvPr id="12" name="TextBox 11">
+            <a:extLst>
+              <a:ext uri="{FF2B5EF4-FFF2-40B4-BE49-F238E27FC236}">
+                <a16:creationId xmlns:a16="http://schemas.microsoft.com/office/drawing/2014/main" id="{54D9302E-E209-43A5-9FA6-79140C433C07}"/>
+              </a:ext>
+            </a:extLst>
+          </p:cNvPr>
+          <p:cNvSpPr txBox="1"/>
+          <p:nvPr/>
+        </p:nvSpPr>
+        <p:spPr bwMode="gray">
+          <a:xfrm>
+            <a:off x="8694470" y="1358752"/>
+            <a:ext cx="3144050" cy="1426842"/>
+          </a:xfrm>
+          <a:prstGeom prst="rect">
+            <a:avLst/>
+          </a:prstGeom>
+          <a:noFill/>
+        </p:spPr>
+        <p:txBody>
+          <a:bodyPr wrap="square" lIns="0" tIns="0" rIns="0" bIns="0" rtlCol="0">
+            <a:noAutofit/>
+          </a:bodyPr>
+          <a:lstStyle/>
+          <a:p>
+            <a:pPr>
+              <a:spcBef>
+                <a:spcPts val="300"/>
+              </a:spcBef>
+              <a:spcAft>
+                <a:spcPts val="300"/>
+              </a:spcAft>
+              <a:buClr>
+                <a:schemeClr val="accent1"/>
+              </a:buClr>
+              <a:buSzPct val="90000"/>
+            </a:pPr>
+            <a:r>
+              <a:rPr lang="en-US" dirty="0"/>
+              <a:t>Understand a phenomenon</a:t>
+            </a:r>
+          </a:p>
+          <a:p>
+            <a:pPr>
+              <a:spcBef>
+                <a:spcPts val="300"/>
+              </a:spcBef>
+              <a:spcAft>
+                <a:spcPts val="300"/>
+              </a:spcAft>
+              <a:buClr>
+                <a:schemeClr val="accent1"/>
+              </a:buClr>
+              <a:buSzPct val="90000"/>
+            </a:pPr>
+            <a:r>
+              <a:rPr lang="en-US" dirty="0"/>
+              <a:t>Extract features</a:t>
+            </a:r>
+          </a:p>
+          <a:p>
+            <a:pPr>
+              <a:spcBef>
+                <a:spcPts val="300"/>
+              </a:spcBef>
+              <a:spcAft>
+                <a:spcPts val="300"/>
+              </a:spcAft>
+              <a:buClr>
+                <a:schemeClr val="accent1"/>
+              </a:buClr>
+              <a:buSzPct val="90000"/>
+            </a:pPr>
+            <a:r>
+              <a:rPr lang="en-US" dirty="0"/>
+              <a:t>Stablish baselines</a:t>
+            </a:r>
+          </a:p>
+          <a:p>
+            <a:pPr>
+              <a:spcBef>
+                <a:spcPts val="300"/>
+              </a:spcBef>
+              <a:spcAft>
+                <a:spcPts val="300"/>
+              </a:spcAft>
+              <a:buClr>
+                <a:schemeClr val="accent1"/>
+              </a:buClr>
+              <a:buSzPct val="90000"/>
+            </a:pPr>
+            <a:r>
+              <a:rPr lang="en-US" dirty="0"/>
+              <a:t>Preprocessing data</a:t>
+            </a:r>
+          </a:p>
+        </p:txBody>
+      </p:sp>
+      <p:sp>
+        <p:nvSpPr>
+          <p:cNvPr id="15" name="TextBox 14">
+            <a:extLst>
+              <a:ext uri="{FF2B5EF4-FFF2-40B4-BE49-F238E27FC236}">
+                <a16:creationId xmlns:a16="http://schemas.microsoft.com/office/drawing/2014/main" id="{8CF06FA7-B0AC-4082-9584-8B9A849C7A2B}"/>
+              </a:ext>
+            </a:extLst>
+          </p:cNvPr>
+          <p:cNvSpPr txBox="1"/>
+          <p:nvPr/>
+        </p:nvSpPr>
+        <p:spPr bwMode="gray">
+          <a:xfrm>
+            <a:off x="8546186" y="973043"/>
+            <a:ext cx="2727960" cy="369332"/>
+          </a:xfrm>
+          <a:prstGeom prst="rect">
+            <a:avLst/>
+          </a:prstGeom>
+          <a:noFill/>
+        </p:spPr>
+        <p:txBody>
+          <a:bodyPr wrap="square">
+            <a:spAutoFit/>
+          </a:bodyPr>
+          <a:lstStyle/>
+          <a:p>
+            <a:pPr>
+              <a:spcBef>
+                <a:spcPts val="300"/>
+              </a:spcBef>
+              <a:spcAft>
+                <a:spcPts val="300"/>
+              </a:spcAft>
+              <a:buClr>
+                <a:schemeClr val="accent1"/>
+              </a:buClr>
+              <a:buSzPct val="90000"/>
+            </a:pPr>
+            <a:r>
+              <a:rPr lang="en-US" b="1" dirty="0"/>
+              <a:t>Design concerns</a:t>
+            </a:r>
+          </a:p>
+        </p:txBody>
+      </p:sp>
+      <p:sp>
+        <p:nvSpPr>
+          <p:cNvPr id="16" name="TextBox 15">
+            <a:extLst>
+              <a:ext uri="{FF2B5EF4-FFF2-40B4-BE49-F238E27FC236}">
+                <a16:creationId xmlns:a16="http://schemas.microsoft.com/office/drawing/2014/main" id="{F1C5DA3B-6DB3-4A2D-A4BB-E8DC068A07AA}"/>
+              </a:ext>
+            </a:extLst>
+          </p:cNvPr>
+          <p:cNvSpPr txBox="1"/>
+          <p:nvPr/>
+        </p:nvSpPr>
+        <p:spPr bwMode="gray">
+          <a:xfrm>
+            <a:off x="8637958" y="3276912"/>
+            <a:ext cx="3395485" cy="1357337"/>
+          </a:xfrm>
+          <a:prstGeom prst="rect">
+            <a:avLst/>
+          </a:prstGeom>
+          <a:noFill/>
+        </p:spPr>
+        <p:txBody>
+          <a:bodyPr wrap="square" lIns="0" tIns="0" rIns="0" bIns="0" rtlCol="0">
+            <a:noAutofit/>
+          </a:bodyPr>
+          <a:lstStyle/>
+          <a:p>
+            <a:pPr>
+              <a:spcBef>
+                <a:spcPts val="300"/>
+              </a:spcBef>
+              <a:spcAft>
+                <a:spcPts val="300"/>
+              </a:spcAft>
+              <a:buClr>
+                <a:schemeClr val="accent1"/>
+              </a:buClr>
+              <a:buSzPct val="90000"/>
+            </a:pPr>
+            <a:r>
+              <a:rPr lang="en-US" dirty="0"/>
+              <a:t>Predict an outcome</a:t>
+            </a:r>
+          </a:p>
+          <a:p>
+            <a:pPr>
+              <a:spcBef>
+                <a:spcPts val="300"/>
+              </a:spcBef>
+              <a:spcAft>
+                <a:spcPts val="300"/>
+              </a:spcAft>
+              <a:buClr>
+                <a:schemeClr val="accent1"/>
+              </a:buClr>
+              <a:buSzPct val="90000"/>
+            </a:pPr>
+            <a:r>
+              <a:rPr lang="en-US" dirty="0"/>
+              <a:t>ML architecture and pipeline</a:t>
+            </a:r>
+          </a:p>
+          <a:p>
+            <a:pPr>
+              <a:spcBef>
+                <a:spcPts val="300"/>
+              </a:spcBef>
+              <a:spcAft>
+                <a:spcPts val="300"/>
+              </a:spcAft>
+              <a:buClr>
+                <a:schemeClr val="accent1"/>
+              </a:buClr>
+              <a:buSzPct val="90000"/>
+            </a:pPr>
+            <a:r>
+              <a:rPr lang="en-US" dirty="0"/>
+              <a:t>Training models</a:t>
+            </a:r>
+          </a:p>
+          <a:p>
+            <a:pPr>
+              <a:spcBef>
+                <a:spcPts val="300"/>
+              </a:spcBef>
+              <a:spcAft>
+                <a:spcPts val="300"/>
+              </a:spcAft>
+              <a:buClr>
+                <a:schemeClr val="accent1"/>
+              </a:buClr>
+              <a:buSzPct val="90000"/>
+            </a:pPr>
+            <a:r>
+              <a:rPr lang="en-US" dirty="0"/>
+              <a:t>Evaluation models</a:t>
+            </a:r>
+          </a:p>
+        </p:txBody>
+      </p:sp>
+      <p:sp>
+        <p:nvSpPr>
+          <p:cNvPr id="20" name="TextBox 19">
+            <a:extLst>
+              <a:ext uri="{FF2B5EF4-FFF2-40B4-BE49-F238E27FC236}">
+                <a16:creationId xmlns:a16="http://schemas.microsoft.com/office/drawing/2014/main" id="{C1AFA719-9994-4AC1-A848-FAC8760F553C}"/>
+              </a:ext>
+            </a:extLst>
+          </p:cNvPr>
+          <p:cNvSpPr txBox="1"/>
+          <p:nvPr/>
+        </p:nvSpPr>
+        <p:spPr bwMode="gray">
+          <a:xfrm>
+            <a:off x="8637958" y="5515398"/>
+            <a:ext cx="2818500" cy="1130143"/>
+          </a:xfrm>
+          <a:prstGeom prst="rect">
+            <a:avLst/>
+          </a:prstGeom>
+          <a:noFill/>
+        </p:spPr>
+        <p:txBody>
+          <a:bodyPr wrap="square" lIns="0" tIns="0" rIns="0" bIns="0" rtlCol="0">
+            <a:noAutofit/>
+          </a:bodyPr>
+          <a:lstStyle/>
+          <a:p>
+            <a:pPr>
+              <a:spcBef>
+                <a:spcPts val="300"/>
+              </a:spcBef>
+              <a:spcAft>
+                <a:spcPts val="300"/>
+              </a:spcAft>
+              <a:buClr>
+                <a:schemeClr val="accent1"/>
+              </a:buClr>
+              <a:buSzPct val="90000"/>
+            </a:pPr>
+            <a:r>
+              <a:rPr lang="en-US" dirty="0"/>
+              <a:t>Effects of interventions</a:t>
+            </a:r>
+          </a:p>
+          <a:p>
+            <a:pPr>
+              <a:spcBef>
+                <a:spcPts val="300"/>
+              </a:spcBef>
+              <a:spcAft>
+                <a:spcPts val="300"/>
+              </a:spcAft>
+              <a:buClr>
+                <a:schemeClr val="accent1"/>
+              </a:buClr>
+              <a:buSzPct val="90000"/>
+            </a:pPr>
+            <a:r>
+              <a:rPr lang="en-US" dirty="0"/>
+              <a:t>Risks of confounding</a:t>
+            </a:r>
+          </a:p>
+          <a:p>
+            <a:pPr>
+              <a:spcBef>
+                <a:spcPts val="300"/>
+              </a:spcBef>
+              <a:spcAft>
+                <a:spcPts val="300"/>
+              </a:spcAft>
+              <a:buClr>
+                <a:schemeClr val="accent1"/>
+              </a:buClr>
+              <a:buSzPct val="90000"/>
+            </a:pPr>
+            <a:r>
+              <a:rPr lang="en-US" dirty="0"/>
+              <a:t>Causal structure</a:t>
+            </a:r>
+          </a:p>
+        </p:txBody>
+      </p:sp>
+      <p:sp>
+        <p:nvSpPr>
+          <p:cNvPr id="22" name="Right Brace 21">
+            <a:extLst>
+              <a:ext uri="{FF2B5EF4-FFF2-40B4-BE49-F238E27FC236}">
+                <a16:creationId xmlns:a16="http://schemas.microsoft.com/office/drawing/2014/main" id="{8B3916D4-BD64-4630-9A40-FF2A370826CF}"/>
+              </a:ext>
+            </a:extLst>
+          </p:cNvPr>
+          <p:cNvSpPr/>
+          <p:nvPr/>
+        </p:nvSpPr>
+        <p:spPr bwMode="gray">
+          <a:xfrm>
+            <a:off x="5690321" y="5577784"/>
+            <a:ext cx="334828" cy="1158803"/>
+          </a:xfrm>
+          <a:prstGeom prst="rightBrace">
+            <a:avLst/>
+          </a:prstGeom>
+          <a:ln>
+            <a:solidFill>
+              <a:schemeClr val="accent6">
+                <a:lumMod val="25000"/>
+              </a:schemeClr>
+            </a:solidFill>
+          </a:ln>
+        </p:spPr>
+        <p:style>
+          <a:lnRef idx="1">
+            <a:schemeClr val="accent1"/>
+          </a:lnRef>
+          <a:fillRef idx="0">
+            <a:schemeClr val="accent1"/>
+          </a:fillRef>
+          <a:effectRef idx="0">
+            <a:schemeClr val="accent1"/>
+          </a:effectRef>
+          <a:fontRef idx="minor">
+            <a:schemeClr val="tx1"/>
+          </a:fontRef>
+        </p:style>
+        <p:txBody>
+          <a:bodyPr rtlCol="0" anchor="ctr"/>
+          <a:lstStyle/>
+          <a:p>
+            <a:pPr algn="ctr"/>
+            <a:endParaRPr lang="en-US"/>
+          </a:p>
+        </p:txBody>
+      </p:sp>
+      <p:sp>
+        <p:nvSpPr>
+          <p:cNvPr id="23" name="TextBox 22">
+            <a:extLst>
+              <a:ext uri="{FF2B5EF4-FFF2-40B4-BE49-F238E27FC236}">
+                <a16:creationId xmlns:a16="http://schemas.microsoft.com/office/drawing/2014/main" id="{7F4519DA-6535-4465-8725-A5FDE9C3DD3A}"/>
+              </a:ext>
+            </a:extLst>
+          </p:cNvPr>
+          <p:cNvSpPr txBox="1"/>
+          <p:nvPr/>
+        </p:nvSpPr>
+        <p:spPr bwMode="gray">
+          <a:xfrm>
+            <a:off x="6113287" y="5959067"/>
+            <a:ext cx="2412273" cy="322801"/>
+          </a:xfrm>
+          <a:prstGeom prst="rect">
+            <a:avLst/>
+          </a:prstGeom>
+          <a:noFill/>
+        </p:spPr>
+        <p:txBody>
+          <a:bodyPr wrap="square" lIns="0" tIns="0" rIns="0" bIns="0" rtlCol="0">
+            <a:noAutofit/>
+          </a:bodyPr>
+          <a:lstStyle/>
+          <a:p>
+            <a:pPr>
+              <a:spcBef>
+                <a:spcPts val="300"/>
+              </a:spcBef>
+              <a:spcAft>
+                <a:spcPts val="300"/>
+              </a:spcAft>
+              <a:buClr>
+                <a:schemeClr val="accent1"/>
+              </a:buClr>
+              <a:buSzPct val="90000"/>
+            </a:pPr>
+            <a:r>
+              <a:rPr lang="en-US" dirty="0"/>
+              <a:t>Intervention models</a:t>
+            </a:r>
+          </a:p>
+        </p:txBody>
+      </p:sp>
+    </p:spTree>
+    <p:extLst>
+      <p:ext uri="{BB962C8B-B14F-4D97-AF65-F5344CB8AC3E}">
+        <p14:creationId xmlns:p14="http://schemas.microsoft.com/office/powerpoint/2010/main" val="2624926842"/>
+      </p:ext>
+    </p:extLst>
+  </p:cSld>
+  <p:clrMapOvr>
+    <a:masterClrMapping/>
+  </p:clrMapOvr>
+</p:sld>
+</file>
+
+<file path=ppt/slides/slide4.xml><?xml version="1.0" encoding="utf-8"?>
+<p:sld xmlns:a="http://schemas.openxmlformats.org/drawingml/2006/main" xmlns:r="http://schemas.openxmlformats.org/officeDocument/2006/relationships" xmlns:p="http://schemas.openxmlformats.org/presentationml/2006/main">
+  <p:cSld>
+    <p:spTree>
+      <p:nvGrpSpPr>
+        <p:cNvPr id="1" name=""/>
+        <p:cNvGrpSpPr/>
+        <p:nvPr/>
+      </p:nvGrpSpPr>
+      <p:grpSpPr>
+        <a:xfrm>
+          <a:off x="0" y="0"/>
+          <a:ext cx="0" cy="0"/>
+          <a:chOff x="0" y="0"/>
+          <a:chExt cx="0" cy="0"/>
+        </a:xfrm>
+      </p:grpSpPr>
+      <p:sp>
+        <p:nvSpPr>
+          <p:cNvPr id="2" name="Title 1">
+            <a:extLst>
+              <a:ext uri="{FF2B5EF4-FFF2-40B4-BE49-F238E27FC236}">
+                <a16:creationId xmlns:a16="http://schemas.microsoft.com/office/drawing/2014/main" id="{26BC1636-E7CF-4EC2-832F-7B74042E45CD}"/>
+              </a:ext>
+            </a:extLst>
+          </p:cNvPr>
+          <p:cNvSpPr>
+            <a:spLocks noGrp="1"/>
+          </p:cNvSpPr>
+          <p:nvPr>
+            <p:ph type="title"/>
+          </p:nvPr>
+        </p:nvSpPr>
+        <p:spPr>
+          <a:xfrm>
+            <a:off x="478369" y="144001"/>
+            <a:ext cx="9169401" cy="966272"/>
+          </a:xfrm>
+        </p:spPr>
+        <p:txBody>
+          <a:bodyPr/>
+          <a:lstStyle/>
+          <a:p>
+            <a:r>
+              <a:rPr lang="en-US" b="1" dirty="0"/>
+              <a:t>Why do we need Temporal Graph Networks?</a:t>
+            </a:r>
+            <a:br>
+              <a:rPr lang="en-US" b="1" dirty="0"/>
+            </a:br>
+            <a:endParaRPr lang="en-US" dirty="0"/>
+          </a:p>
+        </p:txBody>
+      </p:sp>
+      <p:sp>
+        <p:nvSpPr>
+          <p:cNvPr id="3" name="Content Placeholder 2">
+            <a:extLst>
+              <a:ext uri="{FF2B5EF4-FFF2-40B4-BE49-F238E27FC236}">
+                <a16:creationId xmlns:a16="http://schemas.microsoft.com/office/drawing/2014/main" id="{68B3B5C4-8902-4CCB-9295-B29AA09021E2}"/>
+              </a:ext>
+            </a:extLst>
+          </p:cNvPr>
+          <p:cNvSpPr>
+            <a:spLocks noGrp="1"/>
+          </p:cNvSpPr>
+          <p:nvPr>
+            <p:ph idx="1"/>
+          </p:nvPr>
+        </p:nvSpPr>
+        <p:spPr>
+          <a:xfrm>
+            <a:off x="478369" y="1213308"/>
+            <a:ext cx="11473384" cy="3451201"/>
+          </a:xfrm>
+        </p:spPr>
+        <p:txBody>
+          <a:bodyPr/>
+          <a:lstStyle/>
+          <a:p>
+            <a:r>
+              <a:rPr lang="en-US" dirty="0"/>
+              <a:t>Time is a feature of nodes, edges, and graphs</a:t>
+            </a:r>
+          </a:p>
+          <a:p>
+            <a:pPr marL="285750" indent="-285750">
+              <a:buFont typeface="Arial" panose="020B0604020202020204" pitchFamily="34" charset="0"/>
+              <a:buChar char="•"/>
+            </a:pPr>
+            <a:r>
+              <a:rPr lang="en-US" dirty="0"/>
+              <a:t>Frequent versus stale relationships</a:t>
+            </a:r>
+          </a:p>
+          <a:p>
+            <a:pPr marL="285750" indent="-285750">
+              <a:buFont typeface="Arial" panose="020B0604020202020204" pitchFamily="34" charset="0"/>
+              <a:buChar char="•"/>
+            </a:pPr>
+            <a:r>
+              <a:rPr lang="en-US" dirty="0"/>
+              <a:t>Similarity or clustering </a:t>
+            </a:r>
+            <a:r>
+              <a:rPr lang="en-US" dirty="0" err="1"/>
+              <a:t>w.r.t.</a:t>
+            </a:r>
+            <a:r>
+              <a:rPr lang="en-US" dirty="0"/>
+              <a:t> time</a:t>
+            </a:r>
+          </a:p>
+          <a:p>
+            <a:endParaRPr lang="en-US" dirty="0"/>
+          </a:p>
+          <a:p>
+            <a:r>
+              <a:rPr lang="en-US" dirty="0"/>
+              <a:t>Time itself is a characteristic to be predicted</a:t>
+            </a:r>
+          </a:p>
+          <a:p>
+            <a:pPr marL="285750" indent="-285750">
+              <a:buFont typeface="Arial" panose="020B0604020202020204" pitchFamily="34" charset="0"/>
+              <a:buChar char="•"/>
+            </a:pPr>
+            <a:r>
+              <a:rPr lang="en-US" dirty="0"/>
+              <a:t>Probability of new links in time</a:t>
+            </a:r>
+          </a:p>
+          <a:p>
+            <a:pPr marL="285750" indent="-285750">
+              <a:buFont typeface="Arial" panose="020B0604020202020204" pitchFamily="34" charset="0"/>
+              <a:buChar char="•"/>
+            </a:pPr>
+            <a:r>
+              <a:rPr lang="en-US" dirty="0"/>
+              <a:t>Network events (contagion, influence) in time</a:t>
+            </a:r>
+          </a:p>
+          <a:p>
+            <a:endParaRPr lang="en-US" dirty="0"/>
+          </a:p>
+        </p:txBody>
+      </p:sp>
+      <p:sp>
+        <p:nvSpPr>
+          <p:cNvPr id="4" name="Slide Number Placeholder 3">
+            <a:extLst>
+              <a:ext uri="{FF2B5EF4-FFF2-40B4-BE49-F238E27FC236}">
+                <a16:creationId xmlns:a16="http://schemas.microsoft.com/office/drawing/2014/main" id="{6F66258D-9521-444D-89C0-A1C9FDB7AD21}"/>
+              </a:ext>
+            </a:extLst>
+          </p:cNvPr>
+          <p:cNvSpPr>
+            <a:spLocks noGrp="1"/>
+          </p:cNvSpPr>
+          <p:nvPr>
+            <p:ph type="sldNum" sz="quarter" idx="12"/>
+          </p:nvPr>
+        </p:nvSpPr>
+        <p:spPr/>
+        <p:txBody>
+          <a:bodyPr/>
+          <a:lstStyle/>
+          <a:p>
+            <a:fld id="{81561042-0DC2-4A04-AA50-F6D44EB20EBA}" type="slidenum">
+              <a:rPr lang="en-US" smtClean="0"/>
+              <a:t>4</a:t>
+            </a:fld>
+            <a:endParaRPr lang="en-US"/>
+          </a:p>
+        </p:txBody>
+      </p:sp>
+    </p:spTree>
+    <p:extLst>
+      <p:ext uri="{BB962C8B-B14F-4D97-AF65-F5344CB8AC3E}">
+        <p14:creationId xmlns:p14="http://schemas.microsoft.com/office/powerpoint/2010/main" val="1874208747"/>
+      </p:ext>
+    </p:extLst>
+  </p:cSld>
+  <p:clrMapOvr>
+    <a:masterClrMapping/>
+  </p:clrMapOvr>
+</p:sld>
+</file>
+
+<file path=ppt/slides/slide5.xml><?xml version="1.0" encoding="utf-8"?>
+<p:sld xmlns:a="http://schemas.openxmlformats.org/drawingml/2006/main" xmlns:r="http://schemas.openxmlformats.org/officeDocument/2006/relationships" xmlns:p="http://schemas.openxmlformats.org/presentationml/2006/main">
+  <p:cSld>
+    <p:spTree>
+      <p:nvGrpSpPr>
+        <p:cNvPr id="1" name=""/>
+        <p:cNvGrpSpPr/>
+        <p:nvPr/>
+      </p:nvGrpSpPr>
+      <p:grpSpPr>
+        <a:xfrm>
+          <a:off x="0" y="0"/>
+          <a:ext cx="0" cy="0"/>
+          <a:chOff x="0" y="0"/>
+          <a:chExt cx="0" cy="0"/>
+        </a:xfrm>
+      </p:grpSpPr>
+      <p:sp>
+        <p:nvSpPr>
+          <p:cNvPr id="2" name="Title 1">
+            <a:extLst>
+              <a:ext uri="{FF2B5EF4-FFF2-40B4-BE49-F238E27FC236}">
+                <a16:creationId xmlns:a16="http://schemas.microsoft.com/office/drawing/2014/main" id="{31B1EF4B-402F-4C5E-93BE-1A75161EFC25}"/>
+              </a:ext>
+            </a:extLst>
+          </p:cNvPr>
+          <p:cNvSpPr>
+            <a:spLocks noGrp="1"/>
+          </p:cNvSpPr>
+          <p:nvPr>
+            <p:ph type="title"/>
+          </p:nvPr>
+        </p:nvSpPr>
+        <p:spPr/>
+        <p:txBody>
+          <a:bodyPr/>
+          <a:lstStyle/>
+          <a:p>
+            <a:r>
+              <a:rPr lang="en-US" dirty="0"/>
+              <a:t>Brief (incomplete) historical perspective -1</a:t>
+            </a:r>
+          </a:p>
+        </p:txBody>
+      </p:sp>
+      <p:sp>
+        <p:nvSpPr>
+          <p:cNvPr id="3" name="Content Placeholder 2">
+            <a:extLst>
+              <a:ext uri="{FF2B5EF4-FFF2-40B4-BE49-F238E27FC236}">
+                <a16:creationId xmlns:a16="http://schemas.microsoft.com/office/drawing/2014/main" id="{17B046A0-2A88-4CF2-A015-FE6784D61ED8}"/>
+              </a:ext>
+            </a:extLst>
+          </p:cNvPr>
+          <p:cNvSpPr>
+            <a:spLocks noGrp="1"/>
+          </p:cNvSpPr>
+          <p:nvPr>
+            <p:ph idx="1"/>
+          </p:nvPr>
+        </p:nvSpPr>
+        <p:spPr>
+          <a:xfrm>
+            <a:off x="478369" y="972043"/>
+            <a:ext cx="11473384" cy="3792577"/>
+          </a:xfrm>
+        </p:spPr>
+        <p:txBody>
+          <a:bodyPr/>
+          <a:lstStyle/>
+          <a:p>
+            <a:pPr>
+              <a:lnSpc>
+                <a:spcPct val="150000"/>
+              </a:lnSpc>
+            </a:pPr>
+            <a:r>
+              <a:rPr lang="en-US" dirty="0">
+                <a:solidFill>
+                  <a:srgbClr val="222222"/>
+                </a:solidFill>
+                <a:latin typeface="+mj-lt"/>
+              </a:rPr>
+              <a:t>2000’s – Measuring network evolution phenomena </a:t>
+            </a:r>
+          </a:p>
+          <a:p>
+            <a:pPr marL="285750" indent="-285750">
+              <a:lnSpc>
+                <a:spcPct val="150000"/>
+              </a:lnSpc>
+              <a:buFont typeface="Arial" panose="020B0604020202020204" pitchFamily="34" charset="0"/>
+              <a:buChar char="•"/>
+            </a:pPr>
+            <a:r>
+              <a:rPr lang="en-US" sz="1600" dirty="0">
+                <a:solidFill>
+                  <a:srgbClr val="222222"/>
+                </a:solidFill>
+                <a:latin typeface="+mj-lt"/>
+              </a:rPr>
+              <a:t>Growth dynamics of the world-wide web [</a:t>
+            </a:r>
+            <a:r>
+              <a:rPr lang="en-US" sz="1600" dirty="0"/>
+              <a:t>Huberman &amp; Adamic 1999]</a:t>
+            </a:r>
+          </a:p>
+          <a:p>
+            <a:pPr marL="285750" indent="-285750">
+              <a:lnSpc>
+                <a:spcPct val="150000"/>
+              </a:lnSpc>
+              <a:buFont typeface="Arial" panose="020B0604020202020204" pitchFamily="34" charset="0"/>
+              <a:buChar char="•"/>
+            </a:pPr>
+            <a:r>
+              <a:rPr lang="en-US" sz="1600" dirty="0"/>
+              <a:t>Graphs over time densification laws, shrinking diameters and possible explanations [Leskovec et al. 2005]</a:t>
+            </a:r>
+          </a:p>
+          <a:p>
+            <a:pPr marL="285750" indent="-285750">
+              <a:lnSpc>
+                <a:spcPct val="150000"/>
+              </a:lnSpc>
+              <a:buFont typeface="Arial" panose="020B0604020202020204" pitchFamily="34" charset="0"/>
+              <a:buChar char="•"/>
+            </a:pPr>
+            <a:r>
+              <a:rPr lang="en-US" sz="1600" dirty="0"/>
+              <a:t>The dynamics of viral marketing [Leskovec, Adamic &amp; Huberman 2007]</a:t>
+            </a:r>
+          </a:p>
+          <a:p>
+            <a:pPr>
+              <a:lnSpc>
+                <a:spcPct val="150000"/>
+              </a:lnSpc>
+            </a:pPr>
+            <a:r>
+              <a:rPr lang="en-US" dirty="0">
+                <a:solidFill>
+                  <a:srgbClr val="222222"/>
+                </a:solidFill>
+                <a:latin typeface="+mj-lt"/>
+              </a:rPr>
+              <a:t>2010’s – Generative models for network evolution</a:t>
+            </a:r>
+          </a:p>
+          <a:p>
+            <a:pPr marL="285750" indent="-285750">
+              <a:lnSpc>
+                <a:spcPct val="150000"/>
+              </a:lnSpc>
+              <a:buFont typeface="Arial" panose="020B0604020202020204" pitchFamily="34" charset="0"/>
+              <a:buChar char="•"/>
+            </a:pPr>
+            <a:r>
+              <a:rPr lang="en-US" sz="1600" dirty="0">
+                <a:solidFill>
+                  <a:srgbClr val="222222"/>
+                </a:solidFill>
+                <a:latin typeface="+mj-lt"/>
+              </a:rPr>
+              <a:t>Kronecker graphs an approach to modeling networks </a:t>
+            </a:r>
+            <a:r>
+              <a:rPr lang="en-US" sz="1600" dirty="0"/>
+              <a:t>[Leskovec et al. 2010]</a:t>
+            </a:r>
+          </a:p>
+          <a:p>
+            <a:pPr marL="285750" indent="-285750">
+              <a:lnSpc>
+                <a:spcPct val="150000"/>
+              </a:lnSpc>
+              <a:buFont typeface="Arial" panose="020B0604020202020204" pitchFamily="34" charset="0"/>
+              <a:buChar char="•"/>
+            </a:pPr>
+            <a:r>
+              <a:rPr lang="en-US" sz="1800" dirty="0">
+                <a:latin typeface="Segoe UI" panose="020B0502040204020203" pitchFamily="34" charset="0"/>
+              </a:rPr>
+              <a:t>Emerging topic detection on twitter based on temporal and social terms evaluation [</a:t>
+            </a:r>
+            <a:r>
+              <a:rPr lang="en-US" sz="1800" dirty="0" err="1">
+                <a:latin typeface="Segoe UI" panose="020B0502040204020203" pitchFamily="34" charset="0"/>
+              </a:rPr>
+              <a:t>Cataldi</a:t>
+            </a:r>
+            <a:r>
+              <a:rPr lang="en-US" sz="1800" dirty="0">
+                <a:latin typeface="Segoe UI" panose="020B0502040204020203" pitchFamily="34" charset="0"/>
+              </a:rPr>
+              <a:t> et al. 2010]</a:t>
+            </a:r>
+            <a:endParaRPr lang="en-US" sz="1600" dirty="0"/>
+          </a:p>
+          <a:p>
+            <a:pPr marL="285750" indent="-285750">
+              <a:lnSpc>
+                <a:spcPct val="150000"/>
+              </a:lnSpc>
+              <a:buFont typeface="Arial" panose="020B0604020202020204" pitchFamily="34" charset="0"/>
+              <a:buChar char="•"/>
+            </a:pPr>
+            <a:r>
+              <a:rPr lang="en-US" sz="1600" dirty="0">
+                <a:solidFill>
+                  <a:srgbClr val="222222"/>
+                </a:solidFill>
+                <a:latin typeface="+mj-lt"/>
+              </a:rPr>
+              <a:t>Collaboration over time characterizing and modeling network evolution [Huang et al. 2012]</a:t>
+            </a:r>
+          </a:p>
+        </p:txBody>
+      </p:sp>
+      <p:sp>
+        <p:nvSpPr>
+          <p:cNvPr id="4" name="Slide Number Placeholder 3">
+            <a:extLst>
+              <a:ext uri="{FF2B5EF4-FFF2-40B4-BE49-F238E27FC236}">
+                <a16:creationId xmlns:a16="http://schemas.microsoft.com/office/drawing/2014/main" id="{7C3B3BCC-8303-4914-911D-F117EF2CEFF9}"/>
+              </a:ext>
+            </a:extLst>
+          </p:cNvPr>
+          <p:cNvSpPr>
+            <a:spLocks noGrp="1"/>
+          </p:cNvSpPr>
+          <p:nvPr>
+            <p:ph type="sldNum" sz="quarter" idx="12"/>
+          </p:nvPr>
+        </p:nvSpPr>
+        <p:spPr/>
+        <p:txBody>
+          <a:bodyPr/>
+          <a:lstStyle/>
+          <a:p>
+            <a:fld id="{81561042-0DC2-4A04-AA50-F6D44EB20EBA}" type="slidenum">
+              <a:rPr lang="en-US" smtClean="0"/>
+              <a:t>5</a:t>
+            </a:fld>
+            <a:endParaRPr lang="en-US"/>
+          </a:p>
+        </p:txBody>
+      </p:sp>
+    </p:spTree>
+    <p:extLst>
+      <p:ext uri="{BB962C8B-B14F-4D97-AF65-F5344CB8AC3E}">
+        <p14:creationId xmlns:p14="http://schemas.microsoft.com/office/powerpoint/2010/main" val="1814528097"/>
+      </p:ext>
+    </p:extLst>
+  </p:cSld>
+  <p:clrMapOvr>
+    <a:masterClrMapping/>
+  </p:clrMapOvr>
+</p:sld>
+</file>
+
+<file path=ppt/slides/slide6.xml><?xml version="1.0" encoding="utf-8"?>
+<p:sld xmlns:a="http://schemas.openxmlformats.org/drawingml/2006/main" xmlns:r="http://schemas.openxmlformats.org/officeDocument/2006/relationships" xmlns:p="http://schemas.openxmlformats.org/presentationml/2006/main">
+  <p:cSld>
+    <p:spTree>
+      <p:nvGrpSpPr>
+        <p:cNvPr id="1" name=""/>
+        <p:cNvGrpSpPr/>
+        <p:nvPr/>
+      </p:nvGrpSpPr>
+      <p:grpSpPr>
+        <a:xfrm>
+          <a:off x="0" y="0"/>
+          <a:ext cx="0" cy="0"/>
+          <a:chOff x="0" y="0"/>
+          <a:chExt cx="0" cy="0"/>
+        </a:xfrm>
+      </p:grpSpPr>
+      <p:sp>
+        <p:nvSpPr>
+          <p:cNvPr id="2" name="Title 1">
+            <a:extLst>
+              <a:ext uri="{FF2B5EF4-FFF2-40B4-BE49-F238E27FC236}">
+                <a16:creationId xmlns:a16="http://schemas.microsoft.com/office/drawing/2014/main" id="{ACF942BB-EDAC-478D-9FB6-7A1335CBFDC5}"/>
+              </a:ext>
+            </a:extLst>
+          </p:cNvPr>
+          <p:cNvSpPr>
+            <a:spLocks noGrp="1"/>
+          </p:cNvSpPr>
+          <p:nvPr>
+            <p:ph type="title"/>
+          </p:nvPr>
+        </p:nvSpPr>
+        <p:spPr/>
+        <p:txBody>
+          <a:bodyPr/>
+          <a:lstStyle/>
+          <a:p>
+            <a:r>
+              <a:rPr lang="en-US" dirty="0"/>
+              <a:t>Brief (incomplete) historical perspective -2</a:t>
+            </a:r>
+          </a:p>
+        </p:txBody>
+      </p:sp>
+      <p:sp>
+        <p:nvSpPr>
+          <p:cNvPr id="3" name="Content Placeholder 2">
+            <a:extLst>
+              <a:ext uri="{FF2B5EF4-FFF2-40B4-BE49-F238E27FC236}">
+                <a16:creationId xmlns:a16="http://schemas.microsoft.com/office/drawing/2014/main" id="{8B098342-52EF-4981-884C-68B42FDF16A7}"/>
+              </a:ext>
+            </a:extLst>
+          </p:cNvPr>
+          <p:cNvSpPr>
+            <a:spLocks noGrp="1"/>
+          </p:cNvSpPr>
+          <p:nvPr>
+            <p:ph idx="1"/>
+          </p:nvPr>
+        </p:nvSpPr>
+        <p:spPr>
+          <a:xfrm>
+            <a:off x="255373" y="1213308"/>
+            <a:ext cx="11696380" cy="4577279"/>
+          </a:xfrm>
+        </p:spPr>
+        <p:txBody>
+          <a:bodyPr/>
+          <a:lstStyle/>
+          <a:p>
+            <a:pPr>
+              <a:lnSpc>
+                <a:spcPct val="150000"/>
+              </a:lnSpc>
+            </a:pPr>
+            <a:r>
+              <a:rPr lang="en-US" dirty="0">
+                <a:solidFill>
+                  <a:srgbClr val="222222"/>
+                </a:solidFill>
+                <a:latin typeface="+mj-lt"/>
+              </a:rPr>
+              <a:t>2020’s – Prediction models of network evolution</a:t>
+            </a:r>
+          </a:p>
+          <a:p>
+            <a:pPr marL="285750" indent="-285750">
+              <a:lnSpc>
+                <a:spcPct val="150000"/>
+              </a:lnSpc>
+              <a:buFont typeface="Arial" panose="020B0604020202020204" pitchFamily="34" charset="0"/>
+              <a:buChar char="•"/>
+            </a:pPr>
+            <a:r>
+              <a:rPr lang="en-US" sz="2000" dirty="0">
+                <a:solidFill>
+                  <a:srgbClr val="222222"/>
+                </a:solidFill>
+                <a:latin typeface="+mj-lt"/>
+              </a:rPr>
+              <a:t>Spectral Networks and Deep Locally Connected Networks on Graphs [Bruna et al. 2013]</a:t>
+            </a:r>
+          </a:p>
+          <a:p>
+            <a:pPr marL="285750" indent="-285750">
+              <a:lnSpc>
+                <a:spcPct val="150000"/>
+              </a:lnSpc>
+              <a:buFont typeface="Arial" panose="020B0604020202020204" pitchFamily="34" charset="0"/>
+              <a:buChar char="•"/>
+            </a:pPr>
+            <a:r>
+              <a:rPr lang="en-US" sz="2000" dirty="0">
+                <a:solidFill>
+                  <a:srgbClr val="222222"/>
+                </a:solidFill>
+                <a:latin typeface="+mj-lt"/>
+              </a:rPr>
+              <a:t>Temporal Graph Neural Networks [Rossi et al. 2020]</a:t>
+            </a:r>
+          </a:p>
+          <a:p>
+            <a:pPr marL="285750" indent="-285750">
+              <a:lnSpc>
+                <a:spcPct val="150000"/>
+              </a:lnSpc>
+              <a:buFont typeface="Arial" panose="020B0604020202020204" pitchFamily="34" charset="0"/>
+              <a:buChar char="•"/>
+            </a:pPr>
+            <a:r>
+              <a:rPr lang="en-US" sz="2000" dirty="0" err="1">
+                <a:solidFill>
+                  <a:srgbClr val="222222"/>
+                </a:solidFill>
+                <a:latin typeface="+mj-lt"/>
+              </a:rPr>
+              <a:t>Evolvegraph</a:t>
+            </a:r>
+            <a:r>
+              <a:rPr lang="en-US" sz="2000" dirty="0">
+                <a:solidFill>
+                  <a:srgbClr val="222222"/>
+                </a:solidFill>
+                <a:latin typeface="+mj-lt"/>
+              </a:rPr>
+              <a:t>: Multi-agent trajectory prediction with dynamic relational reasoning [Li et al. 2020]</a:t>
+            </a:r>
+          </a:p>
+          <a:p>
+            <a:pPr marL="285750" indent="-285750">
+              <a:lnSpc>
+                <a:spcPct val="150000"/>
+              </a:lnSpc>
+              <a:buFont typeface="Arial" panose="020B0604020202020204" pitchFamily="34" charset="0"/>
+              <a:buChar char="•"/>
+            </a:pPr>
+            <a:r>
+              <a:rPr lang="en-US" sz="2400" dirty="0">
+                <a:solidFill>
+                  <a:srgbClr val="000000"/>
+                </a:solidFill>
+                <a:latin typeface="Segoe UI" panose="020B0502040204020203" pitchFamily="34" charset="0"/>
+              </a:rPr>
+              <a:t>Spectral Temporal Graph Neural Network for Multivariate Time-series Forecasting</a:t>
+            </a:r>
+            <a:r>
+              <a:rPr lang="en-US" sz="2000" dirty="0">
+                <a:solidFill>
+                  <a:srgbClr val="222222"/>
+                </a:solidFill>
+                <a:latin typeface="+mj-lt"/>
+              </a:rPr>
+              <a:t> [Cao et al. 2020]</a:t>
+            </a:r>
+          </a:p>
+          <a:p>
+            <a:endParaRPr lang="en-US" dirty="0"/>
+          </a:p>
+        </p:txBody>
+      </p:sp>
+      <p:sp>
+        <p:nvSpPr>
+          <p:cNvPr id="4" name="Slide Number Placeholder 3">
+            <a:extLst>
+              <a:ext uri="{FF2B5EF4-FFF2-40B4-BE49-F238E27FC236}">
+                <a16:creationId xmlns:a16="http://schemas.microsoft.com/office/drawing/2014/main" id="{4C0D01F1-B6C6-435D-B213-499F5BF7AD09}"/>
+              </a:ext>
+            </a:extLst>
+          </p:cNvPr>
+          <p:cNvSpPr>
+            <a:spLocks noGrp="1"/>
+          </p:cNvSpPr>
+          <p:nvPr>
+            <p:ph type="sldNum" sz="quarter" idx="12"/>
+          </p:nvPr>
+        </p:nvSpPr>
+        <p:spPr/>
+        <p:txBody>
+          <a:bodyPr/>
+          <a:lstStyle/>
+          <a:p>
+            <a:fld id="{81561042-0DC2-4A04-AA50-F6D44EB20EBA}" type="slidenum">
+              <a:rPr lang="en-US" smtClean="0"/>
+              <a:t>6</a:t>
+            </a:fld>
+            <a:endParaRPr lang="en-US"/>
+          </a:p>
+        </p:txBody>
+      </p:sp>
+    </p:spTree>
+    <p:extLst>
+      <p:ext uri="{BB962C8B-B14F-4D97-AF65-F5344CB8AC3E}">
+        <p14:creationId xmlns:p14="http://schemas.microsoft.com/office/powerpoint/2010/main" val="904518835"/>
+      </p:ext>
+    </p:extLst>
+  </p:cSld>
+  <p:clrMapOvr>
+    <a:masterClrMapping/>
+  </p:clrMapOvr>
+</p:sld>
+</file>
+
+<file path=ppt/slides/slide7.xml><?xml version="1.0" encoding="utf-8"?>
+<p:sld xmlns:a="http://schemas.openxmlformats.org/drawingml/2006/main" xmlns:r="http://schemas.openxmlformats.org/officeDocument/2006/relationships" xmlns:p="http://schemas.openxmlformats.org/presentationml/2006/main">
+  <p:cSld>
+    <p:spTree>
+      <p:nvGrpSpPr>
+        <p:cNvPr id="1" name=""/>
+        <p:cNvGrpSpPr/>
+        <p:nvPr/>
+      </p:nvGrpSpPr>
+      <p:grpSpPr>
+        <a:xfrm>
+          <a:off x="0" y="0"/>
+          <a:ext cx="0" cy="0"/>
+          <a:chOff x="0" y="0"/>
+          <a:chExt cx="0" cy="0"/>
+        </a:xfrm>
+      </p:grpSpPr>
+      <p:sp>
+        <p:nvSpPr>
+          <p:cNvPr id="2" name="Title 1">
+            <a:extLst>
+              <a:ext uri="{FF2B5EF4-FFF2-40B4-BE49-F238E27FC236}">
+                <a16:creationId xmlns:a16="http://schemas.microsoft.com/office/drawing/2014/main" id="{8622D183-9DE1-4DF0-9D13-4D66EE75FBA8}"/>
+              </a:ext>
+            </a:extLst>
+          </p:cNvPr>
+          <p:cNvSpPr>
+            <a:spLocks noGrp="1"/>
+          </p:cNvSpPr>
+          <p:nvPr>
+            <p:ph type="title"/>
+          </p:nvPr>
+        </p:nvSpPr>
+        <p:spPr/>
+        <p:txBody>
+          <a:bodyPr/>
+          <a:lstStyle/>
+          <a:p>
+            <a:r>
+              <a:rPr lang="en-US" dirty="0"/>
+              <a:t>Index</a:t>
+            </a:r>
+          </a:p>
+        </p:txBody>
+      </p:sp>
+      <p:sp>
+        <p:nvSpPr>
+          <p:cNvPr id="3" name="Content Placeholder 2">
+            <a:extLst>
+              <a:ext uri="{FF2B5EF4-FFF2-40B4-BE49-F238E27FC236}">
+                <a16:creationId xmlns:a16="http://schemas.microsoft.com/office/drawing/2014/main" id="{3461D60E-5015-44F5-92BF-BCB5AFE72A38}"/>
+              </a:ext>
+            </a:extLst>
+          </p:cNvPr>
+          <p:cNvSpPr>
+            <a:spLocks noGrp="1"/>
+          </p:cNvSpPr>
+          <p:nvPr>
+            <p:ph idx="1"/>
+          </p:nvPr>
+        </p:nvSpPr>
+        <p:spPr>
+          <a:xfrm>
+            <a:off x="478369" y="949697"/>
+            <a:ext cx="11473384" cy="5693610"/>
+          </a:xfrm>
+        </p:spPr>
+        <p:txBody>
+          <a:bodyPr/>
+          <a:lstStyle/>
+          <a:p>
+            <a:r>
+              <a:rPr lang="en-US" sz="1800" dirty="0"/>
+              <a:t>Motivation contrast: Continuous Time - Temporal Graph Neural Network (Chris)</a:t>
+            </a:r>
+          </a:p>
+          <a:p>
+            <a:r>
+              <a:rPr lang="en-US" sz="1800" b="1" dirty="0"/>
+              <a:t>Space and Time </a:t>
+            </a:r>
+            <a:r>
+              <a:rPr lang="en-US" sz="1800" dirty="0"/>
+              <a:t>(Max)</a:t>
+            </a:r>
+          </a:p>
+          <a:p>
+            <a:pPr marL="698494" lvl="1" indent="-457200">
+              <a:buFont typeface="Arial" panose="020B0604020202020204" pitchFamily="34" charset="0"/>
+              <a:buChar char="•"/>
+            </a:pPr>
+            <a:r>
+              <a:rPr lang="en-US" sz="1800" dirty="0" err="1"/>
+              <a:t>Spacio</a:t>
+            </a:r>
+            <a:r>
+              <a:rPr lang="en-US" sz="1800" dirty="0"/>
+              <a:t>-Temporal Convolution </a:t>
+            </a:r>
+          </a:p>
+          <a:p>
+            <a:pPr marL="937188" lvl="2" indent="-457200">
+              <a:buFont typeface="Arial" panose="020B0604020202020204" pitchFamily="34" charset="0"/>
+              <a:buChar char="•"/>
+            </a:pPr>
+            <a:r>
+              <a:rPr lang="en-US" sz="1800" dirty="0"/>
+              <a:t>Diffusion Convolution Recurrent Networks (GRU cell idea)</a:t>
+            </a:r>
+          </a:p>
+          <a:p>
+            <a:pPr marL="698494" lvl="1" indent="-457200">
+              <a:buFont typeface="Arial" panose="020B0604020202020204" pitchFamily="34" charset="0"/>
+              <a:buChar char="•"/>
+            </a:pPr>
+            <a:r>
+              <a:rPr lang="en-US" sz="1800" dirty="0"/>
+              <a:t>Recurrent Neural Networks</a:t>
+            </a:r>
+          </a:p>
+          <a:p>
+            <a:pPr marL="937188" lvl="2" indent="-457200">
+              <a:buFont typeface="Arial" panose="020B0604020202020204" pitchFamily="34" charset="0"/>
+              <a:buChar char="•"/>
+            </a:pPr>
+            <a:r>
+              <a:rPr lang="en-US" sz="1800" dirty="0"/>
+              <a:t>Graph Convolution Networks with Kalman Filtering for Traffic Prediction</a:t>
+            </a:r>
+          </a:p>
+          <a:p>
+            <a:pPr marL="1003283" lvl="3" indent="-285750"/>
+            <a:r>
+              <a:rPr lang="en-US" sz="1800" dirty="0"/>
+              <a:t>Multi-Head Attention (some example)</a:t>
+            </a:r>
+          </a:p>
+          <a:p>
+            <a:r>
+              <a:rPr lang="en-US" sz="1800" b="1" dirty="0"/>
+              <a:t>Spectral Convolution </a:t>
+            </a:r>
+            <a:r>
+              <a:rPr lang="en-US" sz="1800" dirty="0"/>
+              <a:t>(Chris)</a:t>
+            </a:r>
+          </a:p>
+          <a:p>
+            <a:pPr marL="527044" lvl="1" indent="-285750">
+              <a:buFont typeface="Arial" panose="020B0604020202020204" pitchFamily="34" charset="0"/>
+              <a:buChar char="•"/>
+            </a:pPr>
+            <a:r>
+              <a:rPr lang="en-US" sz="1800" dirty="0"/>
+              <a:t>Spectral Networks (short intro)</a:t>
+            </a:r>
+          </a:p>
+          <a:p>
+            <a:pPr marL="527044" lvl="1" indent="-285750">
+              <a:buFont typeface="Arial" panose="020B0604020202020204" pitchFamily="34" charset="0"/>
+              <a:buChar char="•"/>
+            </a:pPr>
+            <a:r>
+              <a:rPr lang="en-US" sz="1800" dirty="0"/>
+              <a:t>Spectral Temporal Graph Neural Network </a:t>
+            </a:r>
+          </a:p>
+          <a:p>
+            <a:r>
+              <a:rPr lang="en-US" sz="1800" b="1" dirty="0"/>
+              <a:t>Innovative Architectures</a:t>
+            </a:r>
+            <a:r>
+              <a:rPr lang="en-US" sz="1800" dirty="0"/>
+              <a:t>:</a:t>
+            </a:r>
+          </a:p>
+          <a:p>
+            <a:pPr marL="527044" lvl="1" indent="-285750">
+              <a:buFont typeface="Arial" panose="020B0604020202020204" pitchFamily="34" charset="0"/>
+              <a:buChar char="•"/>
+            </a:pPr>
+            <a:r>
+              <a:rPr lang="en-US" sz="1800" dirty="0" err="1"/>
+              <a:t>EvolveGraph</a:t>
+            </a:r>
+            <a:r>
+              <a:rPr lang="en-US" sz="1800" dirty="0"/>
+              <a:t> – Latent Graph Model (Chris)</a:t>
+            </a:r>
+          </a:p>
+          <a:p>
+            <a:pPr marL="527044" lvl="1" indent="-285750">
+              <a:buFont typeface="Arial" panose="020B0604020202020204" pitchFamily="34" charset="0"/>
+              <a:buChar char="•"/>
+            </a:pPr>
+            <a:r>
+              <a:rPr lang="en-US" sz="1800" dirty="0"/>
+              <a:t>ST-</a:t>
+            </a:r>
+            <a:r>
+              <a:rPr lang="en-US" sz="1800" dirty="0" err="1"/>
+              <a:t>UNet</a:t>
+            </a:r>
+            <a:r>
+              <a:rPr lang="en-US" sz="1800" dirty="0"/>
+              <a:t>: A </a:t>
+            </a:r>
+            <a:r>
+              <a:rPr lang="en-US" sz="1800" dirty="0" err="1"/>
+              <a:t>Spatio</a:t>
+            </a:r>
+            <a:r>
+              <a:rPr lang="en-US" sz="1800" dirty="0"/>
+              <a:t>-Temporal U-Network for Graph-structured Time Series Modeling (Max)</a:t>
+            </a:r>
+          </a:p>
+        </p:txBody>
+      </p:sp>
+      <p:sp>
+        <p:nvSpPr>
+          <p:cNvPr id="4" name="Slide Number Placeholder 3">
+            <a:extLst>
+              <a:ext uri="{FF2B5EF4-FFF2-40B4-BE49-F238E27FC236}">
+                <a16:creationId xmlns:a16="http://schemas.microsoft.com/office/drawing/2014/main" id="{F9926EF7-D70D-4490-B3A2-1D31E402A943}"/>
+              </a:ext>
+            </a:extLst>
+          </p:cNvPr>
+          <p:cNvSpPr>
+            <a:spLocks noGrp="1"/>
+          </p:cNvSpPr>
+          <p:nvPr>
+            <p:ph type="sldNum" sz="quarter" idx="12"/>
+          </p:nvPr>
+        </p:nvSpPr>
+        <p:spPr/>
+        <p:txBody>
+          <a:bodyPr/>
+          <a:lstStyle/>
+          <a:p>
+            <a:fld id="{81561042-0DC2-4A04-AA50-F6D44EB20EBA}" type="slidenum">
+              <a:rPr lang="en-US" smtClean="0"/>
+              <a:t>7</a:t>
+            </a:fld>
+            <a:endParaRPr lang="en-US"/>
+          </a:p>
+        </p:txBody>
+      </p:sp>
+    </p:spTree>
+    <p:extLst>
+      <p:ext uri="{BB962C8B-B14F-4D97-AF65-F5344CB8AC3E}">
+        <p14:creationId xmlns:p14="http://schemas.microsoft.com/office/powerpoint/2010/main" val="3529625503"/>
+      </p:ext>
+    </p:extLst>
+  </p:cSld>
+  <p:clrMapOvr>
+    <a:masterClrMapping/>
+  </p:clrMapOvr>
+</p:sld>
+</file>
+
+<file path=ppt/slides/slide8.xml><?xml version="1.0" encoding="utf-8"?>
+<p:sld xmlns:a="http://schemas.openxmlformats.org/drawingml/2006/main" xmlns:r="http://schemas.openxmlformats.org/officeDocument/2006/relationships" xmlns:p="http://schemas.openxmlformats.org/presentationml/2006/main">
+  <p:cSld>
+    <p:spTree>
+      <p:nvGrpSpPr>
+        <p:cNvPr id="1" name=""/>
+        <p:cNvGrpSpPr/>
+        <p:nvPr/>
+      </p:nvGrpSpPr>
+      <p:grpSpPr>
+        <a:xfrm>
+          <a:off x="0" y="0"/>
+          <a:ext cx="0" cy="0"/>
+          <a:chOff x="0" y="0"/>
+          <a:chExt cx="0" cy="0"/>
+        </a:xfrm>
+      </p:grpSpPr>
+      <p:sp>
+        <p:nvSpPr>
+          <p:cNvPr id="2" name="Title 1">
+            <a:extLst>
+              <a:ext uri="{FF2B5EF4-FFF2-40B4-BE49-F238E27FC236}">
                 <a16:creationId xmlns:a16="http://schemas.microsoft.com/office/drawing/2014/main" id="{6BAD1A5E-52E8-4107-84A8-60750D90848D}"/>
               </a:ext>
             </a:extLst>
@@ -11505,7 +16021,7 @@
           <a:p>
             <a:fld id="{81561042-0DC2-4A04-AA50-F6D44EB20EBA}" type="slidenum">
               <a:rPr lang="en-US" smtClean="0"/>
-              <a:t>12</a:t>
+              <a:t>8</a:t>
             </a:fld>
             <a:endParaRPr lang="en-US"/>
           </a:p>
@@ -11699,7 +16215,7 @@
 </p:sld>
 </file>
 
-<file path=ppt/slides/slide13.xml><?xml version="1.0" encoding="utf-8"?>
+<file path=ppt/slides/slide9.xml><?xml version="1.0" encoding="utf-8"?>
 <p:sld xmlns:a="http://schemas.openxmlformats.org/drawingml/2006/main" xmlns:r="http://schemas.openxmlformats.org/officeDocument/2006/relationships" xmlns:p="http://schemas.openxmlformats.org/presentationml/2006/main">
   <p:cSld>
     <p:spTree>
@@ -11849,7 +16365,7 @@
                   <a:spcPts val="600"/>
                 </a:spcAft>
               </a:pPr>
-              <a:t>13</a:t>
+              <a:t>9</a:t>
             </a:fld>
             <a:endParaRPr lang="en-US"/>
           </a:p>
@@ -12140,7 +16656,7 @@
             <a:fld id="{81561042-0DC2-4A04-AA50-F6D44EB20EBA}" type="slidenum">
               <a:rPr lang="en-US" smtClean="0"/>
               <a:pPr/>
-              <a:t>13</a:t>
+              <a:t>9</a:t>
             </a:fld>
             <a:endParaRPr lang="en-US"/>
           </a:p>
@@ -12400,4167 +16916,6 @@
       <p:bldP spid="19" grpId="0"/>
     </p:bldLst>
   </p:timing>
-</p:sld>
-</file>
-
-<file path=ppt/slides/slide14.xml><?xml version="1.0" encoding="utf-8"?>
-<p:sld xmlns:a="http://schemas.openxmlformats.org/drawingml/2006/main" xmlns:r="http://schemas.openxmlformats.org/officeDocument/2006/relationships" xmlns:p="http://schemas.openxmlformats.org/presentationml/2006/main">
-  <p:cSld>
-    <p:spTree>
-      <p:nvGrpSpPr>
-        <p:cNvPr id="1" name=""/>
-        <p:cNvGrpSpPr/>
-        <p:nvPr/>
-      </p:nvGrpSpPr>
-      <p:grpSpPr>
-        <a:xfrm>
-          <a:off x="0" y="0"/>
-          <a:ext cx="0" cy="0"/>
-          <a:chOff x="0" y="0"/>
-          <a:chExt cx="0" cy="0"/>
-        </a:xfrm>
-      </p:grpSpPr>
-      <p:sp>
-        <p:nvSpPr>
-          <p:cNvPr id="2" name="Title 1">
-            <a:extLst>
-              <a:ext uri="{FF2B5EF4-FFF2-40B4-BE49-F238E27FC236}">
-                <a16:creationId xmlns:a16="http://schemas.microsoft.com/office/drawing/2014/main" id="{6BAD1A5E-52E8-4107-84A8-60750D90848D}"/>
-              </a:ext>
-            </a:extLst>
-          </p:cNvPr>
-          <p:cNvSpPr>
-            <a:spLocks noGrp="1"/>
-          </p:cNvSpPr>
-          <p:nvPr>
-            <p:ph type="title"/>
-          </p:nvPr>
-        </p:nvSpPr>
-        <p:spPr/>
-        <p:txBody>
-          <a:bodyPr/>
-          <a:lstStyle/>
-          <a:p>
-            <a:r>
-              <a:rPr lang="en-US" dirty="0"/>
-              <a:t>Next: Temporal Graph Models</a:t>
-            </a:r>
-          </a:p>
-        </p:txBody>
-      </p:sp>
-      <p:sp>
-        <p:nvSpPr>
-          <p:cNvPr id="3" name="Content Placeholder 2">
-            <a:extLst>
-              <a:ext uri="{FF2B5EF4-FFF2-40B4-BE49-F238E27FC236}">
-                <a16:creationId xmlns:a16="http://schemas.microsoft.com/office/drawing/2014/main" id="{EDA68B48-5819-4D1B-96A7-A850A1EF0652}"/>
-              </a:ext>
-            </a:extLst>
-          </p:cNvPr>
-          <p:cNvSpPr>
-            <a:spLocks noGrp="1"/>
-          </p:cNvSpPr>
-          <p:nvPr>
-            <p:ph idx="1"/>
-          </p:nvPr>
-        </p:nvSpPr>
-        <p:spPr>
-          <a:xfrm>
-            <a:off x="478369" y="1028544"/>
-            <a:ext cx="11473384" cy="3613810"/>
-          </a:xfrm>
-        </p:spPr>
-        <p:txBody>
-          <a:bodyPr/>
-          <a:lstStyle/>
-          <a:p>
-            <a:pPr marL="285750" indent="-285750">
-              <a:lnSpc>
-                <a:spcPct val="200000"/>
-              </a:lnSpc>
-              <a:buFont typeface="Arial" panose="020B0604020202020204" pitchFamily="34" charset="0"/>
-              <a:buChar char="•"/>
-            </a:pPr>
-            <a:r>
-              <a:rPr lang="en-US" sz="1800" dirty="0">
-                <a:solidFill>
-                  <a:srgbClr val="222222"/>
-                </a:solidFill>
-                <a:latin typeface="+mj-lt"/>
-              </a:rPr>
-              <a:t>Temporal Graph Neural Networks [Rossi et al. 2020]</a:t>
-            </a:r>
-          </a:p>
-          <a:p>
-            <a:pPr marL="285750" indent="-285750">
-              <a:lnSpc>
-                <a:spcPct val="200000"/>
-              </a:lnSpc>
-              <a:buFont typeface="Arial" panose="020B0604020202020204" pitchFamily="34" charset="0"/>
-              <a:buChar char="•"/>
-            </a:pPr>
-            <a:r>
-              <a:rPr lang="en-US" sz="1800" dirty="0" err="1">
-                <a:solidFill>
-                  <a:srgbClr val="222222"/>
-                </a:solidFill>
-                <a:latin typeface="+mj-lt"/>
-              </a:rPr>
-              <a:t>EvolveGraph</a:t>
-            </a:r>
-            <a:r>
-              <a:rPr lang="en-US" sz="1800" dirty="0">
-                <a:solidFill>
-                  <a:srgbClr val="222222"/>
-                </a:solidFill>
-                <a:latin typeface="+mj-lt"/>
-              </a:rPr>
-              <a:t>: Multi-agent trajectory prediction with dynamic relational reasoning [Li et al. 2020]</a:t>
-            </a:r>
-          </a:p>
-          <a:p>
-            <a:pPr marL="285750" indent="-285750">
-              <a:lnSpc>
-                <a:spcPct val="200000"/>
-              </a:lnSpc>
-              <a:buFont typeface="Arial" panose="020B0604020202020204" pitchFamily="34" charset="0"/>
-              <a:buChar char="•"/>
-            </a:pPr>
-            <a:r>
-              <a:rPr lang="en-US" sz="2000" dirty="0">
-                <a:solidFill>
-                  <a:srgbClr val="000000"/>
-                </a:solidFill>
-                <a:latin typeface="Segoe UI" panose="020B0502040204020203" pitchFamily="34" charset="0"/>
-              </a:rPr>
-              <a:t>Spectral Temporal Graph Neural Network for Multivariate Time-series Forecasting</a:t>
-            </a:r>
-            <a:r>
-              <a:rPr lang="en-US" sz="1800" dirty="0">
-                <a:solidFill>
-                  <a:srgbClr val="222222"/>
-                </a:solidFill>
-                <a:latin typeface="+mj-lt"/>
-              </a:rPr>
-              <a:t> [Cao et al. 2020]</a:t>
-            </a:r>
-          </a:p>
-          <a:p>
-            <a:pPr marL="285750" indent="-285750">
-              <a:lnSpc>
-                <a:spcPct val="200000"/>
-              </a:lnSpc>
-              <a:buFont typeface="Arial" panose="020B0604020202020204" pitchFamily="34" charset="0"/>
-              <a:buChar char="•"/>
-            </a:pPr>
-            <a:r>
-              <a:rPr lang="en-US" sz="1800" dirty="0">
-                <a:solidFill>
-                  <a:srgbClr val="222222"/>
-                </a:solidFill>
-                <a:latin typeface="+mj-lt"/>
-              </a:rPr>
-              <a:t>Suggestions?</a:t>
-            </a:r>
-          </a:p>
-          <a:p>
-            <a:pPr marL="285750" indent="-285750">
-              <a:lnSpc>
-                <a:spcPct val="200000"/>
-              </a:lnSpc>
-              <a:buFont typeface="Arial" panose="020B0604020202020204" pitchFamily="34" charset="0"/>
-              <a:buChar char="•"/>
-            </a:pPr>
-            <a:endParaRPr lang="en-US" sz="1800" dirty="0">
-              <a:solidFill>
-                <a:srgbClr val="222222"/>
-              </a:solidFill>
-              <a:latin typeface="+mj-lt"/>
-            </a:endParaRPr>
-          </a:p>
-          <a:p>
-            <a:pPr marL="0" marR="0">
-              <a:spcBef>
-                <a:spcPts val="0"/>
-              </a:spcBef>
-              <a:spcAft>
-                <a:spcPts val="0"/>
-              </a:spcAft>
-            </a:pPr>
-            <a:endParaRPr lang="en-US" sz="1800" dirty="0">
-              <a:effectLst/>
-              <a:latin typeface="Calibri" panose="020F0502020204030204" pitchFamily="34" charset="0"/>
-            </a:endParaRPr>
-          </a:p>
-        </p:txBody>
-      </p:sp>
-      <p:sp>
-        <p:nvSpPr>
-          <p:cNvPr id="4" name="Slide Number Placeholder 3">
-            <a:extLst>
-              <a:ext uri="{FF2B5EF4-FFF2-40B4-BE49-F238E27FC236}">
-                <a16:creationId xmlns:a16="http://schemas.microsoft.com/office/drawing/2014/main" id="{4B3DBCC8-ED52-45AF-BF87-FA7D887A5BCB}"/>
-              </a:ext>
-            </a:extLst>
-          </p:cNvPr>
-          <p:cNvSpPr>
-            <a:spLocks noGrp="1"/>
-          </p:cNvSpPr>
-          <p:nvPr>
-            <p:ph type="sldNum" sz="quarter" idx="12"/>
-          </p:nvPr>
-        </p:nvSpPr>
-        <p:spPr/>
-        <p:txBody>
-          <a:bodyPr/>
-          <a:lstStyle/>
-          <a:p>
-            <a:fld id="{81561042-0DC2-4A04-AA50-F6D44EB20EBA}" type="slidenum">
-              <a:rPr lang="en-US" smtClean="0"/>
-              <a:t>14</a:t>
-            </a:fld>
-            <a:endParaRPr lang="en-US"/>
-          </a:p>
-        </p:txBody>
-      </p:sp>
-    </p:spTree>
-    <p:extLst>
-      <p:ext uri="{BB962C8B-B14F-4D97-AF65-F5344CB8AC3E}">
-        <p14:creationId xmlns:p14="http://schemas.microsoft.com/office/powerpoint/2010/main" val="2715045308"/>
-      </p:ext>
-    </p:extLst>
-  </p:cSld>
-  <p:clrMapOvr>
-    <a:masterClrMapping/>
-  </p:clrMapOvr>
-</p:sld>
-</file>
-
-<file path=ppt/slides/slide15.xml><?xml version="1.0" encoding="utf-8"?>
-<p:sld xmlns:a="http://schemas.openxmlformats.org/drawingml/2006/main" xmlns:r="http://schemas.openxmlformats.org/officeDocument/2006/relationships" xmlns:p="http://schemas.openxmlformats.org/presentationml/2006/main">
-  <p:cSld>
-    <p:spTree>
-      <p:nvGrpSpPr>
-        <p:cNvPr id="1" name=""/>
-        <p:cNvGrpSpPr/>
-        <p:nvPr/>
-      </p:nvGrpSpPr>
-      <p:grpSpPr>
-        <a:xfrm>
-          <a:off x="0" y="0"/>
-          <a:ext cx="0" cy="0"/>
-          <a:chOff x="0" y="0"/>
-          <a:chExt cx="0" cy="0"/>
-        </a:xfrm>
-      </p:grpSpPr>
-      <p:sp>
-        <p:nvSpPr>
-          <p:cNvPr id="2" name="Title 1">
-            <a:extLst>
-              <a:ext uri="{FF2B5EF4-FFF2-40B4-BE49-F238E27FC236}">
-                <a16:creationId xmlns:a16="http://schemas.microsoft.com/office/drawing/2014/main" id="{F556059A-837B-4E70-85E0-77BA2416952C}"/>
-              </a:ext>
-            </a:extLst>
-          </p:cNvPr>
-          <p:cNvSpPr>
-            <a:spLocks noGrp="1"/>
-          </p:cNvSpPr>
-          <p:nvPr>
-            <p:ph type="title"/>
-          </p:nvPr>
-        </p:nvSpPr>
-        <p:spPr/>
-        <p:txBody>
-          <a:bodyPr/>
-          <a:lstStyle/>
-          <a:p>
-            <a:r>
-              <a:rPr lang="pt-BR" dirty="0"/>
-              <a:t>Next and Future </a:t>
-            </a:r>
-            <a:r>
-              <a:rPr lang="pt-BR" dirty="0" err="1"/>
-              <a:t>Tasks</a:t>
-            </a:r>
-            <a:r>
-              <a:rPr lang="pt-BR" dirty="0"/>
-              <a:t> </a:t>
-            </a:r>
-            <a:endParaRPr lang="en-US" dirty="0"/>
-          </a:p>
-        </p:txBody>
-      </p:sp>
-      <p:sp>
-        <p:nvSpPr>
-          <p:cNvPr id="3" name="Content Placeholder 2">
-            <a:extLst>
-              <a:ext uri="{FF2B5EF4-FFF2-40B4-BE49-F238E27FC236}">
-                <a16:creationId xmlns:a16="http://schemas.microsoft.com/office/drawing/2014/main" id="{619E2D8F-BD66-4A77-89AD-0694964867F4}"/>
-              </a:ext>
-            </a:extLst>
-          </p:cNvPr>
-          <p:cNvSpPr>
-            <a:spLocks noGrp="1"/>
-          </p:cNvSpPr>
-          <p:nvPr>
-            <p:ph idx="1"/>
-          </p:nvPr>
-        </p:nvSpPr>
-        <p:spPr>
-          <a:xfrm>
-            <a:off x="478369" y="1024388"/>
-            <a:ext cx="11473384" cy="4797724"/>
-          </a:xfrm>
-        </p:spPr>
-        <p:txBody>
-          <a:bodyPr/>
-          <a:lstStyle/>
-          <a:p>
-            <a:pPr marL="457200" indent="-457200">
-              <a:buFont typeface="+mj-lt"/>
-              <a:buAutoNum type="arabicPeriod"/>
-            </a:pPr>
-            <a:r>
-              <a:rPr lang="pt-BR" dirty="0">
-                <a:solidFill>
-                  <a:schemeClr val="bg1">
-                    <a:lumMod val="75000"/>
-                  </a:schemeClr>
-                </a:solidFill>
-              </a:rPr>
-              <a:t>Compute and compare </a:t>
-            </a:r>
-            <a:r>
-              <a:rPr lang="pt-BR" dirty="0" err="1">
-                <a:solidFill>
-                  <a:schemeClr val="bg1">
-                    <a:lumMod val="75000"/>
-                  </a:schemeClr>
-                </a:solidFill>
-              </a:rPr>
-              <a:t>graph</a:t>
-            </a:r>
-            <a:r>
-              <a:rPr lang="pt-BR" dirty="0">
-                <a:solidFill>
-                  <a:schemeClr val="bg1">
-                    <a:lumMod val="75000"/>
-                  </a:schemeClr>
-                </a:solidFill>
-              </a:rPr>
-              <a:t> </a:t>
-            </a:r>
-            <a:r>
-              <a:rPr lang="pt-BR" dirty="0" err="1">
-                <a:solidFill>
-                  <a:schemeClr val="bg1">
-                    <a:lumMod val="75000"/>
-                  </a:schemeClr>
-                </a:solidFill>
-              </a:rPr>
-              <a:t>metrics</a:t>
-            </a:r>
-            <a:r>
-              <a:rPr lang="pt-BR" dirty="0">
-                <a:solidFill>
-                  <a:schemeClr val="bg1">
-                    <a:lumMod val="75000"/>
-                  </a:schemeClr>
-                </a:solidFill>
-              </a:rPr>
-              <a:t> (</a:t>
-            </a:r>
-            <a:r>
-              <a:rPr lang="pt-BR" dirty="0" err="1">
-                <a:solidFill>
-                  <a:schemeClr val="bg1">
-                    <a:lumMod val="75000"/>
-                  </a:schemeClr>
-                </a:solidFill>
-              </a:rPr>
-              <a:t>Wednesday</a:t>
-            </a:r>
-            <a:r>
-              <a:rPr lang="pt-BR" dirty="0">
-                <a:solidFill>
-                  <a:schemeClr val="bg1">
-                    <a:lumMod val="75000"/>
-                  </a:schemeClr>
-                </a:solidFill>
-              </a:rPr>
-              <a:t>, 2.12)</a:t>
-            </a:r>
-          </a:p>
-          <a:p>
-            <a:pPr marL="698494" lvl="1" indent="-457200">
-              <a:buFont typeface="Arial" panose="020B0604020202020204" pitchFamily="34" charset="0"/>
-              <a:buChar char="•"/>
-            </a:pPr>
-            <a:r>
-              <a:rPr lang="pt-BR" dirty="0" err="1">
-                <a:solidFill>
-                  <a:schemeClr val="bg1">
-                    <a:lumMod val="75000"/>
-                  </a:schemeClr>
-                </a:solidFill>
-              </a:rPr>
-              <a:t>Any</a:t>
-            </a:r>
-            <a:r>
-              <a:rPr lang="pt-BR" dirty="0">
-                <a:solidFill>
-                  <a:schemeClr val="bg1">
-                    <a:lumMod val="75000"/>
-                  </a:schemeClr>
-                </a:solidFill>
-              </a:rPr>
-              <a:t> </a:t>
-            </a:r>
-            <a:r>
-              <a:rPr lang="pt-BR" dirty="0" err="1">
-                <a:solidFill>
-                  <a:schemeClr val="bg1">
-                    <a:lumMod val="75000"/>
-                  </a:schemeClr>
-                </a:solidFill>
-              </a:rPr>
-              <a:t>metrics</a:t>
-            </a:r>
-            <a:r>
-              <a:rPr lang="pt-BR" dirty="0">
-                <a:solidFill>
-                  <a:schemeClr val="bg1">
-                    <a:lumMod val="75000"/>
-                  </a:schemeClr>
-                </a:solidFill>
-              </a:rPr>
-              <a:t> and networks of </a:t>
-            </a:r>
-            <a:r>
-              <a:rPr lang="pt-BR" dirty="0" err="1">
-                <a:solidFill>
-                  <a:schemeClr val="bg1">
-                    <a:lumMod val="75000"/>
-                  </a:schemeClr>
-                </a:solidFill>
-              </a:rPr>
-              <a:t>your</a:t>
-            </a:r>
-            <a:r>
-              <a:rPr lang="pt-BR" dirty="0">
-                <a:solidFill>
-                  <a:schemeClr val="bg1">
-                    <a:lumMod val="75000"/>
-                  </a:schemeClr>
-                </a:solidFill>
-              </a:rPr>
-              <a:t> </a:t>
-            </a:r>
-            <a:r>
-              <a:rPr lang="pt-BR" dirty="0" err="1">
-                <a:solidFill>
-                  <a:schemeClr val="bg1">
-                    <a:lumMod val="75000"/>
-                  </a:schemeClr>
-                </a:solidFill>
-              </a:rPr>
-              <a:t>choice</a:t>
-            </a:r>
-            <a:endParaRPr lang="pt-BR" dirty="0">
-              <a:solidFill>
-                <a:schemeClr val="bg1">
-                  <a:lumMod val="75000"/>
-                </a:schemeClr>
-              </a:solidFill>
-            </a:endParaRPr>
-          </a:p>
-          <a:p>
-            <a:pPr marL="457200" indent="-457200">
-              <a:buFont typeface="+mj-lt"/>
-              <a:buAutoNum type="arabicPeriod"/>
-            </a:pPr>
-            <a:r>
-              <a:rPr lang="pt-BR" dirty="0" err="1">
-                <a:solidFill>
-                  <a:schemeClr val="bg1">
-                    <a:lumMod val="75000"/>
-                  </a:schemeClr>
-                </a:solidFill>
-              </a:rPr>
-              <a:t>First</a:t>
-            </a:r>
-            <a:r>
-              <a:rPr lang="pt-BR" dirty="0">
-                <a:solidFill>
-                  <a:schemeClr val="bg1">
-                    <a:lumMod val="75000"/>
-                  </a:schemeClr>
-                </a:solidFill>
-              </a:rPr>
-              <a:t> draft of </a:t>
-            </a:r>
-            <a:r>
-              <a:rPr lang="pt-BR" b="1" dirty="0">
-                <a:solidFill>
-                  <a:schemeClr val="bg1">
-                    <a:lumMod val="75000"/>
-                  </a:schemeClr>
-                </a:solidFill>
-              </a:rPr>
-              <a:t>abstract</a:t>
-            </a:r>
-            <a:r>
-              <a:rPr lang="pt-BR" dirty="0">
-                <a:solidFill>
-                  <a:schemeClr val="bg1">
-                    <a:lumMod val="75000"/>
-                  </a:schemeClr>
-                </a:solidFill>
-              </a:rPr>
-              <a:t> (Friday, 4.12)</a:t>
-            </a:r>
-          </a:p>
-          <a:p>
-            <a:pPr marL="457200" indent="-457200">
-              <a:buFont typeface="+mj-lt"/>
-              <a:buAutoNum type="arabicPeriod"/>
-            </a:pPr>
-            <a:r>
-              <a:rPr lang="pt-BR" dirty="0" err="1">
-                <a:solidFill>
-                  <a:schemeClr val="bg1">
-                    <a:lumMod val="75000"/>
-                  </a:schemeClr>
-                </a:solidFill>
-              </a:rPr>
-              <a:t>Predictions</a:t>
-            </a:r>
-            <a:r>
-              <a:rPr lang="pt-BR" dirty="0">
-                <a:solidFill>
-                  <a:schemeClr val="bg1">
-                    <a:lumMod val="75000"/>
-                  </a:schemeClr>
-                </a:solidFill>
-              </a:rPr>
-              <a:t> </a:t>
-            </a:r>
-            <a:r>
-              <a:rPr lang="pt-BR" dirty="0" err="1">
-                <a:solidFill>
-                  <a:schemeClr val="bg1">
-                    <a:lumMod val="75000"/>
-                  </a:schemeClr>
-                </a:solidFill>
-              </a:rPr>
-              <a:t>using</a:t>
-            </a:r>
-            <a:r>
-              <a:rPr lang="pt-BR" dirty="0">
-                <a:solidFill>
-                  <a:schemeClr val="bg1">
-                    <a:lumMod val="75000"/>
-                  </a:schemeClr>
-                </a:solidFill>
-              </a:rPr>
-              <a:t> </a:t>
-            </a:r>
-            <a:r>
-              <a:rPr lang="pt-BR" dirty="0" err="1">
-                <a:solidFill>
-                  <a:schemeClr val="bg1">
-                    <a:lumMod val="75000"/>
-                  </a:schemeClr>
-                </a:solidFill>
-              </a:rPr>
-              <a:t>traditional</a:t>
-            </a:r>
-            <a:r>
-              <a:rPr lang="pt-BR" dirty="0">
-                <a:solidFill>
-                  <a:schemeClr val="bg1">
-                    <a:lumMod val="75000"/>
-                  </a:schemeClr>
-                </a:solidFill>
-              </a:rPr>
-              <a:t> </a:t>
-            </a:r>
-            <a:r>
-              <a:rPr lang="pt-BR" dirty="0" err="1">
-                <a:solidFill>
-                  <a:schemeClr val="bg1">
-                    <a:lumMod val="75000"/>
-                  </a:schemeClr>
-                </a:solidFill>
-              </a:rPr>
-              <a:t>method</a:t>
-            </a:r>
-            <a:r>
-              <a:rPr lang="pt-BR" dirty="0">
-                <a:solidFill>
-                  <a:schemeClr val="bg1">
-                    <a:lumMod val="75000"/>
-                  </a:schemeClr>
-                </a:solidFill>
-              </a:rPr>
-              <a:t> (</a:t>
-            </a:r>
-            <a:r>
-              <a:rPr lang="pt-BR" dirty="0" err="1">
-                <a:solidFill>
-                  <a:schemeClr val="bg1">
-                    <a:lumMod val="75000"/>
-                  </a:schemeClr>
-                </a:solidFill>
-              </a:rPr>
-              <a:t>Wednesday</a:t>
-            </a:r>
-            <a:r>
-              <a:rPr lang="pt-BR" dirty="0">
-                <a:solidFill>
-                  <a:schemeClr val="bg1">
-                    <a:lumMod val="75000"/>
-                  </a:schemeClr>
-                </a:solidFill>
-              </a:rPr>
-              <a:t>, 9.12)</a:t>
-            </a:r>
-          </a:p>
-          <a:p>
-            <a:pPr marL="584194" lvl="1" indent="-342900">
-              <a:buFont typeface="Arial" panose="020B0604020202020204" pitchFamily="34" charset="0"/>
-              <a:buChar char="•"/>
-            </a:pPr>
-            <a:r>
-              <a:rPr lang="pt-BR" dirty="0" err="1">
-                <a:solidFill>
-                  <a:schemeClr val="bg1">
-                    <a:lumMod val="75000"/>
-                  </a:schemeClr>
-                </a:solidFill>
-              </a:rPr>
-              <a:t>Any</a:t>
-            </a:r>
-            <a:r>
-              <a:rPr lang="pt-BR" dirty="0">
-                <a:solidFill>
-                  <a:schemeClr val="bg1">
-                    <a:lumMod val="75000"/>
-                  </a:schemeClr>
-                </a:solidFill>
-              </a:rPr>
-              <a:t> </a:t>
-            </a:r>
-            <a:r>
-              <a:rPr lang="pt-BR" dirty="0" err="1">
-                <a:solidFill>
-                  <a:schemeClr val="bg1">
-                    <a:lumMod val="75000"/>
-                  </a:schemeClr>
-                </a:solidFill>
-              </a:rPr>
-              <a:t>two</a:t>
-            </a:r>
-            <a:r>
-              <a:rPr lang="pt-BR" dirty="0">
-                <a:solidFill>
-                  <a:schemeClr val="bg1">
-                    <a:lumMod val="75000"/>
-                  </a:schemeClr>
-                </a:solidFill>
-              </a:rPr>
-              <a:t> </a:t>
-            </a:r>
-            <a:r>
-              <a:rPr lang="pt-BR" dirty="0" err="1">
-                <a:solidFill>
-                  <a:schemeClr val="bg1">
-                    <a:lumMod val="75000"/>
-                  </a:schemeClr>
-                </a:solidFill>
-              </a:rPr>
-              <a:t>methods</a:t>
-            </a:r>
-            <a:r>
-              <a:rPr lang="pt-BR" dirty="0">
-                <a:solidFill>
-                  <a:schemeClr val="bg1">
-                    <a:lumMod val="75000"/>
-                  </a:schemeClr>
-                </a:solidFill>
-              </a:rPr>
-              <a:t> of </a:t>
-            </a:r>
-            <a:r>
-              <a:rPr lang="pt-BR" dirty="0" err="1">
-                <a:solidFill>
-                  <a:schemeClr val="bg1">
-                    <a:lumMod val="75000"/>
-                  </a:schemeClr>
-                </a:solidFill>
-              </a:rPr>
-              <a:t>your</a:t>
-            </a:r>
-            <a:r>
-              <a:rPr lang="pt-BR" dirty="0">
-                <a:solidFill>
-                  <a:schemeClr val="bg1">
-                    <a:lumMod val="75000"/>
-                  </a:schemeClr>
-                </a:solidFill>
-              </a:rPr>
-              <a:t> </a:t>
-            </a:r>
-            <a:r>
-              <a:rPr lang="pt-BR" dirty="0" err="1">
-                <a:solidFill>
-                  <a:schemeClr val="bg1">
-                    <a:lumMod val="75000"/>
-                  </a:schemeClr>
-                </a:solidFill>
-              </a:rPr>
-              <a:t>choice</a:t>
-            </a:r>
-            <a:endParaRPr lang="pt-BR" dirty="0">
-              <a:solidFill>
-                <a:schemeClr val="bg1">
-                  <a:lumMod val="75000"/>
-                </a:schemeClr>
-              </a:solidFill>
-            </a:endParaRPr>
-          </a:p>
-          <a:p>
-            <a:pPr marL="457200" indent="-457200">
-              <a:buFont typeface="+mj-lt"/>
-              <a:buAutoNum type="arabicPeriod"/>
-            </a:pPr>
-            <a:r>
-              <a:rPr lang="pt-BR" dirty="0" err="1">
-                <a:solidFill>
-                  <a:schemeClr val="bg1">
-                    <a:lumMod val="75000"/>
-                  </a:schemeClr>
-                </a:solidFill>
-              </a:rPr>
-              <a:t>Related</a:t>
-            </a:r>
-            <a:r>
-              <a:rPr lang="pt-BR" dirty="0">
-                <a:solidFill>
-                  <a:schemeClr val="bg1">
-                    <a:lumMod val="75000"/>
-                  </a:schemeClr>
-                </a:solidFill>
-              </a:rPr>
-              <a:t> </a:t>
-            </a:r>
-            <a:r>
-              <a:rPr lang="pt-BR" dirty="0" err="1">
-                <a:solidFill>
-                  <a:schemeClr val="bg1">
-                    <a:lumMod val="75000"/>
-                  </a:schemeClr>
-                </a:solidFill>
-              </a:rPr>
-              <a:t>work</a:t>
-            </a:r>
-            <a:r>
-              <a:rPr lang="pt-BR" dirty="0">
-                <a:solidFill>
-                  <a:schemeClr val="bg1">
-                    <a:lumMod val="75000"/>
-                  </a:schemeClr>
-                </a:solidFill>
-              </a:rPr>
-              <a:t> draft (Friday, 11.12)</a:t>
-            </a:r>
-          </a:p>
-          <a:p>
-            <a:pPr marL="457200" indent="-457200">
-              <a:buFont typeface="+mj-lt"/>
-              <a:buAutoNum type="arabicPeriod"/>
-            </a:pPr>
-            <a:r>
-              <a:rPr lang="pt-BR" dirty="0"/>
-              <a:t>Node and </a:t>
-            </a:r>
-            <a:r>
-              <a:rPr lang="pt-BR" dirty="0" err="1"/>
-              <a:t>Graph</a:t>
-            </a:r>
-            <a:r>
-              <a:rPr lang="pt-BR" dirty="0"/>
-              <a:t> </a:t>
-            </a:r>
-            <a:r>
-              <a:rPr lang="pt-BR" dirty="0" err="1"/>
-              <a:t>Feature</a:t>
-            </a:r>
-            <a:r>
-              <a:rPr lang="pt-BR" dirty="0"/>
-              <a:t> Learning (</a:t>
-            </a:r>
-            <a:r>
-              <a:rPr lang="pt-BR" dirty="0" err="1"/>
-              <a:t>Wednesday</a:t>
-            </a:r>
-            <a:r>
-              <a:rPr lang="pt-BR" dirty="0"/>
-              <a:t>, 16.12) </a:t>
-            </a:r>
-          </a:p>
-          <a:p>
-            <a:pPr marL="698494" lvl="1" indent="-457200">
-              <a:buFont typeface="Arial" panose="020B0604020202020204" pitchFamily="34" charset="0"/>
-              <a:buChar char="•"/>
-            </a:pPr>
-            <a:r>
-              <a:rPr lang="pt-BR" dirty="0" err="1"/>
-              <a:t>Any</a:t>
-            </a:r>
-            <a:r>
-              <a:rPr lang="pt-BR" dirty="0"/>
-              <a:t> </a:t>
-            </a:r>
-            <a:r>
-              <a:rPr lang="pt-BR" dirty="0" err="1"/>
-              <a:t>two</a:t>
-            </a:r>
-            <a:r>
-              <a:rPr lang="pt-BR" dirty="0"/>
-              <a:t> </a:t>
-            </a:r>
-            <a:r>
-              <a:rPr lang="pt-BR" dirty="0" err="1"/>
-              <a:t>methods</a:t>
-            </a:r>
-            <a:r>
-              <a:rPr lang="pt-BR" dirty="0"/>
-              <a:t> of </a:t>
-            </a:r>
-            <a:r>
-              <a:rPr lang="pt-BR" dirty="0" err="1"/>
-              <a:t>your</a:t>
-            </a:r>
-            <a:r>
-              <a:rPr lang="pt-BR" dirty="0"/>
-              <a:t> </a:t>
-            </a:r>
-            <a:r>
-              <a:rPr lang="pt-BR" dirty="0" err="1"/>
-              <a:t>choice</a:t>
-            </a:r>
-            <a:endParaRPr lang="pt-BR" dirty="0"/>
-          </a:p>
-          <a:p>
-            <a:pPr marL="457200" indent="-457200">
-              <a:buFont typeface="+mj-lt"/>
-              <a:buAutoNum type="arabicPeriod"/>
-            </a:pPr>
-            <a:r>
-              <a:rPr lang="pt-BR" dirty="0"/>
-              <a:t>Design </a:t>
-            </a:r>
-            <a:r>
-              <a:rPr lang="pt-BR" dirty="0" err="1"/>
-              <a:t>alternative</a:t>
-            </a:r>
-            <a:r>
-              <a:rPr lang="pt-BR" dirty="0"/>
-              <a:t> pipelines for </a:t>
-            </a:r>
-            <a:r>
-              <a:rPr lang="pt-BR" dirty="0" err="1"/>
-              <a:t>your</a:t>
-            </a:r>
-            <a:r>
-              <a:rPr lang="pt-BR" dirty="0"/>
-              <a:t> GNN (</a:t>
-            </a:r>
-            <a:r>
-              <a:rPr lang="pt-BR" dirty="0" err="1"/>
-              <a:t>Wednesday</a:t>
-            </a:r>
-            <a:r>
-              <a:rPr lang="pt-BR" dirty="0"/>
-              <a:t>, 06.01)</a:t>
-            </a:r>
-          </a:p>
-          <a:p>
-            <a:pPr marL="584194" lvl="1" indent="-342900">
-              <a:buFont typeface="Arial" panose="020B0604020202020204" pitchFamily="34" charset="0"/>
-              <a:buChar char="•"/>
-            </a:pPr>
-            <a:r>
-              <a:rPr lang="pt-BR" dirty="0" err="1"/>
-              <a:t>Three</a:t>
-            </a:r>
-            <a:r>
-              <a:rPr lang="pt-BR" dirty="0"/>
-              <a:t> </a:t>
-            </a:r>
-            <a:r>
-              <a:rPr lang="pt-BR" dirty="0" err="1"/>
-              <a:t>alternative</a:t>
-            </a:r>
-            <a:r>
-              <a:rPr lang="pt-BR" dirty="0"/>
-              <a:t> </a:t>
-            </a:r>
-            <a:r>
-              <a:rPr lang="pt-BR" dirty="0" err="1"/>
-              <a:t>with</a:t>
-            </a:r>
-            <a:r>
-              <a:rPr lang="pt-BR" dirty="0"/>
-              <a:t> different </a:t>
-            </a:r>
-            <a:r>
-              <a:rPr lang="pt-BR" dirty="0" err="1"/>
-              <a:t>options</a:t>
-            </a:r>
-            <a:r>
-              <a:rPr lang="pt-BR" dirty="0"/>
-              <a:t> for </a:t>
-            </a:r>
-            <a:r>
-              <a:rPr lang="pt-BR" dirty="0" err="1"/>
-              <a:t>embedding</a:t>
-            </a:r>
-            <a:r>
-              <a:rPr lang="pt-BR" dirty="0"/>
-              <a:t>, </a:t>
-            </a:r>
-            <a:r>
-              <a:rPr lang="pt-BR" dirty="0" err="1"/>
-              <a:t>aggregation</a:t>
-            </a:r>
-            <a:r>
-              <a:rPr lang="pt-BR" dirty="0"/>
-              <a:t>, and </a:t>
-            </a:r>
-            <a:r>
-              <a:rPr lang="pt-BR" dirty="0" err="1"/>
-              <a:t>enconding</a:t>
-            </a:r>
-            <a:endParaRPr lang="pt-BR" dirty="0"/>
-          </a:p>
-          <a:p>
-            <a:pPr marL="584194" lvl="1" indent="-342900">
-              <a:buFont typeface="Arial" panose="020B0604020202020204" pitchFamily="34" charset="0"/>
-              <a:buChar char="•"/>
-            </a:pPr>
-            <a:r>
-              <a:rPr lang="pt-BR" dirty="0"/>
-              <a:t>Test at </a:t>
-            </a:r>
-            <a:r>
-              <a:rPr lang="pt-BR" dirty="0" err="1"/>
-              <a:t>least</a:t>
-            </a:r>
-            <a:r>
-              <a:rPr lang="pt-BR" dirty="0"/>
-              <a:t> </a:t>
-            </a:r>
-            <a:r>
-              <a:rPr lang="pt-BR" dirty="0" err="1"/>
-              <a:t>one</a:t>
-            </a:r>
-            <a:r>
-              <a:rPr lang="pt-BR" dirty="0"/>
-              <a:t>.</a:t>
-            </a:r>
-            <a:endParaRPr lang="en-US" dirty="0"/>
-          </a:p>
-        </p:txBody>
-      </p:sp>
-      <p:sp>
-        <p:nvSpPr>
-          <p:cNvPr id="4" name="Slide Number Placeholder 3">
-            <a:extLst>
-              <a:ext uri="{FF2B5EF4-FFF2-40B4-BE49-F238E27FC236}">
-                <a16:creationId xmlns:a16="http://schemas.microsoft.com/office/drawing/2014/main" id="{2544D838-EB3D-4D0D-822F-FD7D93CBEE71}"/>
-              </a:ext>
-            </a:extLst>
-          </p:cNvPr>
-          <p:cNvSpPr>
-            <a:spLocks noGrp="1"/>
-          </p:cNvSpPr>
-          <p:nvPr>
-            <p:ph type="sldNum" sz="quarter" idx="12"/>
-          </p:nvPr>
-        </p:nvSpPr>
-        <p:spPr/>
-        <p:txBody>
-          <a:bodyPr/>
-          <a:lstStyle/>
-          <a:p>
-            <a:fld id="{81561042-0DC2-4A04-AA50-F6D44EB20EBA}" type="slidenum">
-              <a:rPr lang="en-US" smtClean="0"/>
-              <a:t>15</a:t>
-            </a:fld>
-            <a:endParaRPr lang="en-US"/>
-          </a:p>
-        </p:txBody>
-      </p:sp>
-    </p:spTree>
-    <p:extLst>
-      <p:ext uri="{BB962C8B-B14F-4D97-AF65-F5344CB8AC3E}">
-        <p14:creationId xmlns:p14="http://schemas.microsoft.com/office/powerpoint/2010/main" val="1017585204"/>
-      </p:ext>
-    </p:extLst>
-  </p:cSld>
-  <p:clrMapOvr>
-    <a:masterClrMapping/>
-  </p:clrMapOvr>
-</p:sld>
-</file>
-
-<file path=ppt/slides/slide16.xml><?xml version="1.0" encoding="utf-8"?>
-<p:sld xmlns:a="http://schemas.openxmlformats.org/drawingml/2006/main" xmlns:r="http://schemas.openxmlformats.org/officeDocument/2006/relationships" xmlns:p="http://schemas.openxmlformats.org/presentationml/2006/main">
-  <p:cSld>
-    <p:spTree>
-      <p:nvGrpSpPr>
-        <p:cNvPr id="1" name=""/>
-        <p:cNvGrpSpPr/>
-        <p:nvPr/>
-      </p:nvGrpSpPr>
-      <p:grpSpPr>
-        <a:xfrm>
-          <a:off x="0" y="0"/>
-          <a:ext cx="0" cy="0"/>
-          <a:chOff x="0" y="0"/>
-          <a:chExt cx="0" cy="0"/>
-        </a:xfrm>
-      </p:grpSpPr>
-      <p:sp>
-        <p:nvSpPr>
-          <p:cNvPr id="4" name="Title 3">
-            <a:extLst>
-              <a:ext uri="{FF2B5EF4-FFF2-40B4-BE49-F238E27FC236}">
-                <a16:creationId xmlns:a16="http://schemas.microsoft.com/office/drawing/2014/main" id="{E7EBB6C5-1871-444B-AD84-356DE1BC2905}"/>
-              </a:ext>
-            </a:extLst>
-          </p:cNvPr>
-          <p:cNvSpPr>
-            <a:spLocks noGrp="1"/>
-          </p:cNvSpPr>
-          <p:nvPr>
-            <p:ph type="ctrTitle"/>
-          </p:nvPr>
-        </p:nvSpPr>
-        <p:spPr>
-          <a:xfrm>
-            <a:off x="478368" y="4656578"/>
-            <a:ext cx="11228913" cy="1001364"/>
-          </a:xfrm>
-          <a:noFill/>
-        </p:spPr>
-        <p:txBody>
-          <a:bodyPr/>
-          <a:lstStyle/>
-          <a:p>
-            <a:r>
-              <a:rPr lang="en-US" dirty="0"/>
-              <a:t>END</a:t>
-            </a:r>
-          </a:p>
-        </p:txBody>
-      </p:sp>
-    </p:spTree>
-    <p:extLst>
-      <p:ext uri="{BB962C8B-B14F-4D97-AF65-F5344CB8AC3E}">
-        <p14:creationId xmlns:p14="http://schemas.microsoft.com/office/powerpoint/2010/main" val="3752993035"/>
-      </p:ext>
-    </p:extLst>
-  </p:cSld>
-  <p:clrMapOvr>
-    <a:masterClrMapping/>
-  </p:clrMapOvr>
-  <p:transition spd="slow">
-    <p:wipe dir="d"/>
-  </p:transition>
-</p:sld>
-</file>
-
-<file path=ppt/slides/slide2.xml><?xml version="1.0" encoding="utf-8"?>
-<p:sld xmlns:a="http://schemas.openxmlformats.org/drawingml/2006/main" xmlns:r="http://schemas.openxmlformats.org/officeDocument/2006/relationships" xmlns:p="http://schemas.openxmlformats.org/presentationml/2006/main">
-  <p:cSld>
-    <p:spTree>
-      <p:nvGrpSpPr>
-        <p:cNvPr id="1" name=""/>
-        <p:cNvGrpSpPr/>
-        <p:nvPr/>
-      </p:nvGrpSpPr>
-      <p:grpSpPr>
-        <a:xfrm>
-          <a:off x="0" y="0"/>
-          <a:ext cx="0" cy="0"/>
-          <a:chOff x="0" y="0"/>
-          <a:chExt cx="0" cy="0"/>
-        </a:xfrm>
-      </p:grpSpPr>
-      <p:sp>
-        <p:nvSpPr>
-          <p:cNvPr id="2" name="Title 1">
-            <a:extLst>
-              <a:ext uri="{FF2B5EF4-FFF2-40B4-BE49-F238E27FC236}">
-                <a16:creationId xmlns:a16="http://schemas.microsoft.com/office/drawing/2014/main" id="{3A57E864-B173-4806-ACB5-2D6326A4CBB3}"/>
-              </a:ext>
-            </a:extLst>
-          </p:cNvPr>
-          <p:cNvSpPr>
-            <a:spLocks noGrp="1"/>
-          </p:cNvSpPr>
-          <p:nvPr>
-            <p:ph type="title"/>
-          </p:nvPr>
-        </p:nvSpPr>
-        <p:spPr/>
-        <p:txBody>
-          <a:bodyPr/>
-          <a:lstStyle/>
-          <a:p>
-            <a:r>
-              <a:rPr lang="en-US" dirty="0"/>
-              <a:t>Time in Networks</a:t>
-            </a:r>
-          </a:p>
-        </p:txBody>
-      </p:sp>
-      <p:sp>
-        <p:nvSpPr>
-          <p:cNvPr id="3" name="Content Placeholder 2">
-            <a:extLst>
-              <a:ext uri="{FF2B5EF4-FFF2-40B4-BE49-F238E27FC236}">
-                <a16:creationId xmlns:a16="http://schemas.microsoft.com/office/drawing/2014/main" id="{091D05FD-8ED4-4A07-9E04-AC3BEAD11435}"/>
-              </a:ext>
-            </a:extLst>
-          </p:cNvPr>
-          <p:cNvSpPr>
-            <a:spLocks noGrp="1"/>
-          </p:cNvSpPr>
-          <p:nvPr>
-            <p:ph idx="1"/>
-          </p:nvPr>
-        </p:nvSpPr>
-        <p:spPr>
-          <a:xfrm>
-            <a:off x="478369" y="1213308"/>
-            <a:ext cx="7037128" cy="1655838"/>
-          </a:xfrm>
-        </p:spPr>
-        <p:txBody>
-          <a:bodyPr/>
-          <a:lstStyle/>
-          <a:p>
-            <a:r>
-              <a:rPr lang="en-US" dirty="0"/>
-              <a:t>Nodes and edges of certain networks change over time</a:t>
-            </a:r>
-          </a:p>
-          <a:p>
-            <a:pPr marL="342900" indent="-342900">
-              <a:buFont typeface="Arial" panose="020B0604020202020204" pitchFamily="34" charset="0"/>
-              <a:buChar char="•"/>
-            </a:pPr>
-            <a:r>
-              <a:rPr lang="en-US" dirty="0"/>
-              <a:t>Twitter </a:t>
-            </a:r>
-          </a:p>
-          <a:p>
-            <a:pPr marL="342900" indent="-342900">
-              <a:buFont typeface="Arial" panose="020B0604020202020204" pitchFamily="34" charset="0"/>
-              <a:buChar char="•"/>
-            </a:pPr>
-            <a:r>
-              <a:rPr lang="en-US" dirty="0"/>
-              <a:t>News Comments</a:t>
-            </a:r>
-          </a:p>
-          <a:p>
-            <a:pPr marL="342900" indent="-342900">
-              <a:buFont typeface="Arial" panose="020B0604020202020204" pitchFamily="34" charset="0"/>
-              <a:buChar char="•"/>
-            </a:pPr>
-            <a:r>
-              <a:rPr lang="en-US" dirty="0"/>
-              <a:t>Traffic</a:t>
-            </a:r>
-          </a:p>
-        </p:txBody>
-      </p:sp>
-      <p:sp>
-        <p:nvSpPr>
-          <p:cNvPr id="4" name="Slide Number Placeholder 3">
-            <a:extLst>
-              <a:ext uri="{FF2B5EF4-FFF2-40B4-BE49-F238E27FC236}">
-                <a16:creationId xmlns:a16="http://schemas.microsoft.com/office/drawing/2014/main" id="{5D4BB899-6023-4410-A9E5-CAC9AE323ADD}"/>
-              </a:ext>
-            </a:extLst>
-          </p:cNvPr>
-          <p:cNvSpPr>
-            <a:spLocks noGrp="1"/>
-          </p:cNvSpPr>
-          <p:nvPr>
-            <p:ph type="sldNum" sz="quarter" idx="12"/>
-          </p:nvPr>
-        </p:nvSpPr>
-        <p:spPr/>
-        <p:txBody>
-          <a:bodyPr/>
-          <a:lstStyle/>
-          <a:p>
-            <a:fld id="{81561042-0DC2-4A04-AA50-F6D44EB20EBA}" type="slidenum">
-              <a:rPr lang="en-US" smtClean="0"/>
-              <a:t>2</a:t>
-            </a:fld>
-            <a:endParaRPr lang="en-US"/>
-          </a:p>
-        </p:txBody>
-      </p:sp>
-      <p:sp>
-        <p:nvSpPr>
-          <p:cNvPr id="5" name="Rectangle 4">
-            <a:extLst>
-              <a:ext uri="{FF2B5EF4-FFF2-40B4-BE49-F238E27FC236}">
-                <a16:creationId xmlns:a16="http://schemas.microsoft.com/office/drawing/2014/main" id="{E31E0BBA-1EE2-44B1-ADF6-D2DB74972B6C}"/>
-              </a:ext>
-            </a:extLst>
-          </p:cNvPr>
-          <p:cNvSpPr/>
-          <p:nvPr/>
-        </p:nvSpPr>
-        <p:spPr bwMode="gray">
-          <a:xfrm>
-            <a:off x="7515497" y="2290119"/>
-            <a:ext cx="3152503" cy="2702011"/>
-          </a:xfrm>
-          <a:prstGeom prst="rect">
-            <a:avLst/>
-          </a:prstGeom>
-          <a:ln>
-            <a:noFill/>
-          </a:ln>
-        </p:spPr>
-        <p:style>
-          <a:lnRef idx="2">
-            <a:schemeClr val="accent1">
-              <a:shade val="50000"/>
-            </a:schemeClr>
-          </a:lnRef>
-          <a:fillRef idx="1">
-            <a:schemeClr val="accent1"/>
-          </a:fillRef>
-          <a:effectRef idx="0">
-            <a:schemeClr val="accent1"/>
-          </a:effectRef>
-          <a:fontRef idx="minor">
-            <a:schemeClr val="lt1"/>
-          </a:fontRef>
-        </p:style>
-        <p:txBody>
-          <a:bodyPr rot="0" spcFirstLastPara="0" vertOverflow="overflow" horzOverflow="overflow" vert="horz" wrap="square" lIns="108000" tIns="72000" rIns="108000" bIns="72000" numCol="1" spcCol="0" rtlCol="0" fromWordArt="0" anchor="ctr" anchorCtr="0" forceAA="0" compatLnSpc="1">
-            <a:prstTxWarp prst="textNoShape">
-              <a:avLst/>
-            </a:prstTxWarp>
-            <a:noAutofit/>
-          </a:bodyPr>
-          <a:lstStyle/>
-          <a:p>
-            <a:pPr algn="ctr">
-              <a:spcBef>
-                <a:spcPts val="300"/>
-              </a:spcBef>
-              <a:spcAft>
-                <a:spcPts val="300"/>
-              </a:spcAft>
-            </a:pPr>
-            <a:r>
-              <a:rPr lang="en-US" sz="1200" b="1" dirty="0">
-                <a:solidFill>
-                  <a:schemeClr val="bg1"/>
-                </a:solidFill>
-              </a:rPr>
-              <a:t>Graphical Examples</a:t>
-            </a:r>
-          </a:p>
-        </p:txBody>
-      </p:sp>
-    </p:spTree>
-    <p:extLst>
-      <p:ext uri="{BB962C8B-B14F-4D97-AF65-F5344CB8AC3E}">
-        <p14:creationId xmlns:p14="http://schemas.microsoft.com/office/powerpoint/2010/main" val="2336785586"/>
-      </p:ext>
-    </p:extLst>
-  </p:cSld>
-  <p:clrMapOvr>
-    <a:masterClrMapping/>
-  </p:clrMapOvr>
-</p:sld>
-</file>
-
-<file path=ppt/slides/slide3.xml><?xml version="1.0" encoding="utf-8"?>
-<p:sld xmlns:a="http://schemas.openxmlformats.org/drawingml/2006/main" xmlns:r="http://schemas.openxmlformats.org/officeDocument/2006/relationships" xmlns:p="http://schemas.openxmlformats.org/presentationml/2006/main">
-  <p:cSld>
-    <p:spTree>
-      <p:nvGrpSpPr>
-        <p:cNvPr id="1" name=""/>
-        <p:cNvGrpSpPr/>
-        <p:nvPr/>
-      </p:nvGrpSpPr>
-      <p:grpSpPr>
-        <a:xfrm>
-          <a:off x="0" y="0"/>
-          <a:ext cx="0" cy="0"/>
-          <a:chOff x="0" y="0"/>
-          <a:chExt cx="0" cy="0"/>
-        </a:xfrm>
-      </p:grpSpPr>
-      <p:sp>
-        <p:nvSpPr>
-          <p:cNvPr id="9" name="Rectangle 8">
-            <a:extLst>
-              <a:ext uri="{FF2B5EF4-FFF2-40B4-BE49-F238E27FC236}">
-                <a16:creationId xmlns:a16="http://schemas.microsoft.com/office/drawing/2014/main" id="{9B6E955B-A4CD-456E-8D9C-AABAFDACD721}"/>
-              </a:ext>
-            </a:extLst>
-          </p:cNvPr>
-          <p:cNvSpPr/>
-          <p:nvPr/>
-        </p:nvSpPr>
-        <p:spPr bwMode="gray">
-          <a:xfrm>
-            <a:off x="43179" y="2701255"/>
-            <a:ext cx="12192000" cy="2766494"/>
-          </a:xfrm>
-          <a:prstGeom prst="rect">
-            <a:avLst/>
-          </a:prstGeom>
-          <a:solidFill>
-            <a:srgbClr val="B1063A">
-              <a:alpha val="5098"/>
-            </a:srgbClr>
-          </a:solidFill>
-          <a:ln>
-            <a:noFill/>
-          </a:ln>
-        </p:spPr>
-        <p:style>
-          <a:lnRef idx="2">
-            <a:schemeClr val="accent1">
-              <a:shade val="50000"/>
-            </a:schemeClr>
-          </a:lnRef>
-          <a:fillRef idx="1">
-            <a:schemeClr val="accent1"/>
-          </a:fillRef>
-          <a:effectRef idx="0">
-            <a:schemeClr val="accent1"/>
-          </a:effectRef>
-          <a:fontRef idx="minor">
-            <a:schemeClr val="lt1"/>
-          </a:fontRef>
-        </p:style>
-        <p:txBody>
-          <a:bodyPr rot="0" spcFirstLastPara="0" vertOverflow="overflow" horzOverflow="overflow" vert="horz" wrap="square" lIns="108000" tIns="72000" rIns="108000" bIns="72000" numCol="1" spcCol="0" rtlCol="0" fromWordArt="0" anchor="ctr" anchorCtr="0" forceAA="0" compatLnSpc="1">
-            <a:prstTxWarp prst="textNoShape">
-              <a:avLst/>
-            </a:prstTxWarp>
-            <a:noAutofit/>
-          </a:bodyPr>
-          <a:lstStyle/>
-          <a:p>
-            <a:pPr algn="ctr">
-              <a:spcBef>
-                <a:spcPts val="300"/>
-              </a:spcBef>
-              <a:spcAft>
-                <a:spcPts val="300"/>
-              </a:spcAft>
-            </a:pPr>
-            <a:endParaRPr lang="en-US" sz="1200" b="1" dirty="0" err="1">
-              <a:solidFill>
-                <a:schemeClr val="bg1"/>
-              </a:solidFill>
-            </a:endParaRPr>
-          </a:p>
-        </p:txBody>
-      </p:sp>
-      <p:sp>
-        <p:nvSpPr>
-          <p:cNvPr id="2" name="Title 1">
-            <a:extLst>
-              <a:ext uri="{FF2B5EF4-FFF2-40B4-BE49-F238E27FC236}">
-                <a16:creationId xmlns:a16="http://schemas.microsoft.com/office/drawing/2014/main" id="{D4FB387A-9B0D-46E0-8B44-4DB9E61D2743}"/>
-              </a:ext>
-            </a:extLst>
-          </p:cNvPr>
-          <p:cNvSpPr>
-            <a:spLocks noGrp="1"/>
-          </p:cNvSpPr>
-          <p:nvPr>
-            <p:ph type="title"/>
-          </p:nvPr>
-        </p:nvSpPr>
-        <p:spPr>
-          <a:xfrm>
-            <a:off x="478369" y="144001"/>
-            <a:ext cx="9169401" cy="555840"/>
-          </a:xfrm>
-        </p:spPr>
-        <p:txBody>
-          <a:bodyPr/>
-          <a:lstStyle/>
-          <a:p>
-            <a:r>
-              <a:rPr lang="en-US" dirty="0"/>
-              <a:t>Quick recap – Where are we now?</a:t>
-            </a:r>
-          </a:p>
-        </p:txBody>
-      </p:sp>
-      <p:sp>
-        <p:nvSpPr>
-          <p:cNvPr id="4" name="Slide Number Placeholder 3">
-            <a:extLst>
-              <a:ext uri="{FF2B5EF4-FFF2-40B4-BE49-F238E27FC236}">
-                <a16:creationId xmlns:a16="http://schemas.microsoft.com/office/drawing/2014/main" id="{25FE8E0B-DE42-418B-8913-D8A19537F305}"/>
-              </a:ext>
-            </a:extLst>
-          </p:cNvPr>
-          <p:cNvSpPr>
-            <a:spLocks noGrp="1"/>
-          </p:cNvSpPr>
-          <p:nvPr>
-            <p:ph type="sldNum" sz="quarter" idx="12"/>
-          </p:nvPr>
-        </p:nvSpPr>
-        <p:spPr/>
-        <p:txBody>
-          <a:bodyPr/>
-          <a:lstStyle/>
-          <a:p>
-            <a:fld id="{81561042-0DC2-4A04-AA50-F6D44EB20EBA}" type="slidenum">
-              <a:rPr lang="en-US" smtClean="0"/>
-              <a:t>3</a:t>
-            </a:fld>
-            <a:endParaRPr lang="en-US"/>
-          </a:p>
-        </p:txBody>
-      </p:sp>
-      <p:sp>
-        <p:nvSpPr>
-          <p:cNvPr id="19" name="TextBox 18">
-            <a:extLst>
-              <a:ext uri="{FF2B5EF4-FFF2-40B4-BE49-F238E27FC236}">
-                <a16:creationId xmlns:a16="http://schemas.microsoft.com/office/drawing/2014/main" id="{B532401A-49B6-4950-A4BC-A253D9A84CD8}"/>
-              </a:ext>
-            </a:extLst>
-          </p:cNvPr>
-          <p:cNvSpPr txBox="1"/>
-          <p:nvPr/>
-        </p:nvSpPr>
-        <p:spPr bwMode="gray">
-          <a:xfrm>
-            <a:off x="306841" y="870148"/>
-            <a:ext cx="5564274" cy="6684266"/>
-          </a:xfrm>
-          <a:prstGeom prst="rect">
-            <a:avLst/>
-          </a:prstGeom>
-          <a:noFill/>
-        </p:spPr>
-        <p:txBody>
-          <a:bodyPr wrap="square">
-            <a:spAutoFit/>
-          </a:bodyPr>
-          <a:lstStyle/>
-          <a:p>
-            <a:pPr marL="342900" indent="-342900">
-              <a:lnSpc>
-                <a:spcPct val="150000"/>
-              </a:lnSpc>
-              <a:buFont typeface="+mj-lt"/>
-              <a:buAutoNum type="arabicPeriod"/>
-            </a:pPr>
-            <a:r>
-              <a:rPr lang="en-US" i="0" dirty="0">
-                <a:solidFill>
-                  <a:srgbClr val="222222"/>
-                </a:solidFill>
-                <a:effectLst/>
-                <a:latin typeface="+mj-lt"/>
-              </a:rPr>
-              <a:t>Graph Metr</a:t>
-            </a:r>
-            <a:r>
-              <a:rPr lang="en-US" dirty="0">
-                <a:solidFill>
-                  <a:srgbClr val="222222"/>
-                </a:solidFill>
-                <a:latin typeface="+mj-lt"/>
-              </a:rPr>
-              <a:t>ics and Random Models</a:t>
-            </a:r>
-          </a:p>
-          <a:p>
-            <a:pPr marL="342900" indent="-342900">
-              <a:lnSpc>
-                <a:spcPct val="150000"/>
-              </a:lnSpc>
-              <a:buFont typeface="+mj-lt"/>
-              <a:buAutoNum type="arabicPeriod"/>
-            </a:pPr>
-            <a:r>
-              <a:rPr lang="en-US" dirty="0">
-                <a:solidFill>
-                  <a:srgbClr val="222222"/>
-                </a:solidFill>
-                <a:latin typeface="+mj-lt"/>
-              </a:rPr>
-              <a:t>Graph Classification - Clustering</a:t>
-            </a:r>
-          </a:p>
-          <a:p>
-            <a:pPr marL="342900" indent="-342900">
-              <a:lnSpc>
-                <a:spcPct val="150000"/>
-              </a:lnSpc>
-              <a:buFont typeface="+mj-lt"/>
-              <a:buAutoNum type="arabicPeriod"/>
-            </a:pPr>
-            <a:r>
-              <a:rPr lang="en-US" dirty="0">
-                <a:solidFill>
-                  <a:srgbClr val="222222"/>
-                </a:solidFill>
-                <a:latin typeface="+mj-lt"/>
-              </a:rPr>
-              <a:t>Graph Sampling - </a:t>
-            </a:r>
-            <a:r>
-              <a:rPr lang="en-US" i="0" dirty="0">
-                <a:solidFill>
-                  <a:srgbClr val="222222"/>
-                </a:solidFill>
-                <a:effectLst/>
-                <a:latin typeface="+mj-lt"/>
-              </a:rPr>
-              <a:t>Random Walks</a:t>
-            </a:r>
-          </a:p>
-          <a:p>
-            <a:pPr marL="342900" indent="-342900">
-              <a:lnSpc>
-                <a:spcPct val="150000"/>
-              </a:lnSpc>
-              <a:buFont typeface="+mj-lt"/>
-              <a:buAutoNum type="arabicPeriod"/>
-            </a:pPr>
-            <a:r>
-              <a:rPr lang="en-US" dirty="0">
-                <a:solidFill>
-                  <a:srgbClr val="222222"/>
-                </a:solidFill>
-                <a:latin typeface="+mj-lt"/>
-              </a:rPr>
-              <a:t>Graph Embeddings - Message Passing</a:t>
-            </a:r>
-          </a:p>
-          <a:p>
-            <a:pPr marL="342900" indent="-342900">
-              <a:lnSpc>
-                <a:spcPct val="150000"/>
-              </a:lnSpc>
-              <a:buFont typeface="+mj-lt"/>
-              <a:buAutoNum type="arabicPeriod"/>
-            </a:pPr>
-            <a:r>
-              <a:rPr lang="en-US" dirty="0">
-                <a:solidFill>
-                  <a:srgbClr val="222222"/>
-                </a:solidFill>
-                <a:latin typeface="+mj-lt"/>
-              </a:rPr>
-              <a:t>PageRank</a:t>
-            </a:r>
-          </a:p>
-          <a:p>
-            <a:pPr marL="342900" indent="-342900">
-              <a:lnSpc>
-                <a:spcPct val="150000"/>
-              </a:lnSpc>
-              <a:buFont typeface="+mj-lt"/>
-              <a:buAutoNum type="arabicPeriod"/>
-            </a:pPr>
-            <a:r>
-              <a:rPr lang="en-US" dirty="0">
-                <a:solidFill>
-                  <a:srgbClr val="222222"/>
-                </a:solidFill>
-                <a:latin typeface="+mj-lt"/>
-              </a:rPr>
-              <a:t>Graph Structure Learning</a:t>
-            </a:r>
-          </a:p>
-          <a:p>
-            <a:pPr marL="342900" indent="-342900">
-              <a:lnSpc>
-                <a:spcPct val="150000"/>
-              </a:lnSpc>
-              <a:buFont typeface="+mj-lt"/>
-              <a:buAutoNum type="arabicPeriod"/>
-            </a:pPr>
-            <a:r>
-              <a:rPr lang="en-US" dirty="0">
-                <a:solidFill>
-                  <a:srgbClr val="222222"/>
-                </a:solidFill>
-                <a:latin typeface="+mj-lt"/>
-              </a:rPr>
-              <a:t>Graph Convolutional Networks</a:t>
-            </a:r>
-          </a:p>
-          <a:p>
-            <a:pPr marL="342900" indent="-342900">
-              <a:lnSpc>
-                <a:spcPct val="150000"/>
-              </a:lnSpc>
-              <a:buFont typeface="+mj-lt"/>
-              <a:buAutoNum type="arabicPeriod"/>
-            </a:pPr>
-            <a:r>
-              <a:rPr lang="en-US" dirty="0">
-                <a:solidFill>
-                  <a:srgbClr val="222222"/>
-                </a:solidFill>
-                <a:latin typeface="+mj-lt"/>
-              </a:rPr>
-              <a:t>Graph Attention Networks</a:t>
-            </a:r>
-          </a:p>
-          <a:p>
-            <a:pPr marL="342900" indent="-342900">
-              <a:lnSpc>
-                <a:spcPct val="150000"/>
-              </a:lnSpc>
-              <a:buFont typeface="+mj-lt"/>
-              <a:buAutoNum type="arabicPeriod"/>
-            </a:pPr>
-            <a:r>
-              <a:rPr lang="en-US" b="1" dirty="0">
-                <a:solidFill>
-                  <a:srgbClr val="222222"/>
-                </a:solidFill>
-                <a:latin typeface="+mj-lt"/>
-              </a:rPr>
-              <a:t>Graph Evolution Networks</a:t>
-            </a:r>
-          </a:p>
-          <a:p>
-            <a:pPr marL="342900" indent="-342900">
-              <a:lnSpc>
-                <a:spcPct val="150000"/>
-              </a:lnSpc>
-              <a:buFont typeface="+mj-lt"/>
-              <a:buAutoNum type="arabicPeriod"/>
-            </a:pPr>
-            <a:r>
-              <a:rPr lang="en-US" dirty="0">
-                <a:solidFill>
-                  <a:srgbClr val="222222"/>
-                </a:solidFill>
-                <a:latin typeface="+mj-lt"/>
-              </a:rPr>
-              <a:t> Temporal Graph Networks </a:t>
-            </a:r>
-          </a:p>
-          <a:p>
-            <a:pPr marL="342900" indent="-342900">
-              <a:lnSpc>
-                <a:spcPct val="150000"/>
-              </a:lnSpc>
-              <a:buFont typeface="+mj-lt"/>
-              <a:buAutoNum type="arabicPeriod"/>
-            </a:pPr>
-            <a:r>
-              <a:rPr lang="en-US" dirty="0">
-                <a:solidFill>
-                  <a:srgbClr val="222222"/>
-                </a:solidFill>
-                <a:latin typeface="+mj-lt"/>
-              </a:rPr>
-              <a:t>Graph Generative Models</a:t>
-            </a:r>
-          </a:p>
-          <a:p>
-            <a:pPr marL="342900" indent="-342900">
-              <a:lnSpc>
-                <a:spcPct val="150000"/>
-              </a:lnSpc>
-              <a:buFont typeface="+mj-lt"/>
-              <a:buAutoNum type="arabicPeriod"/>
-            </a:pPr>
-            <a:r>
-              <a:rPr lang="en-US" dirty="0"/>
-              <a:t>Network Effects, Cascading and Contagion</a:t>
-            </a:r>
-          </a:p>
-          <a:p>
-            <a:pPr marL="342900" indent="-342900">
-              <a:lnSpc>
-                <a:spcPct val="150000"/>
-              </a:lnSpc>
-              <a:buFont typeface="+mj-lt"/>
-              <a:buAutoNum type="arabicPeriod"/>
-            </a:pPr>
-            <a:r>
-              <a:rPr lang="en-US" dirty="0"/>
-              <a:t>Outbreak Detection in Networks</a:t>
-            </a:r>
-          </a:p>
-          <a:p>
-            <a:pPr marL="342900" indent="-342900">
-              <a:lnSpc>
-                <a:spcPct val="150000"/>
-              </a:lnSpc>
-              <a:buFont typeface="+mj-lt"/>
-              <a:buAutoNum type="arabicPeriod"/>
-            </a:pPr>
-            <a:r>
-              <a:rPr lang="en-US" dirty="0"/>
-              <a:t>Influence Maximization in Networks</a:t>
-            </a:r>
-          </a:p>
-          <a:p>
-            <a:pPr marL="342900" indent="-342900">
-              <a:lnSpc>
-                <a:spcPct val="150000"/>
-              </a:lnSpc>
-              <a:buFont typeface="+mj-lt"/>
-              <a:buAutoNum type="arabicPeriod"/>
-            </a:pPr>
-            <a:endParaRPr lang="en-US" dirty="0">
-              <a:solidFill>
-                <a:srgbClr val="222222"/>
-              </a:solidFill>
-              <a:latin typeface="+mj-lt"/>
-            </a:endParaRPr>
-          </a:p>
-          <a:p>
-            <a:pPr>
-              <a:lnSpc>
-                <a:spcPct val="150000"/>
-              </a:lnSpc>
-            </a:pPr>
-            <a:endParaRPr lang="en-US" dirty="0">
-              <a:solidFill>
-                <a:srgbClr val="222222"/>
-              </a:solidFill>
-              <a:latin typeface="+mj-lt"/>
-            </a:endParaRPr>
-          </a:p>
-        </p:txBody>
-      </p:sp>
-      <p:sp>
-        <p:nvSpPr>
-          <p:cNvPr id="3" name="Right Brace 2">
-            <a:extLst>
-              <a:ext uri="{FF2B5EF4-FFF2-40B4-BE49-F238E27FC236}">
-                <a16:creationId xmlns:a16="http://schemas.microsoft.com/office/drawing/2014/main" id="{84AFEFE2-C6EC-4D70-B6A9-EA6049991254}"/>
-              </a:ext>
-            </a:extLst>
-          </p:cNvPr>
-          <p:cNvSpPr/>
-          <p:nvPr/>
-        </p:nvSpPr>
-        <p:spPr bwMode="gray">
-          <a:xfrm>
-            <a:off x="5355771" y="1114697"/>
-            <a:ext cx="391886" cy="1497874"/>
-          </a:xfrm>
-          <a:prstGeom prst="rightBrace">
-            <a:avLst/>
-          </a:prstGeom>
-          <a:ln>
-            <a:solidFill>
-              <a:schemeClr val="accent6">
-                <a:lumMod val="25000"/>
-              </a:schemeClr>
-            </a:solidFill>
-          </a:ln>
-        </p:spPr>
-        <p:style>
-          <a:lnRef idx="1">
-            <a:schemeClr val="accent1"/>
-          </a:lnRef>
-          <a:fillRef idx="0">
-            <a:schemeClr val="accent1"/>
-          </a:fillRef>
-          <a:effectRef idx="0">
-            <a:schemeClr val="accent1"/>
-          </a:effectRef>
-          <a:fontRef idx="minor">
-            <a:schemeClr val="tx1"/>
-          </a:fontRef>
-        </p:style>
-        <p:txBody>
-          <a:bodyPr rtlCol="0" anchor="ctr"/>
-          <a:lstStyle/>
-          <a:p>
-            <a:pPr algn="ctr"/>
-            <a:endParaRPr lang="en-US"/>
-          </a:p>
-        </p:txBody>
-      </p:sp>
-      <p:sp>
-        <p:nvSpPr>
-          <p:cNvPr id="8" name="Right Brace 7">
-            <a:extLst>
-              <a:ext uri="{FF2B5EF4-FFF2-40B4-BE49-F238E27FC236}">
-                <a16:creationId xmlns:a16="http://schemas.microsoft.com/office/drawing/2014/main" id="{92A4B4BE-8E12-4FB8-A865-9329AB6639E8}"/>
-              </a:ext>
-            </a:extLst>
-          </p:cNvPr>
-          <p:cNvSpPr/>
-          <p:nvPr/>
-        </p:nvSpPr>
-        <p:spPr bwMode="gray">
-          <a:xfrm>
-            <a:off x="4511040" y="2794836"/>
-            <a:ext cx="383177" cy="2212593"/>
-          </a:xfrm>
-          <a:prstGeom prst="rightBrace">
-            <a:avLst/>
-          </a:prstGeom>
-          <a:ln>
-            <a:solidFill>
-              <a:schemeClr val="accent6">
-                <a:lumMod val="25000"/>
-              </a:schemeClr>
-            </a:solidFill>
-          </a:ln>
-        </p:spPr>
-        <p:style>
-          <a:lnRef idx="1">
-            <a:schemeClr val="accent1"/>
-          </a:lnRef>
-          <a:fillRef idx="0">
-            <a:schemeClr val="accent1"/>
-          </a:fillRef>
-          <a:effectRef idx="0">
-            <a:schemeClr val="accent1"/>
-          </a:effectRef>
-          <a:fontRef idx="minor">
-            <a:schemeClr val="tx1"/>
-          </a:fontRef>
-        </p:style>
-        <p:txBody>
-          <a:bodyPr rtlCol="0" anchor="ctr"/>
-          <a:lstStyle/>
-          <a:p>
-            <a:pPr algn="ctr"/>
-            <a:endParaRPr lang="en-US"/>
-          </a:p>
-        </p:txBody>
-      </p:sp>
-      <p:sp>
-        <p:nvSpPr>
-          <p:cNvPr id="5" name="TextBox 4">
-            <a:extLst>
-              <a:ext uri="{FF2B5EF4-FFF2-40B4-BE49-F238E27FC236}">
-                <a16:creationId xmlns:a16="http://schemas.microsoft.com/office/drawing/2014/main" id="{2D3D2C95-6798-4E3A-A190-0D6228A1A053}"/>
-              </a:ext>
-            </a:extLst>
-          </p:cNvPr>
-          <p:cNvSpPr txBox="1"/>
-          <p:nvPr/>
-        </p:nvSpPr>
-        <p:spPr bwMode="gray">
-          <a:xfrm>
-            <a:off x="5974080" y="1695330"/>
-            <a:ext cx="3213463" cy="361848"/>
-          </a:xfrm>
-          <a:prstGeom prst="rect">
-            <a:avLst/>
-          </a:prstGeom>
-          <a:noFill/>
-        </p:spPr>
-        <p:txBody>
-          <a:bodyPr wrap="square" lIns="0" tIns="0" rIns="0" bIns="0" rtlCol="0">
-            <a:noAutofit/>
-          </a:bodyPr>
-          <a:lstStyle/>
-          <a:p>
-            <a:pPr>
-              <a:spcBef>
-                <a:spcPts val="300"/>
-              </a:spcBef>
-              <a:spcAft>
-                <a:spcPts val="300"/>
-              </a:spcAft>
-              <a:buClr>
-                <a:schemeClr val="accent1"/>
-              </a:buClr>
-              <a:buSzPct val="90000"/>
-            </a:pPr>
-            <a:r>
-              <a:rPr lang="en-US" dirty="0"/>
-              <a:t>Description models</a:t>
-            </a:r>
-          </a:p>
-        </p:txBody>
-      </p:sp>
-      <p:sp>
-        <p:nvSpPr>
-          <p:cNvPr id="10" name="TextBox 9">
-            <a:extLst>
-              <a:ext uri="{FF2B5EF4-FFF2-40B4-BE49-F238E27FC236}">
-                <a16:creationId xmlns:a16="http://schemas.microsoft.com/office/drawing/2014/main" id="{0EA1C55D-B08A-427E-83A5-373028255984}"/>
-              </a:ext>
-            </a:extLst>
-          </p:cNvPr>
-          <p:cNvSpPr txBox="1"/>
-          <p:nvPr/>
-        </p:nvSpPr>
-        <p:spPr bwMode="gray">
-          <a:xfrm>
-            <a:off x="5131663" y="3766074"/>
-            <a:ext cx="2272937" cy="322801"/>
-          </a:xfrm>
-          <a:prstGeom prst="rect">
-            <a:avLst/>
-          </a:prstGeom>
-          <a:noFill/>
-        </p:spPr>
-        <p:txBody>
-          <a:bodyPr wrap="square" lIns="0" tIns="0" rIns="0" bIns="0" rtlCol="0">
-            <a:noAutofit/>
-          </a:bodyPr>
-          <a:lstStyle/>
-          <a:p>
-            <a:pPr>
-              <a:spcBef>
-                <a:spcPts val="300"/>
-              </a:spcBef>
-              <a:spcAft>
-                <a:spcPts val="300"/>
-              </a:spcAft>
-              <a:buClr>
-                <a:schemeClr val="accent1"/>
-              </a:buClr>
-              <a:buSzPct val="90000"/>
-            </a:pPr>
-            <a:r>
-              <a:rPr lang="en-US" dirty="0"/>
-              <a:t>Prediction models</a:t>
-            </a:r>
-          </a:p>
-        </p:txBody>
-      </p:sp>
-      <p:sp>
-        <p:nvSpPr>
-          <p:cNvPr id="12" name="TextBox 11">
-            <a:extLst>
-              <a:ext uri="{FF2B5EF4-FFF2-40B4-BE49-F238E27FC236}">
-                <a16:creationId xmlns:a16="http://schemas.microsoft.com/office/drawing/2014/main" id="{54D9302E-E209-43A5-9FA6-79140C433C07}"/>
-              </a:ext>
-            </a:extLst>
-          </p:cNvPr>
-          <p:cNvSpPr txBox="1"/>
-          <p:nvPr/>
-        </p:nvSpPr>
-        <p:spPr bwMode="gray">
-          <a:xfrm>
-            <a:off x="8546186" y="1358752"/>
-            <a:ext cx="3144050" cy="1426842"/>
-          </a:xfrm>
-          <a:prstGeom prst="rect">
-            <a:avLst/>
-          </a:prstGeom>
-          <a:noFill/>
-        </p:spPr>
-        <p:txBody>
-          <a:bodyPr wrap="square" lIns="0" tIns="0" rIns="0" bIns="0" rtlCol="0">
-            <a:noAutofit/>
-          </a:bodyPr>
-          <a:lstStyle/>
-          <a:p>
-            <a:pPr>
-              <a:spcBef>
-                <a:spcPts val="300"/>
-              </a:spcBef>
-              <a:spcAft>
-                <a:spcPts val="300"/>
-              </a:spcAft>
-              <a:buClr>
-                <a:schemeClr val="accent1"/>
-              </a:buClr>
-              <a:buSzPct val="90000"/>
-            </a:pPr>
-            <a:r>
-              <a:rPr lang="en-US" dirty="0"/>
-              <a:t>Understand a phenomenon</a:t>
-            </a:r>
-          </a:p>
-          <a:p>
-            <a:pPr>
-              <a:spcBef>
-                <a:spcPts val="300"/>
-              </a:spcBef>
-              <a:spcAft>
-                <a:spcPts val="300"/>
-              </a:spcAft>
-              <a:buClr>
-                <a:schemeClr val="accent1"/>
-              </a:buClr>
-              <a:buSzPct val="90000"/>
-            </a:pPr>
-            <a:r>
-              <a:rPr lang="en-US" dirty="0"/>
-              <a:t>Extract features</a:t>
-            </a:r>
-          </a:p>
-          <a:p>
-            <a:pPr>
-              <a:spcBef>
-                <a:spcPts val="300"/>
-              </a:spcBef>
-              <a:spcAft>
-                <a:spcPts val="300"/>
-              </a:spcAft>
-              <a:buClr>
-                <a:schemeClr val="accent1"/>
-              </a:buClr>
-              <a:buSzPct val="90000"/>
-            </a:pPr>
-            <a:r>
-              <a:rPr lang="en-US" dirty="0"/>
-              <a:t>Stablish baselines</a:t>
-            </a:r>
-          </a:p>
-          <a:p>
-            <a:pPr>
-              <a:spcBef>
-                <a:spcPts val="300"/>
-              </a:spcBef>
-              <a:spcAft>
-                <a:spcPts val="300"/>
-              </a:spcAft>
-              <a:buClr>
-                <a:schemeClr val="accent1"/>
-              </a:buClr>
-              <a:buSzPct val="90000"/>
-            </a:pPr>
-            <a:r>
-              <a:rPr lang="en-US" dirty="0"/>
-              <a:t>Preprocessing data</a:t>
-            </a:r>
-          </a:p>
-        </p:txBody>
-      </p:sp>
-      <p:sp>
-        <p:nvSpPr>
-          <p:cNvPr id="15" name="TextBox 14">
-            <a:extLst>
-              <a:ext uri="{FF2B5EF4-FFF2-40B4-BE49-F238E27FC236}">
-                <a16:creationId xmlns:a16="http://schemas.microsoft.com/office/drawing/2014/main" id="{8CF06FA7-B0AC-4082-9584-8B9A849C7A2B}"/>
-              </a:ext>
-            </a:extLst>
-          </p:cNvPr>
-          <p:cNvSpPr txBox="1"/>
-          <p:nvPr/>
-        </p:nvSpPr>
-        <p:spPr bwMode="gray">
-          <a:xfrm>
-            <a:off x="8546186" y="973043"/>
-            <a:ext cx="2727960" cy="369332"/>
-          </a:xfrm>
-          <a:prstGeom prst="rect">
-            <a:avLst/>
-          </a:prstGeom>
-          <a:noFill/>
-        </p:spPr>
-        <p:txBody>
-          <a:bodyPr wrap="square">
-            <a:spAutoFit/>
-          </a:bodyPr>
-          <a:lstStyle/>
-          <a:p>
-            <a:pPr>
-              <a:spcBef>
-                <a:spcPts val="300"/>
-              </a:spcBef>
-              <a:spcAft>
-                <a:spcPts val="300"/>
-              </a:spcAft>
-              <a:buClr>
-                <a:schemeClr val="accent1"/>
-              </a:buClr>
-              <a:buSzPct val="90000"/>
-            </a:pPr>
-            <a:r>
-              <a:rPr lang="en-US" b="1" dirty="0"/>
-              <a:t>Design concerns</a:t>
-            </a:r>
-          </a:p>
-        </p:txBody>
-      </p:sp>
-      <p:sp>
-        <p:nvSpPr>
-          <p:cNvPr id="16" name="TextBox 15">
-            <a:extLst>
-              <a:ext uri="{FF2B5EF4-FFF2-40B4-BE49-F238E27FC236}">
-                <a16:creationId xmlns:a16="http://schemas.microsoft.com/office/drawing/2014/main" id="{F1C5DA3B-6DB3-4A2D-A4BB-E8DC068A07AA}"/>
-              </a:ext>
-            </a:extLst>
-          </p:cNvPr>
-          <p:cNvSpPr txBox="1"/>
-          <p:nvPr/>
-        </p:nvSpPr>
-        <p:spPr bwMode="gray">
-          <a:xfrm>
-            <a:off x="8489674" y="3276912"/>
-            <a:ext cx="3395485" cy="1357337"/>
-          </a:xfrm>
-          <a:prstGeom prst="rect">
-            <a:avLst/>
-          </a:prstGeom>
-          <a:noFill/>
-        </p:spPr>
-        <p:txBody>
-          <a:bodyPr wrap="square" lIns="0" tIns="0" rIns="0" bIns="0" rtlCol="0">
-            <a:noAutofit/>
-          </a:bodyPr>
-          <a:lstStyle/>
-          <a:p>
-            <a:pPr>
-              <a:spcBef>
-                <a:spcPts val="300"/>
-              </a:spcBef>
-              <a:spcAft>
-                <a:spcPts val="300"/>
-              </a:spcAft>
-              <a:buClr>
-                <a:schemeClr val="accent1"/>
-              </a:buClr>
-              <a:buSzPct val="90000"/>
-            </a:pPr>
-            <a:r>
-              <a:rPr lang="en-US" dirty="0"/>
-              <a:t>Predict an outcome</a:t>
-            </a:r>
-          </a:p>
-          <a:p>
-            <a:pPr>
-              <a:spcBef>
-                <a:spcPts val="300"/>
-              </a:spcBef>
-              <a:spcAft>
-                <a:spcPts val="300"/>
-              </a:spcAft>
-              <a:buClr>
-                <a:schemeClr val="accent1"/>
-              </a:buClr>
-              <a:buSzPct val="90000"/>
-            </a:pPr>
-            <a:r>
-              <a:rPr lang="en-US" dirty="0"/>
-              <a:t>ML architecture and pipeline</a:t>
-            </a:r>
-          </a:p>
-          <a:p>
-            <a:pPr>
-              <a:spcBef>
-                <a:spcPts val="300"/>
-              </a:spcBef>
-              <a:spcAft>
-                <a:spcPts val="300"/>
-              </a:spcAft>
-              <a:buClr>
-                <a:schemeClr val="accent1"/>
-              </a:buClr>
-              <a:buSzPct val="90000"/>
-            </a:pPr>
-            <a:r>
-              <a:rPr lang="en-US" dirty="0"/>
-              <a:t>Training models</a:t>
-            </a:r>
-          </a:p>
-          <a:p>
-            <a:pPr>
-              <a:spcBef>
-                <a:spcPts val="300"/>
-              </a:spcBef>
-              <a:spcAft>
-                <a:spcPts val="300"/>
-              </a:spcAft>
-              <a:buClr>
-                <a:schemeClr val="accent1"/>
-              </a:buClr>
-              <a:buSzPct val="90000"/>
-            </a:pPr>
-            <a:r>
-              <a:rPr lang="en-US" dirty="0"/>
-              <a:t>Evaluation models</a:t>
-            </a:r>
-          </a:p>
-        </p:txBody>
-      </p:sp>
-      <p:sp>
-        <p:nvSpPr>
-          <p:cNvPr id="20" name="TextBox 19">
-            <a:extLst>
-              <a:ext uri="{FF2B5EF4-FFF2-40B4-BE49-F238E27FC236}">
-                <a16:creationId xmlns:a16="http://schemas.microsoft.com/office/drawing/2014/main" id="{C1AFA719-9994-4AC1-A848-FAC8760F553C}"/>
-              </a:ext>
-            </a:extLst>
-          </p:cNvPr>
-          <p:cNvSpPr txBox="1"/>
-          <p:nvPr/>
-        </p:nvSpPr>
-        <p:spPr bwMode="gray">
-          <a:xfrm>
-            <a:off x="8591456" y="5356662"/>
-            <a:ext cx="2818500" cy="1357337"/>
-          </a:xfrm>
-          <a:prstGeom prst="rect">
-            <a:avLst/>
-          </a:prstGeom>
-          <a:noFill/>
-        </p:spPr>
-        <p:txBody>
-          <a:bodyPr wrap="square" lIns="0" tIns="0" rIns="0" bIns="0" rtlCol="0">
-            <a:noAutofit/>
-          </a:bodyPr>
-          <a:lstStyle/>
-          <a:p>
-            <a:pPr>
-              <a:spcBef>
-                <a:spcPts val="300"/>
-              </a:spcBef>
-              <a:spcAft>
-                <a:spcPts val="300"/>
-              </a:spcAft>
-              <a:buClr>
-                <a:schemeClr val="accent1"/>
-              </a:buClr>
-              <a:buSzPct val="90000"/>
-            </a:pPr>
-            <a:r>
-              <a:rPr lang="en-US" dirty="0"/>
-              <a:t>Effects of interventions</a:t>
-            </a:r>
-          </a:p>
-          <a:p>
-            <a:pPr>
-              <a:spcBef>
-                <a:spcPts val="300"/>
-              </a:spcBef>
-              <a:spcAft>
-                <a:spcPts val="300"/>
-              </a:spcAft>
-              <a:buClr>
-                <a:schemeClr val="accent1"/>
-              </a:buClr>
-              <a:buSzPct val="90000"/>
-            </a:pPr>
-            <a:r>
-              <a:rPr lang="en-US" dirty="0"/>
-              <a:t>Risks of confounding</a:t>
-            </a:r>
-          </a:p>
-          <a:p>
-            <a:pPr>
-              <a:spcBef>
-                <a:spcPts val="300"/>
-              </a:spcBef>
-              <a:spcAft>
-                <a:spcPts val="300"/>
-              </a:spcAft>
-              <a:buClr>
-                <a:schemeClr val="accent1"/>
-              </a:buClr>
-              <a:buSzPct val="90000"/>
-            </a:pPr>
-            <a:r>
-              <a:rPr lang="en-US" dirty="0"/>
-              <a:t>Causal structure</a:t>
-            </a:r>
-          </a:p>
-        </p:txBody>
-      </p:sp>
-      <p:sp>
-        <p:nvSpPr>
-          <p:cNvPr id="22" name="Right Brace 21">
-            <a:extLst>
-              <a:ext uri="{FF2B5EF4-FFF2-40B4-BE49-F238E27FC236}">
-                <a16:creationId xmlns:a16="http://schemas.microsoft.com/office/drawing/2014/main" id="{8B3916D4-BD64-4630-9A40-FF2A370826CF}"/>
-              </a:ext>
-            </a:extLst>
-          </p:cNvPr>
-          <p:cNvSpPr/>
-          <p:nvPr/>
-        </p:nvSpPr>
-        <p:spPr bwMode="gray">
-          <a:xfrm>
-            <a:off x="5804351" y="5588794"/>
-            <a:ext cx="334828" cy="1158803"/>
-          </a:xfrm>
-          <a:prstGeom prst="rightBrace">
-            <a:avLst/>
-          </a:prstGeom>
-          <a:ln>
-            <a:solidFill>
-              <a:schemeClr val="accent6">
-                <a:lumMod val="25000"/>
-              </a:schemeClr>
-            </a:solidFill>
-          </a:ln>
-        </p:spPr>
-        <p:style>
-          <a:lnRef idx="1">
-            <a:schemeClr val="accent1"/>
-          </a:lnRef>
-          <a:fillRef idx="0">
-            <a:schemeClr val="accent1"/>
-          </a:fillRef>
-          <a:effectRef idx="0">
-            <a:schemeClr val="accent1"/>
-          </a:effectRef>
-          <a:fontRef idx="minor">
-            <a:schemeClr val="tx1"/>
-          </a:fontRef>
-        </p:style>
-        <p:txBody>
-          <a:bodyPr rtlCol="0" anchor="ctr"/>
-          <a:lstStyle/>
-          <a:p>
-            <a:pPr algn="ctr"/>
-            <a:endParaRPr lang="en-US"/>
-          </a:p>
-        </p:txBody>
-      </p:sp>
-      <p:sp>
-        <p:nvSpPr>
-          <p:cNvPr id="23" name="TextBox 22">
-            <a:extLst>
-              <a:ext uri="{FF2B5EF4-FFF2-40B4-BE49-F238E27FC236}">
-                <a16:creationId xmlns:a16="http://schemas.microsoft.com/office/drawing/2014/main" id="{7F4519DA-6535-4465-8725-A5FDE9C3DD3A}"/>
-              </a:ext>
-            </a:extLst>
-          </p:cNvPr>
-          <p:cNvSpPr txBox="1"/>
-          <p:nvPr/>
-        </p:nvSpPr>
-        <p:spPr bwMode="gray">
-          <a:xfrm>
-            <a:off x="6025149" y="5776116"/>
-            <a:ext cx="2412273" cy="322801"/>
-          </a:xfrm>
-          <a:prstGeom prst="rect">
-            <a:avLst/>
-          </a:prstGeom>
-          <a:noFill/>
-        </p:spPr>
-        <p:txBody>
-          <a:bodyPr wrap="square" lIns="0" tIns="0" rIns="0" bIns="0" rtlCol="0">
-            <a:noAutofit/>
-          </a:bodyPr>
-          <a:lstStyle/>
-          <a:p>
-            <a:pPr>
-              <a:spcBef>
-                <a:spcPts val="300"/>
-              </a:spcBef>
-              <a:spcAft>
-                <a:spcPts val="300"/>
-              </a:spcAft>
-              <a:buClr>
-                <a:schemeClr val="accent1"/>
-              </a:buClr>
-              <a:buSzPct val="90000"/>
-            </a:pPr>
-            <a:r>
-              <a:rPr lang="en-US" dirty="0"/>
-              <a:t>Intervention models</a:t>
-            </a:r>
-          </a:p>
-        </p:txBody>
-      </p:sp>
-    </p:spTree>
-    <p:extLst>
-      <p:ext uri="{BB962C8B-B14F-4D97-AF65-F5344CB8AC3E}">
-        <p14:creationId xmlns:p14="http://schemas.microsoft.com/office/powerpoint/2010/main" val="2624926842"/>
-      </p:ext>
-    </p:extLst>
-  </p:cSld>
-  <p:clrMapOvr>
-    <a:masterClrMapping/>
-  </p:clrMapOvr>
-</p:sld>
-</file>
-
-<file path=ppt/slides/slide4.xml><?xml version="1.0" encoding="utf-8"?>
-<p:sld xmlns:a="http://schemas.openxmlformats.org/drawingml/2006/main" xmlns:r="http://schemas.openxmlformats.org/officeDocument/2006/relationships" xmlns:p="http://schemas.openxmlformats.org/presentationml/2006/main">
-  <p:cSld>
-    <p:spTree>
-      <p:nvGrpSpPr>
-        <p:cNvPr id="1" name=""/>
-        <p:cNvGrpSpPr/>
-        <p:nvPr/>
-      </p:nvGrpSpPr>
-      <p:grpSpPr>
-        <a:xfrm>
-          <a:off x="0" y="0"/>
-          <a:ext cx="0" cy="0"/>
-          <a:chOff x="0" y="0"/>
-          <a:chExt cx="0" cy="0"/>
-        </a:xfrm>
-      </p:grpSpPr>
-      <p:sp>
-        <p:nvSpPr>
-          <p:cNvPr id="2" name="Title 1">
-            <a:extLst>
-              <a:ext uri="{FF2B5EF4-FFF2-40B4-BE49-F238E27FC236}">
-                <a16:creationId xmlns:a16="http://schemas.microsoft.com/office/drawing/2014/main" id="{26BC1636-E7CF-4EC2-832F-7B74042E45CD}"/>
-              </a:ext>
-            </a:extLst>
-          </p:cNvPr>
-          <p:cNvSpPr>
-            <a:spLocks noGrp="1"/>
-          </p:cNvSpPr>
-          <p:nvPr>
-            <p:ph type="title"/>
-          </p:nvPr>
-        </p:nvSpPr>
-        <p:spPr>
-          <a:xfrm>
-            <a:off x="478369" y="144001"/>
-            <a:ext cx="9169401" cy="966272"/>
-          </a:xfrm>
-        </p:spPr>
-        <p:txBody>
-          <a:bodyPr/>
-          <a:lstStyle/>
-          <a:p>
-            <a:r>
-              <a:rPr lang="en-US" b="1" dirty="0"/>
-              <a:t>Why do we need Temporal Graph Networks?</a:t>
-            </a:r>
-            <a:br>
-              <a:rPr lang="en-US" b="1" dirty="0"/>
-            </a:br>
-            <a:endParaRPr lang="en-US" dirty="0"/>
-          </a:p>
-        </p:txBody>
-      </p:sp>
-      <p:sp>
-        <p:nvSpPr>
-          <p:cNvPr id="3" name="Content Placeholder 2">
-            <a:extLst>
-              <a:ext uri="{FF2B5EF4-FFF2-40B4-BE49-F238E27FC236}">
-                <a16:creationId xmlns:a16="http://schemas.microsoft.com/office/drawing/2014/main" id="{68B3B5C4-8902-4CCB-9295-B29AA09021E2}"/>
-              </a:ext>
-            </a:extLst>
-          </p:cNvPr>
-          <p:cNvSpPr>
-            <a:spLocks noGrp="1"/>
-          </p:cNvSpPr>
-          <p:nvPr>
-            <p:ph idx="1"/>
-          </p:nvPr>
-        </p:nvSpPr>
-        <p:spPr>
-          <a:xfrm>
-            <a:off x="478369" y="1213308"/>
-            <a:ext cx="11473384" cy="3451201"/>
-          </a:xfrm>
-        </p:spPr>
-        <p:txBody>
-          <a:bodyPr/>
-          <a:lstStyle/>
-          <a:p>
-            <a:r>
-              <a:rPr lang="en-US" dirty="0"/>
-              <a:t>Time is a feature of nodes, edges, and graphs</a:t>
-            </a:r>
-          </a:p>
-          <a:p>
-            <a:pPr marL="285750" indent="-285750">
-              <a:buFont typeface="Arial" panose="020B0604020202020204" pitchFamily="34" charset="0"/>
-              <a:buChar char="•"/>
-            </a:pPr>
-            <a:r>
-              <a:rPr lang="en-US" dirty="0"/>
-              <a:t>Frequent versus stale relationships</a:t>
-            </a:r>
-          </a:p>
-          <a:p>
-            <a:pPr marL="285750" indent="-285750">
-              <a:buFont typeface="Arial" panose="020B0604020202020204" pitchFamily="34" charset="0"/>
-              <a:buChar char="•"/>
-            </a:pPr>
-            <a:r>
-              <a:rPr lang="en-US" dirty="0"/>
-              <a:t>Similarity or clustering </a:t>
-            </a:r>
-            <a:r>
-              <a:rPr lang="en-US" dirty="0" err="1"/>
-              <a:t>w.r.t.</a:t>
-            </a:r>
-            <a:r>
-              <a:rPr lang="en-US" dirty="0"/>
-              <a:t> time</a:t>
-            </a:r>
-          </a:p>
-          <a:p>
-            <a:endParaRPr lang="en-US" dirty="0"/>
-          </a:p>
-          <a:p>
-            <a:r>
-              <a:rPr lang="en-US" dirty="0"/>
-              <a:t>Time itself is a characteristic to be predicted</a:t>
-            </a:r>
-          </a:p>
-          <a:p>
-            <a:pPr marL="285750" indent="-285750">
-              <a:buFont typeface="Arial" panose="020B0604020202020204" pitchFamily="34" charset="0"/>
-              <a:buChar char="•"/>
-            </a:pPr>
-            <a:r>
-              <a:rPr lang="en-US" dirty="0"/>
-              <a:t>Probability of new links in time</a:t>
-            </a:r>
-          </a:p>
-          <a:p>
-            <a:pPr marL="285750" indent="-285750">
-              <a:buFont typeface="Arial" panose="020B0604020202020204" pitchFamily="34" charset="0"/>
-              <a:buChar char="•"/>
-            </a:pPr>
-            <a:r>
-              <a:rPr lang="en-US" dirty="0"/>
-              <a:t>Network events (contagion, influence) in time</a:t>
-            </a:r>
-          </a:p>
-          <a:p>
-            <a:endParaRPr lang="en-US" dirty="0"/>
-          </a:p>
-        </p:txBody>
-      </p:sp>
-      <p:sp>
-        <p:nvSpPr>
-          <p:cNvPr id="4" name="Slide Number Placeholder 3">
-            <a:extLst>
-              <a:ext uri="{FF2B5EF4-FFF2-40B4-BE49-F238E27FC236}">
-                <a16:creationId xmlns:a16="http://schemas.microsoft.com/office/drawing/2014/main" id="{6F66258D-9521-444D-89C0-A1C9FDB7AD21}"/>
-              </a:ext>
-            </a:extLst>
-          </p:cNvPr>
-          <p:cNvSpPr>
-            <a:spLocks noGrp="1"/>
-          </p:cNvSpPr>
-          <p:nvPr>
-            <p:ph type="sldNum" sz="quarter" idx="12"/>
-          </p:nvPr>
-        </p:nvSpPr>
-        <p:spPr/>
-        <p:txBody>
-          <a:bodyPr/>
-          <a:lstStyle/>
-          <a:p>
-            <a:fld id="{81561042-0DC2-4A04-AA50-F6D44EB20EBA}" type="slidenum">
-              <a:rPr lang="en-US" smtClean="0"/>
-              <a:t>4</a:t>
-            </a:fld>
-            <a:endParaRPr lang="en-US"/>
-          </a:p>
-        </p:txBody>
-      </p:sp>
-    </p:spTree>
-    <p:extLst>
-      <p:ext uri="{BB962C8B-B14F-4D97-AF65-F5344CB8AC3E}">
-        <p14:creationId xmlns:p14="http://schemas.microsoft.com/office/powerpoint/2010/main" val="1874208747"/>
-      </p:ext>
-    </p:extLst>
-  </p:cSld>
-  <p:clrMapOvr>
-    <a:masterClrMapping/>
-  </p:clrMapOvr>
-</p:sld>
-</file>
-
-<file path=ppt/slides/slide5.xml><?xml version="1.0" encoding="utf-8"?>
-<p:sld xmlns:a="http://schemas.openxmlformats.org/drawingml/2006/main" xmlns:r="http://schemas.openxmlformats.org/officeDocument/2006/relationships" xmlns:p="http://schemas.openxmlformats.org/presentationml/2006/main">
-  <p:cSld>
-    <p:spTree>
-      <p:nvGrpSpPr>
-        <p:cNvPr id="1" name=""/>
-        <p:cNvGrpSpPr/>
-        <p:nvPr/>
-      </p:nvGrpSpPr>
-      <p:grpSpPr>
-        <a:xfrm>
-          <a:off x="0" y="0"/>
-          <a:ext cx="0" cy="0"/>
-          <a:chOff x="0" y="0"/>
-          <a:chExt cx="0" cy="0"/>
-        </a:xfrm>
-      </p:grpSpPr>
-      <p:sp>
-        <p:nvSpPr>
-          <p:cNvPr id="2" name="Title 1">
-            <a:extLst>
-              <a:ext uri="{FF2B5EF4-FFF2-40B4-BE49-F238E27FC236}">
-                <a16:creationId xmlns:a16="http://schemas.microsoft.com/office/drawing/2014/main" id="{31B1EF4B-402F-4C5E-93BE-1A75161EFC25}"/>
-              </a:ext>
-            </a:extLst>
-          </p:cNvPr>
-          <p:cNvSpPr>
-            <a:spLocks noGrp="1"/>
-          </p:cNvSpPr>
-          <p:nvPr>
-            <p:ph type="title"/>
-          </p:nvPr>
-        </p:nvSpPr>
-        <p:spPr/>
-        <p:txBody>
-          <a:bodyPr/>
-          <a:lstStyle/>
-          <a:p>
-            <a:r>
-              <a:rPr lang="en-US" dirty="0"/>
-              <a:t>Brief (incomplete) historical perspective -1</a:t>
-            </a:r>
-          </a:p>
-        </p:txBody>
-      </p:sp>
-      <p:sp>
-        <p:nvSpPr>
-          <p:cNvPr id="3" name="Content Placeholder 2">
-            <a:extLst>
-              <a:ext uri="{FF2B5EF4-FFF2-40B4-BE49-F238E27FC236}">
-                <a16:creationId xmlns:a16="http://schemas.microsoft.com/office/drawing/2014/main" id="{17B046A0-2A88-4CF2-A015-FE6784D61ED8}"/>
-              </a:ext>
-            </a:extLst>
-          </p:cNvPr>
-          <p:cNvSpPr>
-            <a:spLocks noGrp="1"/>
-          </p:cNvSpPr>
-          <p:nvPr>
-            <p:ph idx="1"/>
-          </p:nvPr>
-        </p:nvSpPr>
-        <p:spPr>
-          <a:xfrm>
-            <a:off x="478369" y="972043"/>
-            <a:ext cx="11473384" cy="3792577"/>
-          </a:xfrm>
-        </p:spPr>
-        <p:txBody>
-          <a:bodyPr/>
-          <a:lstStyle/>
-          <a:p>
-            <a:pPr>
-              <a:lnSpc>
-                <a:spcPct val="150000"/>
-              </a:lnSpc>
-            </a:pPr>
-            <a:r>
-              <a:rPr lang="en-US" dirty="0">
-                <a:solidFill>
-                  <a:srgbClr val="222222"/>
-                </a:solidFill>
-                <a:latin typeface="+mj-lt"/>
-              </a:rPr>
-              <a:t>2000’s – Measuring network evolution phenomena </a:t>
-            </a:r>
-          </a:p>
-          <a:p>
-            <a:pPr marL="285750" indent="-285750">
-              <a:lnSpc>
-                <a:spcPct val="150000"/>
-              </a:lnSpc>
-              <a:buFont typeface="Arial" panose="020B0604020202020204" pitchFamily="34" charset="0"/>
-              <a:buChar char="•"/>
-            </a:pPr>
-            <a:r>
-              <a:rPr lang="en-US" sz="1600" dirty="0">
-                <a:solidFill>
-                  <a:srgbClr val="222222"/>
-                </a:solidFill>
-                <a:latin typeface="+mj-lt"/>
-              </a:rPr>
-              <a:t>Growth dynamics of the world-wide web [</a:t>
-            </a:r>
-            <a:r>
-              <a:rPr lang="en-US" sz="1600" dirty="0"/>
-              <a:t>Huberman &amp; Adamic 1999]</a:t>
-            </a:r>
-          </a:p>
-          <a:p>
-            <a:pPr marL="285750" indent="-285750">
-              <a:lnSpc>
-                <a:spcPct val="150000"/>
-              </a:lnSpc>
-              <a:buFont typeface="Arial" panose="020B0604020202020204" pitchFamily="34" charset="0"/>
-              <a:buChar char="•"/>
-            </a:pPr>
-            <a:r>
-              <a:rPr lang="en-US" sz="1600" dirty="0"/>
-              <a:t>Graphs over time densification laws, shrinking diameters and possible explanations [Leskovec et al. 2005]</a:t>
-            </a:r>
-          </a:p>
-          <a:p>
-            <a:pPr marL="285750" indent="-285750">
-              <a:lnSpc>
-                <a:spcPct val="150000"/>
-              </a:lnSpc>
-              <a:buFont typeface="Arial" panose="020B0604020202020204" pitchFamily="34" charset="0"/>
-              <a:buChar char="•"/>
-            </a:pPr>
-            <a:r>
-              <a:rPr lang="en-US" sz="1600" dirty="0"/>
-              <a:t>The dynamics of viral marketing [Leskovec, Adamic &amp; Huberman 2007]</a:t>
-            </a:r>
-          </a:p>
-          <a:p>
-            <a:pPr>
-              <a:lnSpc>
-                <a:spcPct val="150000"/>
-              </a:lnSpc>
-            </a:pPr>
-            <a:r>
-              <a:rPr lang="en-US" dirty="0">
-                <a:solidFill>
-                  <a:srgbClr val="222222"/>
-                </a:solidFill>
-                <a:latin typeface="+mj-lt"/>
-              </a:rPr>
-              <a:t>2010’s – Generative models for network evolution</a:t>
-            </a:r>
-          </a:p>
-          <a:p>
-            <a:pPr marL="285750" indent="-285750">
-              <a:lnSpc>
-                <a:spcPct val="150000"/>
-              </a:lnSpc>
-              <a:buFont typeface="Arial" panose="020B0604020202020204" pitchFamily="34" charset="0"/>
-              <a:buChar char="•"/>
-            </a:pPr>
-            <a:r>
-              <a:rPr lang="en-US" sz="1600" dirty="0">
-                <a:solidFill>
-                  <a:srgbClr val="222222"/>
-                </a:solidFill>
-                <a:latin typeface="+mj-lt"/>
-              </a:rPr>
-              <a:t>Kronecker graphs an approach to modeling networks </a:t>
-            </a:r>
-            <a:r>
-              <a:rPr lang="en-US" sz="1600" dirty="0"/>
-              <a:t>[Leskovec et al. 2010]</a:t>
-            </a:r>
-          </a:p>
-          <a:p>
-            <a:pPr marL="285750" indent="-285750">
-              <a:lnSpc>
-                <a:spcPct val="150000"/>
-              </a:lnSpc>
-              <a:buFont typeface="Arial" panose="020B0604020202020204" pitchFamily="34" charset="0"/>
-              <a:buChar char="•"/>
-            </a:pPr>
-            <a:r>
-              <a:rPr lang="en-US" sz="1800" dirty="0">
-                <a:latin typeface="Segoe UI" panose="020B0502040204020203" pitchFamily="34" charset="0"/>
-              </a:rPr>
-              <a:t>Emerging topic detection on twitter based on temporal and social terms evaluation [</a:t>
-            </a:r>
-            <a:r>
-              <a:rPr lang="en-US" sz="1800" dirty="0" err="1">
-                <a:latin typeface="Segoe UI" panose="020B0502040204020203" pitchFamily="34" charset="0"/>
-              </a:rPr>
-              <a:t>Cataldi</a:t>
-            </a:r>
-            <a:r>
-              <a:rPr lang="en-US" sz="1800" dirty="0">
-                <a:latin typeface="Segoe UI" panose="020B0502040204020203" pitchFamily="34" charset="0"/>
-              </a:rPr>
-              <a:t> et al. 2010]</a:t>
-            </a:r>
-            <a:endParaRPr lang="en-US" sz="1600" dirty="0"/>
-          </a:p>
-          <a:p>
-            <a:pPr marL="285750" indent="-285750">
-              <a:lnSpc>
-                <a:spcPct val="150000"/>
-              </a:lnSpc>
-              <a:buFont typeface="Arial" panose="020B0604020202020204" pitchFamily="34" charset="0"/>
-              <a:buChar char="•"/>
-            </a:pPr>
-            <a:r>
-              <a:rPr lang="en-US" sz="1600" dirty="0">
-                <a:solidFill>
-                  <a:srgbClr val="222222"/>
-                </a:solidFill>
-                <a:latin typeface="+mj-lt"/>
-              </a:rPr>
-              <a:t>Collaboration over time characterizing and modeling network evolution [Huang et al. 2012]</a:t>
-            </a:r>
-          </a:p>
-        </p:txBody>
-      </p:sp>
-      <p:sp>
-        <p:nvSpPr>
-          <p:cNvPr id="4" name="Slide Number Placeholder 3">
-            <a:extLst>
-              <a:ext uri="{FF2B5EF4-FFF2-40B4-BE49-F238E27FC236}">
-                <a16:creationId xmlns:a16="http://schemas.microsoft.com/office/drawing/2014/main" id="{7C3B3BCC-8303-4914-911D-F117EF2CEFF9}"/>
-              </a:ext>
-            </a:extLst>
-          </p:cNvPr>
-          <p:cNvSpPr>
-            <a:spLocks noGrp="1"/>
-          </p:cNvSpPr>
-          <p:nvPr>
-            <p:ph type="sldNum" sz="quarter" idx="12"/>
-          </p:nvPr>
-        </p:nvSpPr>
-        <p:spPr/>
-        <p:txBody>
-          <a:bodyPr/>
-          <a:lstStyle/>
-          <a:p>
-            <a:fld id="{81561042-0DC2-4A04-AA50-F6D44EB20EBA}" type="slidenum">
-              <a:rPr lang="en-US" smtClean="0"/>
-              <a:t>5</a:t>
-            </a:fld>
-            <a:endParaRPr lang="en-US"/>
-          </a:p>
-        </p:txBody>
-      </p:sp>
-    </p:spTree>
-    <p:extLst>
-      <p:ext uri="{BB962C8B-B14F-4D97-AF65-F5344CB8AC3E}">
-        <p14:creationId xmlns:p14="http://schemas.microsoft.com/office/powerpoint/2010/main" val="1814528097"/>
-      </p:ext>
-    </p:extLst>
-  </p:cSld>
-  <p:clrMapOvr>
-    <a:masterClrMapping/>
-  </p:clrMapOvr>
-</p:sld>
-</file>
-
-<file path=ppt/slides/slide6.xml><?xml version="1.0" encoding="utf-8"?>
-<p:sld xmlns:a="http://schemas.openxmlformats.org/drawingml/2006/main" xmlns:r="http://schemas.openxmlformats.org/officeDocument/2006/relationships" xmlns:p="http://schemas.openxmlformats.org/presentationml/2006/main">
-  <p:cSld>
-    <p:spTree>
-      <p:nvGrpSpPr>
-        <p:cNvPr id="1" name=""/>
-        <p:cNvGrpSpPr/>
-        <p:nvPr/>
-      </p:nvGrpSpPr>
-      <p:grpSpPr>
-        <a:xfrm>
-          <a:off x="0" y="0"/>
-          <a:ext cx="0" cy="0"/>
-          <a:chOff x="0" y="0"/>
-          <a:chExt cx="0" cy="0"/>
-        </a:xfrm>
-      </p:grpSpPr>
-      <p:sp>
-        <p:nvSpPr>
-          <p:cNvPr id="2" name="Title 1">
-            <a:extLst>
-              <a:ext uri="{FF2B5EF4-FFF2-40B4-BE49-F238E27FC236}">
-                <a16:creationId xmlns:a16="http://schemas.microsoft.com/office/drawing/2014/main" id="{ACF942BB-EDAC-478D-9FB6-7A1335CBFDC5}"/>
-              </a:ext>
-            </a:extLst>
-          </p:cNvPr>
-          <p:cNvSpPr>
-            <a:spLocks noGrp="1"/>
-          </p:cNvSpPr>
-          <p:nvPr>
-            <p:ph type="title"/>
-          </p:nvPr>
-        </p:nvSpPr>
-        <p:spPr/>
-        <p:txBody>
-          <a:bodyPr/>
-          <a:lstStyle/>
-          <a:p>
-            <a:r>
-              <a:rPr lang="en-US" dirty="0"/>
-              <a:t>Brief (incomplete) historical perspective -2</a:t>
-            </a:r>
-          </a:p>
-        </p:txBody>
-      </p:sp>
-      <p:sp>
-        <p:nvSpPr>
-          <p:cNvPr id="3" name="Content Placeholder 2">
-            <a:extLst>
-              <a:ext uri="{FF2B5EF4-FFF2-40B4-BE49-F238E27FC236}">
-                <a16:creationId xmlns:a16="http://schemas.microsoft.com/office/drawing/2014/main" id="{8B098342-52EF-4981-884C-68B42FDF16A7}"/>
-              </a:ext>
-            </a:extLst>
-          </p:cNvPr>
-          <p:cNvSpPr>
-            <a:spLocks noGrp="1"/>
-          </p:cNvSpPr>
-          <p:nvPr>
-            <p:ph idx="1"/>
-          </p:nvPr>
-        </p:nvSpPr>
-        <p:spPr>
-          <a:xfrm>
-            <a:off x="255373" y="1213308"/>
-            <a:ext cx="11696380" cy="4577279"/>
-          </a:xfrm>
-        </p:spPr>
-        <p:txBody>
-          <a:bodyPr/>
-          <a:lstStyle/>
-          <a:p>
-            <a:pPr>
-              <a:lnSpc>
-                <a:spcPct val="150000"/>
-              </a:lnSpc>
-            </a:pPr>
-            <a:r>
-              <a:rPr lang="en-US" dirty="0">
-                <a:solidFill>
-                  <a:srgbClr val="222222"/>
-                </a:solidFill>
-                <a:latin typeface="+mj-lt"/>
-              </a:rPr>
-              <a:t>2020’s – Prediction models of network evolution</a:t>
-            </a:r>
-          </a:p>
-          <a:p>
-            <a:pPr marL="285750" indent="-285750">
-              <a:lnSpc>
-                <a:spcPct val="150000"/>
-              </a:lnSpc>
-              <a:buFont typeface="Arial" panose="020B0604020202020204" pitchFamily="34" charset="0"/>
-              <a:buChar char="•"/>
-            </a:pPr>
-            <a:r>
-              <a:rPr lang="en-US" sz="2000" dirty="0">
-                <a:solidFill>
-                  <a:srgbClr val="222222"/>
-                </a:solidFill>
-                <a:latin typeface="+mj-lt"/>
-              </a:rPr>
-              <a:t>Spectral Networks and Deep Locally Connected Networks on Graphs [Bruna et al. 2013]</a:t>
-            </a:r>
-          </a:p>
-          <a:p>
-            <a:pPr marL="285750" indent="-285750">
-              <a:lnSpc>
-                <a:spcPct val="150000"/>
-              </a:lnSpc>
-              <a:buFont typeface="Arial" panose="020B0604020202020204" pitchFamily="34" charset="0"/>
-              <a:buChar char="•"/>
-            </a:pPr>
-            <a:r>
-              <a:rPr lang="en-US" sz="2000" dirty="0">
-                <a:solidFill>
-                  <a:srgbClr val="222222"/>
-                </a:solidFill>
-                <a:latin typeface="+mj-lt"/>
-              </a:rPr>
-              <a:t>Temporal Graph Neural Networks [Rossi et al. 2020]</a:t>
-            </a:r>
-          </a:p>
-          <a:p>
-            <a:pPr marL="285750" indent="-285750">
-              <a:lnSpc>
-                <a:spcPct val="150000"/>
-              </a:lnSpc>
-              <a:buFont typeface="Arial" panose="020B0604020202020204" pitchFamily="34" charset="0"/>
-              <a:buChar char="•"/>
-            </a:pPr>
-            <a:r>
-              <a:rPr lang="en-US" sz="2000" dirty="0" err="1">
-                <a:solidFill>
-                  <a:srgbClr val="222222"/>
-                </a:solidFill>
-                <a:latin typeface="+mj-lt"/>
-              </a:rPr>
-              <a:t>Evolvegraph</a:t>
-            </a:r>
-            <a:r>
-              <a:rPr lang="en-US" sz="2000" dirty="0">
-                <a:solidFill>
-                  <a:srgbClr val="222222"/>
-                </a:solidFill>
-                <a:latin typeface="+mj-lt"/>
-              </a:rPr>
-              <a:t>: Multi-agent trajectory prediction with dynamic relational reasoning [Li et al. 2020]</a:t>
-            </a:r>
-          </a:p>
-          <a:p>
-            <a:pPr marL="285750" indent="-285750">
-              <a:lnSpc>
-                <a:spcPct val="150000"/>
-              </a:lnSpc>
-              <a:buFont typeface="Arial" panose="020B0604020202020204" pitchFamily="34" charset="0"/>
-              <a:buChar char="•"/>
-            </a:pPr>
-            <a:r>
-              <a:rPr lang="en-US" sz="2400" dirty="0">
-                <a:solidFill>
-                  <a:srgbClr val="000000"/>
-                </a:solidFill>
-                <a:latin typeface="Segoe UI" panose="020B0502040204020203" pitchFamily="34" charset="0"/>
-              </a:rPr>
-              <a:t>Spectral Temporal Graph Neural Network for Multivariate Time-series Forecasting</a:t>
-            </a:r>
-            <a:r>
-              <a:rPr lang="en-US" sz="2000" dirty="0">
-                <a:solidFill>
-                  <a:srgbClr val="222222"/>
-                </a:solidFill>
-                <a:latin typeface="+mj-lt"/>
-              </a:rPr>
-              <a:t> [Cao et al. 2020]</a:t>
-            </a:r>
-          </a:p>
-          <a:p>
-            <a:endParaRPr lang="en-US" dirty="0"/>
-          </a:p>
-        </p:txBody>
-      </p:sp>
-      <p:sp>
-        <p:nvSpPr>
-          <p:cNvPr id="4" name="Slide Number Placeholder 3">
-            <a:extLst>
-              <a:ext uri="{FF2B5EF4-FFF2-40B4-BE49-F238E27FC236}">
-                <a16:creationId xmlns:a16="http://schemas.microsoft.com/office/drawing/2014/main" id="{4C0D01F1-B6C6-435D-B213-499F5BF7AD09}"/>
-              </a:ext>
-            </a:extLst>
-          </p:cNvPr>
-          <p:cNvSpPr>
-            <a:spLocks noGrp="1"/>
-          </p:cNvSpPr>
-          <p:nvPr>
-            <p:ph type="sldNum" sz="quarter" idx="12"/>
-          </p:nvPr>
-        </p:nvSpPr>
-        <p:spPr/>
-        <p:txBody>
-          <a:bodyPr/>
-          <a:lstStyle/>
-          <a:p>
-            <a:fld id="{81561042-0DC2-4A04-AA50-F6D44EB20EBA}" type="slidenum">
-              <a:rPr lang="en-US" smtClean="0"/>
-              <a:t>6</a:t>
-            </a:fld>
-            <a:endParaRPr lang="en-US"/>
-          </a:p>
-        </p:txBody>
-      </p:sp>
-    </p:spTree>
-    <p:extLst>
-      <p:ext uri="{BB962C8B-B14F-4D97-AF65-F5344CB8AC3E}">
-        <p14:creationId xmlns:p14="http://schemas.microsoft.com/office/powerpoint/2010/main" val="904518835"/>
-      </p:ext>
-    </p:extLst>
-  </p:cSld>
-  <p:clrMapOvr>
-    <a:masterClrMapping/>
-  </p:clrMapOvr>
-</p:sld>
-</file>
-
-<file path=ppt/slides/slide7.xml><?xml version="1.0" encoding="utf-8"?>
-<p:sld xmlns:a="http://schemas.openxmlformats.org/drawingml/2006/main" xmlns:r="http://schemas.openxmlformats.org/officeDocument/2006/relationships" xmlns:p="http://schemas.openxmlformats.org/presentationml/2006/main">
-  <p:cSld>
-    <p:spTree>
-      <p:nvGrpSpPr>
-        <p:cNvPr id="1" name=""/>
-        <p:cNvGrpSpPr/>
-        <p:nvPr/>
-      </p:nvGrpSpPr>
-      <p:grpSpPr>
-        <a:xfrm>
-          <a:off x="0" y="0"/>
-          <a:ext cx="0" cy="0"/>
-          <a:chOff x="0" y="0"/>
-          <a:chExt cx="0" cy="0"/>
-        </a:xfrm>
-      </p:grpSpPr>
-      <p:sp>
-        <p:nvSpPr>
-          <p:cNvPr id="2" name="Title 1">
-            <a:extLst>
-              <a:ext uri="{FF2B5EF4-FFF2-40B4-BE49-F238E27FC236}">
-                <a16:creationId xmlns:a16="http://schemas.microsoft.com/office/drawing/2014/main" id="{8622D183-9DE1-4DF0-9D13-4D66EE75FBA8}"/>
-              </a:ext>
-            </a:extLst>
-          </p:cNvPr>
-          <p:cNvSpPr>
-            <a:spLocks noGrp="1"/>
-          </p:cNvSpPr>
-          <p:nvPr>
-            <p:ph type="title"/>
-          </p:nvPr>
-        </p:nvSpPr>
-        <p:spPr/>
-        <p:txBody>
-          <a:bodyPr/>
-          <a:lstStyle/>
-          <a:p>
-            <a:r>
-              <a:rPr lang="en-US" dirty="0"/>
-              <a:t>Index</a:t>
-            </a:r>
-          </a:p>
-        </p:txBody>
-      </p:sp>
-      <p:sp>
-        <p:nvSpPr>
-          <p:cNvPr id="3" name="Content Placeholder 2">
-            <a:extLst>
-              <a:ext uri="{FF2B5EF4-FFF2-40B4-BE49-F238E27FC236}">
-                <a16:creationId xmlns:a16="http://schemas.microsoft.com/office/drawing/2014/main" id="{3461D60E-5015-44F5-92BF-BCB5AFE72A38}"/>
-              </a:ext>
-            </a:extLst>
-          </p:cNvPr>
-          <p:cNvSpPr>
-            <a:spLocks noGrp="1"/>
-          </p:cNvSpPr>
-          <p:nvPr>
-            <p:ph idx="1"/>
-          </p:nvPr>
-        </p:nvSpPr>
-        <p:spPr>
-          <a:xfrm>
-            <a:off x="478369" y="949697"/>
-            <a:ext cx="11473384" cy="5693610"/>
-          </a:xfrm>
-        </p:spPr>
-        <p:txBody>
-          <a:bodyPr/>
-          <a:lstStyle/>
-          <a:p>
-            <a:r>
-              <a:rPr lang="en-US" sz="1800"/>
-              <a:t>Motivation contrast: Continuous </a:t>
-            </a:r>
-            <a:r>
-              <a:rPr lang="en-US" sz="1800" dirty="0"/>
-              <a:t>Time - Temporal Graph </a:t>
-            </a:r>
-            <a:r>
-              <a:rPr lang="en-US" sz="1800"/>
-              <a:t>Neural Network (Chris)</a:t>
-            </a:r>
-            <a:endParaRPr lang="en-US" sz="1800" dirty="0"/>
-          </a:p>
-          <a:p>
-            <a:r>
-              <a:rPr lang="en-US" sz="1800" b="1" dirty="0"/>
-              <a:t>Space and Time </a:t>
-            </a:r>
-            <a:r>
-              <a:rPr lang="en-US" sz="1800" dirty="0"/>
-              <a:t>(Max)</a:t>
-            </a:r>
-          </a:p>
-          <a:p>
-            <a:pPr marL="698494" lvl="1" indent="-457200">
-              <a:buFont typeface="Arial" panose="020B0604020202020204" pitchFamily="34" charset="0"/>
-              <a:buChar char="•"/>
-            </a:pPr>
-            <a:r>
-              <a:rPr lang="en-US" sz="1800" dirty="0" err="1"/>
-              <a:t>Spacio</a:t>
-            </a:r>
-            <a:r>
-              <a:rPr lang="en-US" sz="1800" dirty="0"/>
-              <a:t>-Temporal Convolution </a:t>
-            </a:r>
-          </a:p>
-          <a:p>
-            <a:pPr marL="937188" lvl="2" indent="-457200">
-              <a:buFont typeface="Arial" panose="020B0604020202020204" pitchFamily="34" charset="0"/>
-              <a:buChar char="•"/>
-            </a:pPr>
-            <a:r>
-              <a:rPr lang="en-US" sz="1800" dirty="0"/>
-              <a:t>Diffusion Convolution Recurrent Networks (GRU cell idea)</a:t>
-            </a:r>
-          </a:p>
-          <a:p>
-            <a:pPr marL="698494" lvl="1" indent="-457200">
-              <a:buFont typeface="Arial" panose="020B0604020202020204" pitchFamily="34" charset="0"/>
-              <a:buChar char="•"/>
-            </a:pPr>
-            <a:r>
-              <a:rPr lang="en-US" sz="1800" dirty="0"/>
-              <a:t>Recurrent Neural Networks</a:t>
-            </a:r>
-          </a:p>
-          <a:p>
-            <a:pPr marL="937188" lvl="2" indent="-457200">
-              <a:buFont typeface="Arial" panose="020B0604020202020204" pitchFamily="34" charset="0"/>
-              <a:buChar char="•"/>
-            </a:pPr>
-            <a:r>
-              <a:rPr lang="en-US" sz="1800" dirty="0"/>
-              <a:t>Graph Convolution Networks with Kalman Filtering for Traffic Prediction</a:t>
-            </a:r>
-          </a:p>
-          <a:p>
-            <a:pPr marL="1003283" lvl="3" indent="-285750"/>
-            <a:r>
-              <a:rPr lang="en-US" sz="1800" dirty="0"/>
-              <a:t>Multi-Head Attention (some example)</a:t>
-            </a:r>
-          </a:p>
-          <a:p>
-            <a:r>
-              <a:rPr lang="en-US" sz="1800" b="1" dirty="0"/>
-              <a:t>Spectral Convolution </a:t>
-            </a:r>
-            <a:r>
-              <a:rPr lang="en-US" sz="1800" dirty="0"/>
-              <a:t>(Chris)</a:t>
-            </a:r>
-          </a:p>
-          <a:p>
-            <a:pPr marL="527044" lvl="1" indent="-285750">
-              <a:buFont typeface="Arial" panose="020B0604020202020204" pitchFamily="34" charset="0"/>
-              <a:buChar char="•"/>
-            </a:pPr>
-            <a:r>
-              <a:rPr lang="en-US" sz="1800" dirty="0"/>
-              <a:t>Spectral Networks (short intro)</a:t>
-            </a:r>
-          </a:p>
-          <a:p>
-            <a:pPr marL="527044" lvl="1" indent="-285750">
-              <a:buFont typeface="Arial" panose="020B0604020202020204" pitchFamily="34" charset="0"/>
-              <a:buChar char="•"/>
-            </a:pPr>
-            <a:r>
-              <a:rPr lang="en-US" sz="1800" dirty="0"/>
-              <a:t>Spectral Temporal Graph Neural Network </a:t>
-            </a:r>
-          </a:p>
-          <a:p>
-            <a:r>
-              <a:rPr lang="en-US" sz="1800" b="1" dirty="0"/>
-              <a:t>Innovative Architectures</a:t>
-            </a:r>
-            <a:r>
-              <a:rPr lang="en-US" sz="1800" dirty="0"/>
-              <a:t>:</a:t>
-            </a:r>
-          </a:p>
-          <a:p>
-            <a:pPr marL="527044" lvl="1" indent="-285750">
-              <a:buFont typeface="Arial" panose="020B0604020202020204" pitchFamily="34" charset="0"/>
-              <a:buChar char="•"/>
-            </a:pPr>
-            <a:r>
-              <a:rPr lang="en-US" sz="1800" dirty="0" err="1"/>
-              <a:t>EvolveGraph</a:t>
-            </a:r>
-            <a:r>
-              <a:rPr lang="en-US" sz="1800" dirty="0"/>
-              <a:t> – Latent Graph Model (Chris)</a:t>
-            </a:r>
-          </a:p>
-          <a:p>
-            <a:pPr marL="527044" lvl="1" indent="-285750">
-              <a:buFont typeface="Arial" panose="020B0604020202020204" pitchFamily="34" charset="0"/>
-              <a:buChar char="•"/>
-            </a:pPr>
-            <a:r>
-              <a:rPr lang="en-US" sz="1800" dirty="0"/>
-              <a:t>ST-</a:t>
-            </a:r>
-            <a:r>
-              <a:rPr lang="en-US" sz="1800" dirty="0" err="1"/>
-              <a:t>UNet</a:t>
-            </a:r>
-            <a:r>
-              <a:rPr lang="en-US" sz="1800" dirty="0"/>
-              <a:t>: A </a:t>
-            </a:r>
-            <a:r>
-              <a:rPr lang="en-US" sz="1800" dirty="0" err="1"/>
-              <a:t>Spatio</a:t>
-            </a:r>
-            <a:r>
-              <a:rPr lang="en-US" sz="1800" dirty="0"/>
-              <a:t>-Temporal U-Network for Graph-structured Time Series Modeling (Max)</a:t>
-            </a:r>
-          </a:p>
-        </p:txBody>
-      </p:sp>
-      <p:sp>
-        <p:nvSpPr>
-          <p:cNvPr id="4" name="Slide Number Placeholder 3">
-            <a:extLst>
-              <a:ext uri="{FF2B5EF4-FFF2-40B4-BE49-F238E27FC236}">
-                <a16:creationId xmlns:a16="http://schemas.microsoft.com/office/drawing/2014/main" id="{F9926EF7-D70D-4490-B3A2-1D31E402A943}"/>
-              </a:ext>
-            </a:extLst>
-          </p:cNvPr>
-          <p:cNvSpPr>
-            <a:spLocks noGrp="1"/>
-          </p:cNvSpPr>
-          <p:nvPr>
-            <p:ph type="sldNum" sz="quarter" idx="12"/>
-          </p:nvPr>
-        </p:nvSpPr>
-        <p:spPr/>
-        <p:txBody>
-          <a:bodyPr/>
-          <a:lstStyle/>
-          <a:p>
-            <a:fld id="{81561042-0DC2-4A04-AA50-F6D44EB20EBA}" type="slidenum">
-              <a:rPr lang="en-US" smtClean="0"/>
-              <a:t>7</a:t>
-            </a:fld>
-            <a:endParaRPr lang="en-US"/>
-          </a:p>
-        </p:txBody>
-      </p:sp>
-    </p:spTree>
-    <p:extLst>
-      <p:ext uri="{BB962C8B-B14F-4D97-AF65-F5344CB8AC3E}">
-        <p14:creationId xmlns:p14="http://schemas.microsoft.com/office/powerpoint/2010/main" val="3529625503"/>
-      </p:ext>
-    </p:extLst>
-  </p:cSld>
-  <p:clrMapOvr>
-    <a:masterClrMapping/>
-  </p:clrMapOvr>
-</p:sld>
-</file>
-
-<file path=ppt/slides/slide8.xml><?xml version="1.0" encoding="utf-8"?>
-<p:sld xmlns:a="http://schemas.openxmlformats.org/drawingml/2006/main" xmlns:r="http://schemas.openxmlformats.org/officeDocument/2006/relationships" xmlns:p="http://schemas.openxmlformats.org/presentationml/2006/main">
-  <p:cSld>
-    <p:spTree>
-      <p:nvGrpSpPr>
-        <p:cNvPr id="1" name=""/>
-        <p:cNvGrpSpPr/>
-        <p:nvPr/>
-      </p:nvGrpSpPr>
-      <p:grpSpPr>
-        <a:xfrm>
-          <a:off x="0" y="0"/>
-          <a:ext cx="0" cy="0"/>
-          <a:chOff x="0" y="0"/>
-          <a:chExt cx="0" cy="0"/>
-        </a:xfrm>
-      </p:grpSpPr>
-      <p:sp>
-        <p:nvSpPr>
-          <p:cNvPr id="2" name="Title 1">
-            <a:extLst>
-              <a:ext uri="{FF2B5EF4-FFF2-40B4-BE49-F238E27FC236}">
-                <a16:creationId xmlns:a16="http://schemas.microsoft.com/office/drawing/2014/main" id="{EC8D8021-1756-40F6-B6EC-4D53135CBE66}"/>
-              </a:ext>
-            </a:extLst>
-          </p:cNvPr>
-          <p:cNvSpPr>
-            <a:spLocks noGrp="1"/>
-          </p:cNvSpPr>
-          <p:nvPr>
-            <p:ph type="title"/>
-          </p:nvPr>
-        </p:nvSpPr>
-        <p:spPr/>
-        <p:txBody>
-          <a:bodyPr/>
-          <a:lstStyle/>
-          <a:p>
-            <a:r>
-              <a:rPr lang="en-US" dirty="0"/>
-              <a:t>Spectral Networks</a:t>
-            </a:r>
-          </a:p>
-        </p:txBody>
-      </p:sp>
-      <p:sp>
-        <p:nvSpPr>
-          <p:cNvPr id="3" name="Content Placeholder 2">
-            <a:extLst>
-              <a:ext uri="{FF2B5EF4-FFF2-40B4-BE49-F238E27FC236}">
-                <a16:creationId xmlns:a16="http://schemas.microsoft.com/office/drawing/2014/main" id="{F14ED593-858D-4542-909D-32CE778AF476}"/>
-              </a:ext>
-            </a:extLst>
-          </p:cNvPr>
-          <p:cNvSpPr>
-            <a:spLocks noGrp="1"/>
-          </p:cNvSpPr>
-          <p:nvPr>
-            <p:ph idx="1"/>
-          </p:nvPr>
-        </p:nvSpPr>
-        <p:spPr>
-          <a:xfrm>
-            <a:off x="478369" y="1213308"/>
-            <a:ext cx="11473384" cy="4246291"/>
-          </a:xfrm>
-        </p:spPr>
-        <p:txBody>
-          <a:bodyPr/>
-          <a:lstStyle/>
-          <a:p>
-            <a:r>
-              <a:rPr lang="en-US" u="sng" dirty="0"/>
-              <a:t>Goal</a:t>
-            </a:r>
-            <a:r>
-              <a:rPr lang="en-US" dirty="0"/>
-              <a:t>: How to efficiently enable convolution over multi-dimensional spaces</a:t>
-            </a:r>
-          </a:p>
-          <a:p>
-            <a:r>
-              <a:rPr lang="en-US" u="sng" dirty="0"/>
-              <a:t>Intuition</a:t>
-            </a:r>
-            <a:r>
-              <a:rPr lang="en-US" dirty="0"/>
-              <a:t>: Obtain an architecture that enables a construction where the number of parameters is independent of the input dimension.</a:t>
-            </a:r>
-          </a:p>
-          <a:p>
-            <a:r>
-              <a:rPr lang="en-US" dirty="0"/>
-              <a:t>1- Spatial Construction</a:t>
-            </a:r>
-          </a:p>
-          <a:p>
-            <a:r>
-              <a:rPr lang="en-US" dirty="0"/>
-              <a:t>- Locality</a:t>
-            </a:r>
-          </a:p>
-          <a:p>
-            <a:r>
-              <a:rPr lang="en-US" dirty="0"/>
-              <a:t>- Multi-Resolution</a:t>
-            </a:r>
-          </a:p>
-          <a:p>
-            <a:r>
-              <a:rPr lang="en-US" dirty="0"/>
-              <a:t>2- Spectral Construction</a:t>
-            </a:r>
-          </a:p>
-          <a:p>
-            <a:pPr algn="l"/>
-            <a:r>
-              <a:rPr lang="en-US" sz="1800" dirty="0">
-                <a:latin typeface="NimbusRomNo9L-Regu"/>
-              </a:rPr>
-              <a:t>G</a:t>
-            </a:r>
-            <a:r>
-              <a:rPr lang="en-US" sz="1800" b="0" i="0" u="none" strike="noStrike" baseline="0" dirty="0">
-                <a:latin typeface="NimbusRomNo9L-Regu"/>
-              </a:rPr>
-              <a:t>raph Laplacian, an operator (harmonic analysis on the graphs)</a:t>
-            </a:r>
-            <a:endParaRPr lang="en-US" sz="1800" b="0" i="0" u="none" strike="noStrike" baseline="0" dirty="0">
-              <a:latin typeface="NimbusRomNo9L-Medi"/>
-            </a:endParaRPr>
-          </a:p>
-          <a:p>
-            <a:r>
-              <a:rPr lang="en-US" sz="1800" b="0" i="0" u="none" strike="noStrike" baseline="0" dirty="0">
-                <a:latin typeface="NimbusRomNo9L-Medi"/>
-              </a:rPr>
-              <a:t>Extending Convolutions via the Laplacian Spectrum</a:t>
-            </a:r>
-          </a:p>
-          <a:p>
-            <a:endParaRPr lang="en-US" dirty="0"/>
-          </a:p>
-        </p:txBody>
-      </p:sp>
-      <p:sp>
-        <p:nvSpPr>
-          <p:cNvPr id="4" name="Slide Number Placeholder 3">
-            <a:extLst>
-              <a:ext uri="{FF2B5EF4-FFF2-40B4-BE49-F238E27FC236}">
-                <a16:creationId xmlns:a16="http://schemas.microsoft.com/office/drawing/2014/main" id="{154B9B9E-0A1F-42A5-9F90-289511C63E5C}"/>
-              </a:ext>
-            </a:extLst>
-          </p:cNvPr>
-          <p:cNvSpPr>
-            <a:spLocks noGrp="1"/>
-          </p:cNvSpPr>
-          <p:nvPr>
-            <p:ph type="sldNum" sz="quarter" idx="12"/>
-          </p:nvPr>
-        </p:nvSpPr>
-        <p:spPr/>
-        <p:txBody>
-          <a:bodyPr/>
-          <a:lstStyle/>
-          <a:p>
-            <a:fld id="{81561042-0DC2-4A04-AA50-F6D44EB20EBA}" type="slidenum">
-              <a:rPr lang="en-US" smtClean="0"/>
-              <a:t>8</a:t>
-            </a:fld>
-            <a:endParaRPr lang="en-US"/>
-          </a:p>
-        </p:txBody>
-      </p:sp>
-      <p:pic>
-        <p:nvPicPr>
-          <p:cNvPr id="6" name="Picture 5">
-            <a:extLst>
-              <a:ext uri="{FF2B5EF4-FFF2-40B4-BE49-F238E27FC236}">
-                <a16:creationId xmlns:a16="http://schemas.microsoft.com/office/drawing/2014/main" id="{A0230DF8-4A09-4EBB-BD63-63072B17167B}"/>
-              </a:ext>
-            </a:extLst>
-          </p:cNvPr>
-          <p:cNvPicPr>
-            <a:picLocks noChangeAspect="1"/>
-          </p:cNvPicPr>
-          <p:nvPr/>
-        </p:nvPicPr>
-        <p:blipFill>
-          <a:blip r:embed="rId3"/>
-          <a:stretch>
-            <a:fillRect/>
-          </a:stretch>
-        </p:blipFill>
-        <p:spPr>
-          <a:xfrm>
-            <a:off x="8621114" y="2489624"/>
-            <a:ext cx="3330639" cy="2760577"/>
-          </a:xfrm>
-          <a:prstGeom prst="rect">
-            <a:avLst/>
-          </a:prstGeom>
-        </p:spPr>
-      </p:pic>
-      <p:sp>
-        <p:nvSpPr>
-          <p:cNvPr id="8" name="TextBox 7">
-            <a:extLst>
-              <a:ext uri="{FF2B5EF4-FFF2-40B4-BE49-F238E27FC236}">
-                <a16:creationId xmlns:a16="http://schemas.microsoft.com/office/drawing/2014/main" id="{54CE27FB-273A-44AA-AB49-69CAB07AFED5}"/>
-              </a:ext>
-            </a:extLst>
-          </p:cNvPr>
-          <p:cNvSpPr txBox="1"/>
-          <p:nvPr/>
-        </p:nvSpPr>
-        <p:spPr bwMode="gray">
-          <a:xfrm>
-            <a:off x="162697" y="6486805"/>
-            <a:ext cx="10546492" cy="276999"/>
-          </a:xfrm>
-          <a:prstGeom prst="rect">
-            <a:avLst/>
-          </a:prstGeom>
-          <a:noFill/>
-        </p:spPr>
-        <p:txBody>
-          <a:bodyPr wrap="square">
-            <a:spAutoFit/>
-          </a:bodyPr>
-          <a:lstStyle/>
-          <a:p>
-            <a:pPr marL="0" marR="0" lvl="0" indent="0" algn="l" defTabSz="914400" rtl="0" eaLnBrk="1" fontAlgn="auto" latinLnBrk="0" hangingPunct="1">
-              <a:lnSpc>
-                <a:spcPct val="100000"/>
-              </a:lnSpc>
-              <a:spcBef>
-                <a:spcPts val="0"/>
-              </a:spcBef>
-              <a:spcAft>
-                <a:spcPts val="0"/>
-              </a:spcAft>
-              <a:buClrTx/>
-              <a:buSzTx/>
-              <a:buFontTx/>
-              <a:buNone/>
-              <a:tabLst/>
-              <a:defRPr/>
-            </a:pPr>
-            <a:r>
-              <a:rPr lang="en-US" sz="1200" dirty="0">
-                <a:solidFill>
-                  <a:srgbClr val="222222"/>
-                </a:solidFill>
-                <a:latin typeface="+mj-lt"/>
-              </a:rPr>
-              <a:t>Spectral Networks and Deep Locally Connected Networks on Graphs [Bruna et al. 2013]</a:t>
-            </a:r>
-          </a:p>
-        </p:txBody>
-      </p:sp>
-    </p:spTree>
-    <p:extLst>
-      <p:ext uri="{BB962C8B-B14F-4D97-AF65-F5344CB8AC3E}">
-        <p14:creationId xmlns:p14="http://schemas.microsoft.com/office/powerpoint/2010/main" val="523213465"/>
-      </p:ext>
-    </p:extLst>
-  </p:cSld>
-  <p:clrMapOvr>
-    <a:masterClrMapping/>
-  </p:clrMapOvr>
-</p:sld>
-</file>
-
-<file path=ppt/slides/slide9.xml><?xml version="1.0" encoding="utf-8"?>
-<p:sld xmlns:a="http://schemas.openxmlformats.org/drawingml/2006/main" xmlns:r="http://schemas.openxmlformats.org/officeDocument/2006/relationships" xmlns:p="http://schemas.openxmlformats.org/presentationml/2006/main">
-  <p:cSld>
-    <p:spTree>
-      <p:nvGrpSpPr>
-        <p:cNvPr id="1" name=""/>
-        <p:cNvGrpSpPr/>
-        <p:nvPr/>
-      </p:nvGrpSpPr>
-      <p:grpSpPr>
-        <a:xfrm>
-          <a:off x="0" y="0"/>
-          <a:ext cx="0" cy="0"/>
-          <a:chOff x="0" y="0"/>
-          <a:chExt cx="0" cy="0"/>
-        </a:xfrm>
-      </p:grpSpPr>
-      <p:sp>
-        <p:nvSpPr>
-          <p:cNvPr id="2" name="Title 1">
-            <a:extLst>
-              <a:ext uri="{FF2B5EF4-FFF2-40B4-BE49-F238E27FC236}">
-                <a16:creationId xmlns:a16="http://schemas.microsoft.com/office/drawing/2014/main" id="{E621DEC6-7A08-48B0-914E-B457AE2BDC7E}"/>
-              </a:ext>
-            </a:extLst>
-          </p:cNvPr>
-          <p:cNvSpPr>
-            <a:spLocks noGrp="1"/>
-          </p:cNvSpPr>
-          <p:nvPr>
-            <p:ph type="title"/>
-          </p:nvPr>
-        </p:nvSpPr>
-        <p:spPr>
-          <a:xfrm>
-            <a:off x="240247" y="144001"/>
-            <a:ext cx="10263772" cy="1294503"/>
-          </a:xfrm>
-        </p:spPr>
-        <p:txBody>
-          <a:bodyPr/>
-          <a:lstStyle/>
-          <a:p>
-            <a:r>
-              <a:rPr lang="en-US" sz="2400" b="0" i="0" u="none" strike="noStrike" baseline="0" dirty="0">
-                <a:latin typeface="NimbusRomNo9L-Medi"/>
-              </a:rPr>
-              <a:t>Spectral Temporal Graph Neural Network for Multivariate Time-series Forecasting</a:t>
-            </a:r>
-            <a:br>
-              <a:rPr lang="en-US" dirty="0"/>
-            </a:br>
-            <a:endParaRPr lang="en-US" dirty="0"/>
-          </a:p>
-        </p:txBody>
-      </p:sp>
-      <p:sp>
-        <p:nvSpPr>
-          <p:cNvPr id="3" name="Content Placeholder 2">
-            <a:extLst>
-              <a:ext uri="{FF2B5EF4-FFF2-40B4-BE49-F238E27FC236}">
-                <a16:creationId xmlns:a16="http://schemas.microsoft.com/office/drawing/2014/main" id="{6505695A-1897-4FB5-910F-077FB8880421}"/>
-              </a:ext>
-            </a:extLst>
-          </p:cNvPr>
-          <p:cNvSpPr>
-            <a:spLocks noGrp="1"/>
-          </p:cNvSpPr>
-          <p:nvPr>
-            <p:ph idx="1"/>
-          </p:nvPr>
-        </p:nvSpPr>
-        <p:spPr>
-          <a:xfrm>
-            <a:off x="478369" y="961954"/>
-            <a:ext cx="11473384" cy="769441"/>
-          </a:xfrm>
-        </p:spPr>
-        <p:txBody>
-          <a:bodyPr/>
-          <a:lstStyle/>
-          <a:p>
-            <a:pPr algn="l"/>
-            <a:r>
-              <a:rPr lang="en-US" sz="1800" b="0" i="0" u="none" strike="noStrike" baseline="0" dirty="0">
-                <a:latin typeface="NimbusRomNo9L-Regu"/>
-              </a:rPr>
-              <a:t>Goal: model the </a:t>
-            </a:r>
-            <a:r>
-              <a:rPr lang="en-US" sz="1800" b="0" i="0" u="sng" strike="noStrike" baseline="0" dirty="0">
-                <a:latin typeface="NimbusRomNo9L-Regu"/>
-              </a:rPr>
-              <a:t>intra-series</a:t>
-            </a:r>
-            <a:r>
-              <a:rPr lang="en-US" sz="1800" b="0" i="0" u="none" strike="noStrike" baseline="0" dirty="0">
-                <a:latin typeface="NimbusRomNo9L-Regu"/>
-              </a:rPr>
-              <a:t> temporal patterns and </a:t>
-            </a:r>
-            <a:r>
-              <a:rPr lang="en-US" sz="1800" b="0" i="0" u="sng" strike="noStrike" baseline="0" dirty="0">
-                <a:latin typeface="NimbusRomNo9L-Regu"/>
-              </a:rPr>
-              <a:t>inter-series</a:t>
-            </a:r>
-            <a:r>
-              <a:rPr lang="en-US" sz="1800" b="0" i="0" u="none" strike="noStrike" baseline="0" dirty="0">
-                <a:latin typeface="NimbusRomNo9L-Regu"/>
-              </a:rPr>
-              <a:t> correlations jointly</a:t>
-            </a:r>
-          </a:p>
-          <a:p>
-            <a:pPr algn="l"/>
-            <a:r>
-              <a:rPr lang="en-US" sz="1800" dirty="0">
-                <a:latin typeface="NimbusRomNo9L-Regu"/>
-              </a:rPr>
-              <a:t>Time Series Fundamentals (</a:t>
-            </a:r>
-            <a:r>
-              <a:rPr lang="en-US" sz="1800" dirty="0" err="1">
-                <a:latin typeface="NimbusRomNo9L-Regu"/>
-              </a:rPr>
-              <a:t>Garch</a:t>
-            </a:r>
-            <a:r>
-              <a:rPr lang="en-US" sz="1800" dirty="0">
-                <a:latin typeface="NimbusRomNo9L-Regu"/>
-              </a:rPr>
-              <a:t> and Granger Causality models?)</a:t>
-            </a:r>
-            <a:endParaRPr lang="en-US" sz="1800" b="0" i="0" u="none" strike="noStrike" baseline="0" dirty="0">
-              <a:latin typeface="NimbusRomNo9L-Regu"/>
-            </a:endParaRPr>
-          </a:p>
-        </p:txBody>
-      </p:sp>
-      <p:sp>
-        <p:nvSpPr>
-          <p:cNvPr id="4" name="Slide Number Placeholder 3">
-            <a:extLst>
-              <a:ext uri="{FF2B5EF4-FFF2-40B4-BE49-F238E27FC236}">
-                <a16:creationId xmlns:a16="http://schemas.microsoft.com/office/drawing/2014/main" id="{9035070E-61BC-403A-A7FD-D8C30335FD56}"/>
-              </a:ext>
-            </a:extLst>
-          </p:cNvPr>
-          <p:cNvSpPr>
-            <a:spLocks noGrp="1"/>
-          </p:cNvSpPr>
-          <p:nvPr>
-            <p:ph type="sldNum" sz="quarter" idx="12"/>
-          </p:nvPr>
-        </p:nvSpPr>
-        <p:spPr/>
-        <p:txBody>
-          <a:bodyPr/>
-          <a:lstStyle/>
-          <a:p>
-            <a:fld id="{81561042-0DC2-4A04-AA50-F6D44EB20EBA}" type="slidenum">
-              <a:rPr lang="en-US" smtClean="0"/>
-              <a:t>9</a:t>
-            </a:fld>
-            <a:endParaRPr lang="en-US"/>
-          </a:p>
-        </p:txBody>
-      </p:sp>
-      <p:pic>
-        <p:nvPicPr>
-          <p:cNvPr id="8" name="Picture 7">
-            <a:extLst>
-              <a:ext uri="{FF2B5EF4-FFF2-40B4-BE49-F238E27FC236}">
-                <a16:creationId xmlns:a16="http://schemas.microsoft.com/office/drawing/2014/main" id="{54DB1768-DEC7-46DB-A5D7-D4A584B5E486}"/>
-              </a:ext>
-            </a:extLst>
-          </p:cNvPr>
-          <p:cNvPicPr>
-            <a:picLocks noChangeAspect="1"/>
-          </p:cNvPicPr>
-          <p:nvPr/>
-        </p:nvPicPr>
-        <p:blipFill>
-          <a:blip r:embed="rId3"/>
-          <a:stretch>
-            <a:fillRect/>
-          </a:stretch>
-        </p:blipFill>
-        <p:spPr>
-          <a:xfrm>
-            <a:off x="6465225" y="1702271"/>
-            <a:ext cx="4791203" cy="1150471"/>
-          </a:xfrm>
-          <a:prstGeom prst="rect">
-            <a:avLst/>
-          </a:prstGeom>
-        </p:spPr>
-      </p:pic>
-      <p:pic>
-        <p:nvPicPr>
-          <p:cNvPr id="12" name="Picture 11">
-            <a:extLst>
-              <a:ext uri="{FF2B5EF4-FFF2-40B4-BE49-F238E27FC236}">
-                <a16:creationId xmlns:a16="http://schemas.microsoft.com/office/drawing/2014/main" id="{C37067E7-AD4C-4EE8-A8A7-B29D9A0F712D}"/>
-              </a:ext>
-            </a:extLst>
-          </p:cNvPr>
-          <p:cNvPicPr>
-            <a:picLocks noChangeAspect="1"/>
-          </p:cNvPicPr>
-          <p:nvPr/>
-        </p:nvPicPr>
-        <p:blipFill>
-          <a:blip r:embed="rId4"/>
-          <a:stretch>
-            <a:fillRect/>
-          </a:stretch>
-        </p:blipFill>
-        <p:spPr>
-          <a:xfrm>
-            <a:off x="5481851" y="2892913"/>
-            <a:ext cx="6372354" cy="2032199"/>
-          </a:xfrm>
-          <a:prstGeom prst="rect">
-            <a:avLst/>
-          </a:prstGeom>
-        </p:spPr>
-      </p:pic>
-      <p:pic>
-        <p:nvPicPr>
-          <p:cNvPr id="10" name="Picture 9">
-            <a:extLst>
-              <a:ext uri="{FF2B5EF4-FFF2-40B4-BE49-F238E27FC236}">
-                <a16:creationId xmlns:a16="http://schemas.microsoft.com/office/drawing/2014/main" id="{14D3C568-DF89-4771-A61A-D3F678A7ECD8}"/>
-              </a:ext>
-            </a:extLst>
-          </p:cNvPr>
-          <p:cNvPicPr>
-            <a:picLocks noChangeAspect="1"/>
-          </p:cNvPicPr>
-          <p:nvPr/>
-        </p:nvPicPr>
-        <p:blipFill>
-          <a:blip r:embed="rId5"/>
-          <a:stretch>
-            <a:fillRect/>
-          </a:stretch>
-        </p:blipFill>
-        <p:spPr>
-          <a:xfrm>
-            <a:off x="11256428" y="3084348"/>
-            <a:ext cx="695325" cy="476250"/>
-          </a:xfrm>
-          <a:prstGeom prst="rect">
-            <a:avLst/>
-          </a:prstGeom>
-        </p:spPr>
-      </p:pic>
-      <p:pic>
-        <p:nvPicPr>
-          <p:cNvPr id="14" name="Picture 13">
-            <a:extLst>
-              <a:ext uri="{FF2B5EF4-FFF2-40B4-BE49-F238E27FC236}">
-                <a16:creationId xmlns:a16="http://schemas.microsoft.com/office/drawing/2014/main" id="{B12156FF-54A4-4080-9E70-BEA5E2CECFED}"/>
-              </a:ext>
-            </a:extLst>
-          </p:cNvPr>
-          <p:cNvPicPr>
-            <a:picLocks noChangeAspect="1"/>
-          </p:cNvPicPr>
-          <p:nvPr/>
-        </p:nvPicPr>
-        <p:blipFill>
-          <a:blip r:embed="rId6"/>
-          <a:stretch>
-            <a:fillRect/>
-          </a:stretch>
-        </p:blipFill>
-        <p:spPr>
-          <a:xfrm>
-            <a:off x="7143555" y="5524069"/>
-            <a:ext cx="4919695" cy="634364"/>
-          </a:xfrm>
-          <a:prstGeom prst="rect">
-            <a:avLst/>
-          </a:prstGeom>
-        </p:spPr>
-      </p:pic>
-      <p:sp>
-        <p:nvSpPr>
-          <p:cNvPr id="16" name="TextBox 15">
-            <a:extLst>
-              <a:ext uri="{FF2B5EF4-FFF2-40B4-BE49-F238E27FC236}">
-                <a16:creationId xmlns:a16="http://schemas.microsoft.com/office/drawing/2014/main" id="{4ADA5F1D-035E-4E0C-B0AD-A9F5FA17057F}"/>
-              </a:ext>
-            </a:extLst>
-          </p:cNvPr>
-          <p:cNvSpPr txBox="1"/>
-          <p:nvPr/>
-        </p:nvSpPr>
-        <p:spPr bwMode="gray">
-          <a:xfrm>
-            <a:off x="9079447" y="6158433"/>
-            <a:ext cx="2292011" cy="369332"/>
-          </a:xfrm>
-          <a:prstGeom prst="rect">
-            <a:avLst/>
-          </a:prstGeom>
-          <a:noFill/>
-        </p:spPr>
-        <p:txBody>
-          <a:bodyPr wrap="square">
-            <a:spAutoFit/>
-          </a:bodyPr>
-          <a:lstStyle/>
-          <a:p>
-            <a:r>
-              <a:rPr lang="en-US" sz="1800" b="0" i="0" u="none" strike="noStrike" baseline="0" dirty="0">
-                <a:latin typeface="NimbusRomNo9L-Medi"/>
-              </a:rPr>
-              <a:t>Loss Function</a:t>
-            </a:r>
-            <a:endParaRPr lang="en-US" dirty="0"/>
-          </a:p>
-        </p:txBody>
-      </p:sp>
-      <p:pic>
-        <p:nvPicPr>
-          <p:cNvPr id="18" name="Picture 17">
-            <a:extLst>
-              <a:ext uri="{FF2B5EF4-FFF2-40B4-BE49-F238E27FC236}">
-                <a16:creationId xmlns:a16="http://schemas.microsoft.com/office/drawing/2014/main" id="{9DC713D5-A777-46CE-A0EC-5EBD7C464682}"/>
-              </a:ext>
-            </a:extLst>
-          </p:cNvPr>
-          <p:cNvPicPr>
-            <a:picLocks noChangeAspect="1"/>
-          </p:cNvPicPr>
-          <p:nvPr/>
-        </p:nvPicPr>
-        <p:blipFill>
-          <a:blip r:embed="rId7"/>
-          <a:stretch>
-            <a:fillRect/>
-          </a:stretch>
-        </p:blipFill>
-        <p:spPr>
-          <a:xfrm>
-            <a:off x="2233516" y="5494030"/>
-            <a:ext cx="4431201" cy="694442"/>
-          </a:xfrm>
-          <a:prstGeom prst="rect">
-            <a:avLst/>
-          </a:prstGeom>
-        </p:spPr>
-      </p:pic>
-      <p:sp>
-        <p:nvSpPr>
-          <p:cNvPr id="19" name="TextBox 18">
-            <a:extLst>
-              <a:ext uri="{FF2B5EF4-FFF2-40B4-BE49-F238E27FC236}">
-                <a16:creationId xmlns:a16="http://schemas.microsoft.com/office/drawing/2014/main" id="{E9987476-FE22-4C78-B4CD-42D1A8DC9FF4}"/>
-              </a:ext>
-            </a:extLst>
-          </p:cNvPr>
-          <p:cNvSpPr txBox="1"/>
-          <p:nvPr/>
-        </p:nvSpPr>
-        <p:spPr bwMode="gray">
-          <a:xfrm>
-            <a:off x="3080122" y="6166635"/>
-            <a:ext cx="2793456" cy="369332"/>
-          </a:xfrm>
-          <a:prstGeom prst="rect">
-            <a:avLst/>
-          </a:prstGeom>
-          <a:noFill/>
-        </p:spPr>
-        <p:txBody>
-          <a:bodyPr wrap="square">
-            <a:spAutoFit/>
-          </a:bodyPr>
-          <a:lstStyle/>
-          <a:p>
-            <a:r>
-              <a:rPr lang="en-US" sz="1800" b="0" i="0" u="none" strike="noStrike" baseline="0" dirty="0">
-                <a:latin typeface="NimbusRomNo9L-Medi"/>
-              </a:rPr>
-              <a:t>Latent Correlation Layer</a:t>
-            </a:r>
-            <a:endParaRPr lang="en-US" dirty="0"/>
-          </a:p>
-        </p:txBody>
-      </p:sp>
-      <p:pic>
-        <p:nvPicPr>
-          <p:cNvPr id="21" name="Picture 20">
-            <a:extLst>
-              <a:ext uri="{FF2B5EF4-FFF2-40B4-BE49-F238E27FC236}">
-                <a16:creationId xmlns:a16="http://schemas.microsoft.com/office/drawing/2014/main" id="{1F48D6EA-B6D9-4D9E-904D-CDC6D3B1D91D}"/>
-              </a:ext>
-            </a:extLst>
-          </p:cNvPr>
-          <p:cNvPicPr>
-            <a:picLocks noChangeAspect="1"/>
-          </p:cNvPicPr>
-          <p:nvPr/>
-        </p:nvPicPr>
-        <p:blipFill>
-          <a:blip r:embed="rId8"/>
-          <a:stretch>
-            <a:fillRect/>
-          </a:stretch>
-        </p:blipFill>
-        <p:spPr>
-          <a:xfrm>
-            <a:off x="561073" y="3261763"/>
-            <a:ext cx="4314825" cy="952500"/>
-          </a:xfrm>
-          <a:prstGeom prst="rect">
-            <a:avLst/>
-          </a:prstGeom>
-        </p:spPr>
-      </p:pic>
-      <p:sp>
-        <p:nvSpPr>
-          <p:cNvPr id="23" name="TextBox 22">
-            <a:extLst>
-              <a:ext uri="{FF2B5EF4-FFF2-40B4-BE49-F238E27FC236}">
-                <a16:creationId xmlns:a16="http://schemas.microsoft.com/office/drawing/2014/main" id="{561CAAC7-6848-4CF1-A39B-52A49740F546}"/>
-              </a:ext>
-            </a:extLst>
-          </p:cNvPr>
-          <p:cNvSpPr txBox="1"/>
-          <p:nvPr/>
-        </p:nvSpPr>
-        <p:spPr bwMode="gray">
-          <a:xfrm>
-            <a:off x="755822" y="4144409"/>
-            <a:ext cx="6240162" cy="369332"/>
-          </a:xfrm>
-          <a:prstGeom prst="rect">
-            <a:avLst/>
-          </a:prstGeom>
-          <a:noFill/>
-        </p:spPr>
-        <p:txBody>
-          <a:bodyPr wrap="square">
-            <a:spAutoFit/>
-          </a:bodyPr>
-          <a:lstStyle/>
-          <a:p>
-            <a:r>
-              <a:rPr lang="en-US" sz="1800" b="0" i="0" u="none" strike="noStrike" baseline="0" dirty="0">
-                <a:latin typeface="NimbusRomNo9L-Regu"/>
-              </a:rPr>
-              <a:t>Graph Fourier Transform (GFT)</a:t>
-            </a:r>
-          </a:p>
-        </p:txBody>
-      </p:sp>
-      <p:pic>
-        <p:nvPicPr>
-          <p:cNvPr id="25" name="Picture 24">
-            <a:extLst>
-              <a:ext uri="{FF2B5EF4-FFF2-40B4-BE49-F238E27FC236}">
-                <a16:creationId xmlns:a16="http://schemas.microsoft.com/office/drawing/2014/main" id="{C15CF43D-A02E-4789-800A-CE3B52CDA7DA}"/>
-              </a:ext>
-            </a:extLst>
-          </p:cNvPr>
-          <p:cNvPicPr>
-            <a:picLocks noChangeAspect="1"/>
-          </p:cNvPicPr>
-          <p:nvPr/>
-        </p:nvPicPr>
-        <p:blipFill>
-          <a:blip r:embed="rId9"/>
-          <a:stretch>
-            <a:fillRect/>
-          </a:stretch>
-        </p:blipFill>
-        <p:spPr>
-          <a:xfrm>
-            <a:off x="1742303" y="4919278"/>
-            <a:ext cx="7620000" cy="381000"/>
-          </a:xfrm>
-          <a:prstGeom prst="rect">
-            <a:avLst/>
-          </a:prstGeom>
-        </p:spPr>
-      </p:pic>
-      <p:sp>
-        <p:nvSpPr>
-          <p:cNvPr id="27" name="TextBox 26">
-            <a:extLst>
-              <a:ext uri="{FF2B5EF4-FFF2-40B4-BE49-F238E27FC236}">
-                <a16:creationId xmlns:a16="http://schemas.microsoft.com/office/drawing/2014/main" id="{C62A6F20-5101-479E-97C4-CF7C6351150B}"/>
-              </a:ext>
-            </a:extLst>
-          </p:cNvPr>
-          <p:cNvSpPr txBox="1"/>
-          <p:nvPr/>
-        </p:nvSpPr>
-        <p:spPr bwMode="gray">
-          <a:xfrm>
-            <a:off x="3784055" y="5211721"/>
-            <a:ext cx="6240162" cy="369332"/>
-          </a:xfrm>
-          <a:prstGeom prst="rect">
-            <a:avLst/>
-          </a:prstGeom>
-          <a:noFill/>
-        </p:spPr>
-        <p:txBody>
-          <a:bodyPr wrap="square">
-            <a:spAutoFit/>
-          </a:bodyPr>
-          <a:lstStyle/>
-          <a:p>
-            <a:r>
-              <a:rPr lang="en-US" sz="1800" b="0" i="0" u="none" strike="noStrike" baseline="0" dirty="0">
-                <a:latin typeface="NimbusRomNo9L-Regu"/>
-              </a:rPr>
-              <a:t>Discrete Fourier Transform (DFT)</a:t>
-            </a:r>
-            <a:endParaRPr lang="en-US" dirty="0"/>
-          </a:p>
-        </p:txBody>
-      </p:sp>
-    </p:spTree>
-    <p:extLst>
-      <p:ext uri="{BB962C8B-B14F-4D97-AF65-F5344CB8AC3E}">
-        <p14:creationId xmlns:p14="http://schemas.microsoft.com/office/powerpoint/2010/main" val="595803113"/>
-      </p:ext>
-    </p:extLst>
-  </p:cSld>
-  <p:clrMapOvr>
-    <a:masterClrMapping/>
-  </p:clrMapOvr>
 </p:sld>
 </file>
 
